--- a/Documents/Timbreuse presv1.pptx
+++ b/Documents/Timbreuse presv1.pptx
@@ -5,16 +5,25 @@
     <p:sldMasterId id="2147483660" r:id="rId4"/>
   </p:sldMasterIdLst>
   <p:notesMasterIdLst>
-    <p:notesMasterId r:id="rId9"/>
+    <p:notesMasterId r:id="rId18"/>
   </p:notesMasterIdLst>
   <p:handoutMasterIdLst>
-    <p:handoutMasterId r:id="rId10"/>
+    <p:handoutMasterId r:id="rId19"/>
   </p:handoutMasterIdLst>
   <p:sldIdLst>
     <p:sldId id="257" r:id="rId5"/>
     <p:sldId id="268" r:id="rId6"/>
     <p:sldId id="267" r:id="rId7"/>
-    <p:sldId id="272" r:id="rId8"/>
+    <p:sldId id="274" r:id="rId8"/>
+    <p:sldId id="283" r:id="rId9"/>
+    <p:sldId id="275" r:id="rId10"/>
+    <p:sldId id="276" r:id="rId11"/>
+    <p:sldId id="278" r:id="rId12"/>
+    <p:sldId id="282" r:id="rId13"/>
+    <p:sldId id="279" r:id="rId14"/>
+    <p:sldId id="280" r:id="rId15"/>
+    <p:sldId id="281" r:id="rId16"/>
+    <p:sldId id="273" r:id="rId17"/>
   </p:sldIdLst>
   <p:sldSz cx="12188825" cy="6858000"/>
   <p:notesSz cx="6858000" cy="9144000"/>
@@ -230,7 +239,7 @@
             <a:pPr algn="r" rtl="0"/>
             <a:fld id="{D8AF6929-4F16-43A6-8368-BF93843271D3}" type="datetime1">
               <a:rPr lang="fr-FR" smtClean="0"/>
-              <a:t>28/05/2017</a:t>
+              <a:t>01/06/2017</a:t>
             </a:fld>
             <a:endParaRPr lang="fr-FR" dirty="0"/>
           </a:p>
@@ -400,7 +409,7 @@
             <a:fld id="{4D9CF8A1-AC6C-4B34-A6AF-5306B09514F1}" type="datetime1">
               <a:rPr lang="fr-FR" smtClean="0"/>
               <a:pPr/>
-              <a:t>28/05/2017</a:t>
+              <a:t>01/06/2017</a:t>
             </a:fld>
             <a:endParaRPr lang="fr-FR" dirty="0"/>
           </a:p>
@@ -921,92 +930,6 @@
     <p:extLst>
       <p:ext uri="{BB962C8B-B14F-4D97-AF65-F5344CB8AC3E}">
         <p14:creationId xmlns:p14="http://schemas.microsoft.com/office/powerpoint/2010/main" val="4045330911"/>
-      </p:ext>
-    </p:extLst>
-  </p:cSld>
-  <p:clrMapOvr>
-    <a:masterClrMapping/>
-  </p:clrMapOvr>
-</p:notes>
-</file>
-
-<file path=ppt/notesSlides/notesSlide4.xml><?xml version="1.0" encoding="utf-8"?>
-<p:notes xmlns:a="http://schemas.openxmlformats.org/drawingml/2006/main" xmlns:r="http://schemas.openxmlformats.org/officeDocument/2006/relationships" xmlns:p="http://schemas.openxmlformats.org/presentationml/2006/main">
-  <p:cSld>
-    <p:spTree>
-      <p:nvGrpSpPr>
-        <p:cNvPr id="1" name=""/>
-        <p:cNvGrpSpPr/>
-        <p:nvPr/>
-      </p:nvGrpSpPr>
-      <p:grpSpPr>
-        <a:xfrm>
-          <a:off x="0" y="0"/>
-          <a:ext cx="0" cy="0"/>
-          <a:chOff x="0" y="0"/>
-          <a:chExt cx="0" cy="0"/>
-        </a:xfrm>
-      </p:grpSpPr>
-      <p:sp>
-        <p:nvSpPr>
-          <p:cNvPr id="2" name="Espace réservé de l'image des diapositives 1"/>
-          <p:cNvSpPr>
-            <a:spLocks noGrp="1" noRot="1" noChangeAspect="1"/>
-          </p:cNvSpPr>
-          <p:nvPr>
-            <p:ph type="sldImg"/>
-          </p:nvPr>
-        </p:nvSpPr>
-        <p:spPr/>
-      </p:sp>
-      <p:sp>
-        <p:nvSpPr>
-          <p:cNvPr id="3" name="Espace réservé des notes 2"/>
-          <p:cNvSpPr>
-            <a:spLocks noGrp="1"/>
-          </p:cNvSpPr>
-          <p:nvPr>
-            <p:ph type="body" idx="1"/>
-          </p:nvPr>
-        </p:nvSpPr>
-        <p:spPr/>
-        <p:txBody>
-          <a:bodyPr/>
-          <a:lstStyle/>
-          <a:p>
-            <a:endParaRPr lang="fr-FR" dirty="0"/>
-          </a:p>
-        </p:txBody>
-      </p:sp>
-      <p:sp>
-        <p:nvSpPr>
-          <p:cNvPr id="4" name="Espace réservé du numéro de diapositive 3"/>
-          <p:cNvSpPr>
-            <a:spLocks noGrp="1"/>
-          </p:cNvSpPr>
-          <p:nvPr>
-            <p:ph type="sldNum" sz="quarter" idx="10"/>
-          </p:nvPr>
-        </p:nvSpPr>
-        <p:spPr/>
-        <p:txBody>
-          <a:bodyPr/>
-          <a:lstStyle/>
-          <a:p>
-            <a:pPr algn="r"/>
-            <a:fld id="{3EBA5BD7-F043-4D1B-AA17-CD412FC534DE}" type="slidenum">
-              <a:rPr lang="fr-FR" smtClean="0"/>
-              <a:pPr algn="r"/>
-              <a:t>4</a:t>
-            </a:fld>
-            <a:endParaRPr lang="fr-FR" dirty="0"/>
-          </a:p>
-        </p:txBody>
-      </p:sp>
-    </p:spTree>
-    <p:extLst>
-      <p:ext uri="{BB962C8B-B14F-4D97-AF65-F5344CB8AC3E}">
-        <p14:creationId xmlns:p14="http://schemas.microsoft.com/office/powerpoint/2010/main" val="2167899227"/>
       </p:ext>
     </p:extLst>
   </p:cSld>
@@ -1779,7 +1702,7 @@
             <a:fld id="{3E36D263-5C89-4D5D-8B05-0120FB33B4BA}" type="datetime1">
               <a:rPr lang="fr-FR" smtClean="0"/>
               <a:pPr/>
-              <a:t>28/05/2017</a:t>
+              <a:t>01/06/2017</a:t>
             </a:fld>
             <a:endParaRPr lang="fr-FR" dirty="0"/>
           </a:p>
@@ -1986,7 +1909,7 @@
             <a:fld id="{8A1D2FCC-4233-4F14-8EDB-8DB44C2A50E0}" type="datetime1">
               <a:rPr lang="fr-FR" smtClean="0"/>
               <a:pPr/>
-              <a:t>28/05/2017</a:t>
+              <a:t>01/06/2017</a:t>
             </a:fld>
             <a:endParaRPr lang="fr-FR" dirty="0"/>
           </a:p>
@@ -2203,7 +2126,7 @@
             <a:fld id="{763F31CA-359D-41CC-AD54-062A6FB97288}" type="datetime1">
               <a:rPr lang="fr-FR" smtClean="0"/>
               <a:pPr/>
-              <a:t>28/05/2017</a:t>
+              <a:t>01/06/2017</a:t>
             </a:fld>
             <a:endParaRPr lang="fr-FR" dirty="0"/>
           </a:p>
@@ -2410,7 +2333,7 @@
             <a:fld id="{E2899D0D-1C7F-4044-B286-354B51780DED}" type="datetime1">
               <a:rPr lang="fr-FR" smtClean="0"/>
               <a:pPr/>
-              <a:t>28/05/2017</a:t>
+              <a:t>01/06/2017</a:t>
             </a:fld>
             <a:endParaRPr lang="fr-FR" dirty="0"/>
           </a:p>
@@ -2851,7 +2774,7 @@
             <a:fld id="{BEFD5C92-4BB1-4FBC-932D-AE246A545D97}" type="datetime1">
               <a:rPr lang="fr-FR" smtClean="0"/>
               <a:pPr/>
-              <a:t>28/05/2017</a:t>
+              <a:t>01/06/2017</a:t>
             </a:fld>
             <a:endParaRPr lang="fr-FR" dirty="0"/>
           </a:p>
@@ -3164,7 +3087,7 @@
             <a:fld id="{6B22FCC3-3DC7-4160-A3CE-82200479EFA7}" type="datetime1">
               <a:rPr lang="fr-FR" smtClean="0"/>
               <a:pPr/>
-              <a:t>28/05/2017</a:t>
+              <a:t>01/06/2017</a:t>
             </a:fld>
             <a:endParaRPr lang="fr-FR" dirty="0"/>
           </a:p>
@@ -3629,7 +3552,7 @@
             <a:fld id="{17AB33AB-93D8-496F-A7A3-D08F359C34C7}" type="datetime1">
               <a:rPr lang="fr-FR" smtClean="0"/>
               <a:pPr/>
-              <a:t>28/05/2017</a:t>
+              <a:t>01/06/2017</a:t>
             </a:fld>
             <a:endParaRPr lang="fr-FR" dirty="0"/>
           </a:p>
@@ -3768,7 +3691,7 @@
             <a:fld id="{5B80ABE1-D260-4843-B80F-7D5268AEEE07}" type="datetime1">
               <a:rPr lang="fr-FR" smtClean="0"/>
               <a:pPr/>
-              <a:t>28/05/2017</a:t>
+              <a:t>01/06/2017</a:t>
             </a:fld>
             <a:endParaRPr lang="fr-FR" dirty="0"/>
           </a:p>
@@ -3883,7 +3806,7 @@
             <a:fld id="{88B7253B-1B29-4A13-B3F4-5ABF9F84795C}" type="datetime1">
               <a:rPr lang="fr-FR" smtClean="0"/>
               <a:pPr/>
-              <a:t>28/05/2017</a:t>
+              <a:t>01/06/2017</a:t>
             </a:fld>
             <a:endParaRPr lang="fr-FR" dirty="0"/>
           </a:p>
@@ -4191,7 +4114,7 @@
             <a:fld id="{3FF95AA5-BF1E-4EB9-A1D5-0AB2DD60A2D9}" type="datetime1">
               <a:rPr lang="fr-FR" smtClean="0"/>
               <a:pPr/>
-              <a:t>28/05/2017</a:t>
+              <a:t>01/06/2017</a:t>
             </a:fld>
             <a:endParaRPr lang="fr-FR" dirty="0"/>
           </a:p>
@@ -4489,7 +4412,7 @@
             <a:fld id="{6F7BC923-82FA-41E3-BF4E-E946B22CD3AC}" type="datetime1">
               <a:rPr lang="fr-FR" smtClean="0"/>
               <a:pPr/>
-              <a:t>28/05/2017</a:t>
+              <a:t>01/06/2017</a:t>
             </a:fld>
             <a:endParaRPr lang="fr-FR" dirty="0"/>
           </a:p>
@@ -5116,7 +5039,7 @@
             <a:fld id="{64A97F8E-A89E-4ECD-B8CE-87968877804C}" type="datetime1">
               <a:rPr lang="fr-FR" smtClean="0"/>
               <a:pPr/>
-              <a:t>28/05/2017</a:t>
+              <a:t>01/06/2017</a:t>
             </a:fld>
             <a:endParaRPr lang="fr-FR" dirty="0"/>
           </a:p>
@@ -5598,7 +5521,12 @@
             <p:ph type="ctrTitle"/>
           </p:nvPr>
         </p:nvSpPr>
-        <p:spPr/>
+        <p:spPr>
+          <a:xfrm>
+            <a:off x="1625177" y="584200"/>
+            <a:ext cx="3245099" cy="2000251"/>
+          </a:xfrm>
+        </p:spPr>
         <p:txBody>
           <a:bodyPr rtlCol="0"/>
           <a:lstStyle/>
@@ -5606,7 +5534,7 @@
             <a:pPr rtl="0"/>
             <a:r>
               <a:rPr lang="fr-FR" dirty="0" smtClean="0"/>
-              <a:t>Timbreuse 2.0</a:t>
+              <a:t>Timbreuse</a:t>
             </a:r>
             <a:endParaRPr lang="fr-FR" dirty="0"/>
           </a:p>
@@ -5636,10 +5564,480 @@
           </a:p>
         </p:txBody>
       </p:sp>
+      <p:pic>
+        <p:nvPicPr>
+          <p:cNvPr id="4" name="Image 3"/>
+          <p:cNvPicPr>
+            <a:picLocks noChangeAspect="1"/>
+          </p:cNvPicPr>
+          <p:nvPr/>
+        </p:nvPicPr>
+        <p:blipFill>
+          <a:blip r:embed="rId3">
+            <a:extLst>
+              <a:ext uri="{28A0092B-C50C-407E-A947-70E740481C1C}">
+                <a14:useLocalDpi xmlns:a14="http://schemas.microsoft.com/office/drawing/2010/main" val="0"/>
+              </a:ext>
+            </a:extLst>
+          </a:blip>
+          <a:stretch>
+            <a:fillRect/>
+          </a:stretch>
+        </p:blipFill>
+        <p:spPr>
+          <a:xfrm>
+            <a:off x="10207718" y="6126"/>
+            <a:ext cx="1981107" cy="1760984"/>
+          </a:xfrm>
+          <a:prstGeom prst="rect">
+            <a:avLst/>
+          </a:prstGeom>
+        </p:spPr>
+      </p:pic>
+      <p:sp>
+        <p:nvSpPr>
+          <p:cNvPr id="7" name="Titre 1"/>
+          <p:cNvSpPr txBox="1">
+            <a:spLocks/>
+          </p:cNvSpPr>
+          <p:nvPr/>
+        </p:nvSpPr>
+        <p:spPr>
+          <a:xfrm>
+            <a:off x="4726260" y="1767110"/>
+            <a:ext cx="1152128" cy="849090"/>
+          </a:xfrm>
+          <a:prstGeom prst="rect">
+            <a:avLst/>
+          </a:prstGeom>
+        </p:spPr>
+        <p:txBody>
+          <a:bodyPr vert="horz" lIns="121899" tIns="60949" rIns="121899" bIns="60949" rtlCol="0" anchor="b">
+            <a:normAutofit lnSpcReduction="10000"/>
+          </a:bodyPr>
+          <a:lstStyle>
+            <a:lvl1pPr algn="l" defTabSz="1218987" rtl="0" eaLnBrk="1" latinLnBrk="0" hangingPunct="1">
+              <a:lnSpc>
+                <a:spcPct val="90000"/>
+              </a:lnSpc>
+              <a:spcBef>
+                <a:spcPct val="0"/>
+              </a:spcBef>
+              <a:buNone/>
+              <a:defRPr sz="5400" kern="1200">
+                <a:solidFill>
+                  <a:schemeClr val="tx1"/>
+                </a:solidFill>
+                <a:latin typeface="+mj-lt"/>
+                <a:ea typeface="+mj-ea"/>
+                <a:cs typeface="+mj-cs"/>
+              </a:defRPr>
+            </a:lvl1pPr>
+          </a:lstStyle>
+          <a:p>
+            <a:r>
+              <a:rPr lang="fr-FR" dirty="0" smtClean="0">
+                <a:solidFill>
+                  <a:srgbClr val="FF0000"/>
+                </a:solidFill>
+              </a:rPr>
+              <a:t>2.0</a:t>
+            </a:r>
+            <a:endParaRPr lang="fr-FR" dirty="0">
+              <a:solidFill>
+                <a:srgbClr val="FF0000"/>
+              </a:solidFill>
+            </a:endParaRPr>
+          </a:p>
+        </p:txBody>
+      </p:sp>
     </p:spTree>
     <p:extLst>
       <p:ext uri="{BB962C8B-B14F-4D97-AF65-F5344CB8AC3E}">
         <p14:creationId xmlns:p14="http://schemas.microsoft.com/office/powerpoint/2010/main" val="1332291891"/>
+      </p:ext>
+    </p:extLst>
+  </p:cSld>
+  <p:clrMapOvr>
+    <a:masterClrMapping/>
+  </p:clrMapOvr>
+  <mc:AlternateContent xmlns:mc="http://schemas.openxmlformats.org/markup-compatibility/2006">
+    <mc:Choice xmlns:p14="http://schemas.microsoft.com/office/powerpoint/2010/main" Requires="p14">
+      <p:transition spd="slow" p14:dur="1500">
+        <p:split orient="vert"/>
+      </p:transition>
+    </mc:Choice>
+    <mc:Fallback>
+      <p:transition spd="slow">
+        <p:split orient="vert"/>
+      </p:transition>
+    </mc:Fallback>
+  </mc:AlternateContent>
+  <p:timing>
+    <p:tnLst>
+      <p:par>
+        <p:cTn id="1" dur="indefinite" restart="never" nodeType="tmRoot">
+          <p:childTnLst>
+            <p:seq concurrent="1" nextAc="seek">
+              <p:cTn id="2" dur="indefinite" nodeType="mainSeq">
+                <p:childTnLst>
+                  <p:par>
+                    <p:cTn id="3" fill="hold">
+                      <p:stCondLst>
+                        <p:cond delay="indefinite"/>
+                      </p:stCondLst>
+                      <p:childTnLst>
+                        <p:par>
+                          <p:cTn id="4" fill="hold">
+                            <p:stCondLst>
+                              <p:cond delay="0"/>
+                            </p:stCondLst>
+                            <p:childTnLst>
+                              <p:par>
+                                <p:cTn id="5" presetID="10" presetClass="entr" presetSubtype="0" fill="hold" grpId="0" nodeType="clickEffect">
+                                  <p:stCondLst>
+                                    <p:cond delay="0"/>
+                                  </p:stCondLst>
+                                  <p:childTnLst>
+                                    <p:set>
+                                      <p:cBhvr>
+                                        <p:cTn id="6" dur="1" fill="hold">
+                                          <p:stCondLst>
+                                            <p:cond delay="0"/>
+                                          </p:stCondLst>
+                                        </p:cTn>
+                                        <p:tgtEl>
+                                          <p:spTgt spid="7"/>
+                                        </p:tgtEl>
+                                        <p:attrNameLst>
+                                          <p:attrName>style.visibility</p:attrName>
+                                        </p:attrNameLst>
+                                      </p:cBhvr>
+                                      <p:to>
+                                        <p:strVal val="visible"/>
+                                      </p:to>
+                                    </p:set>
+                                    <p:animEffect transition="in" filter="fade">
+                                      <p:cBhvr>
+                                        <p:cTn id="7" dur="500"/>
+                                        <p:tgtEl>
+                                          <p:spTgt spid="7"/>
+                                        </p:tgtEl>
+                                      </p:cBhvr>
+                                    </p:animEffect>
+                                  </p:childTnLst>
+                                </p:cTn>
+                              </p:par>
+                            </p:childTnLst>
+                          </p:cTn>
+                        </p:par>
+                        <p:par>
+                          <p:cTn id="8" fill="hold">
+                            <p:stCondLst>
+                              <p:cond delay="500"/>
+                            </p:stCondLst>
+                            <p:childTnLst>
+                              <p:par>
+                                <p:cTn id="9" presetID="21" presetClass="emph" presetSubtype="0" fill="hold" grpId="1" nodeType="afterEffect">
+                                  <p:stCondLst>
+                                    <p:cond delay="0"/>
+                                  </p:stCondLst>
+                                  <p:childTnLst>
+                                    <p:animClr clrSpc="hsl" dir="cw">
+                                      <p:cBhvr override="childStyle">
+                                        <p:cTn id="10" dur="5000" fill="hold"/>
+                                        <p:tgtEl>
+                                          <p:spTgt spid="7"/>
+                                        </p:tgtEl>
+                                        <p:attrNameLst>
+                                          <p:attrName>style.color</p:attrName>
+                                        </p:attrNameLst>
+                                      </p:cBhvr>
+                                      <p:by>
+                                        <p:hsl h="7200000" s="0" l="0"/>
+                                      </p:by>
+                                    </p:animClr>
+                                    <p:animClr clrSpc="hsl" dir="cw">
+                                      <p:cBhvr>
+                                        <p:cTn id="11" dur="5000" fill="hold"/>
+                                        <p:tgtEl>
+                                          <p:spTgt spid="7"/>
+                                        </p:tgtEl>
+                                        <p:attrNameLst>
+                                          <p:attrName>fillcolor</p:attrName>
+                                        </p:attrNameLst>
+                                      </p:cBhvr>
+                                      <p:by>
+                                        <p:hsl h="7200000" s="0" l="0"/>
+                                      </p:by>
+                                    </p:animClr>
+                                    <p:animClr clrSpc="hsl" dir="cw">
+                                      <p:cBhvr>
+                                        <p:cTn id="12" dur="5000" fill="hold"/>
+                                        <p:tgtEl>
+                                          <p:spTgt spid="7"/>
+                                        </p:tgtEl>
+                                        <p:attrNameLst>
+                                          <p:attrName>stroke.color</p:attrName>
+                                        </p:attrNameLst>
+                                      </p:cBhvr>
+                                      <p:by>
+                                        <p:hsl h="7200000" s="0" l="0"/>
+                                      </p:by>
+                                    </p:animClr>
+                                    <p:set>
+                                      <p:cBhvr>
+                                        <p:cTn id="13" dur="5000" fill="hold"/>
+                                        <p:tgtEl>
+                                          <p:spTgt spid="7"/>
+                                        </p:tgtEl>
+                                        <p:attrNameLst>
+                                          <p:attrName>fill.type</p:attrName>
+                                        </p:attrNameLst>
+                                      </p:cBhvr>
+                                      <p:to>
+                                        <p:strVal val="solid"/>
+                                      </p:to>
+                                    </p:set>
+                                  </p:childTnLst>
+                                </p:cTn>
+                              </p:par>
+                            </p:childTnLst>
+                          </p:cTn>
+                        </p:par>
+                        <p:par>
+                          <p:cTn id="14" fill="hold">
+                            <p:stCondLst>
+                              <p:cond delay="5500"/>
+                            </p:stCondLst>
+                            <p:childTnLst>
+                              <p:par>
+                                <p:cTn id="15" presetID="21" presetClass="emph" presetSubtype="0" fill="hold" grpId="2" nodeType="afterEffect">
+                                  <p:stCondLst>
+                                    <p:cond delay="0"/>
+                                  </p:stCondLst>
+                                  <p:childTnLst>
+                                    <p:animClr clrSpc="hsl" dir="cw">
+                                      <p:cBhvr override="childStyle">
+                                        <p:cTn id="16" dur="5000" fill="hold"/>
+                                        <p:tgtEl>
+                                          <p:spTgt spid="7"/>
+                                        </p:tgtEl>
+                                        <p:attrNameLst>
+                                          <p:attrName>style.color</p:attrName>
+                                        </p:attrNameLst>
+                                      </p:cBhvr>
+                                      <p:by>
+                                        <p:hsl h="7200000" s="0" l="0"/>
+                                      </p:by>
+                                    </p:animClr>
+                                    <p:animClr clrSpc="hsl" dir="cw">
+                                      <p:cBhvr>
+                                        <p:cTn id="17" dur="5000" fill="hold"/>
+                                        <p:tgtEl>
+                                          <p:spTgt spid="7"/>
+                                        </p:tgtEl>
+                                        <p:attrNameLst>
+                                          <p:attrName>fillcolor</p:attrName>
+                                        </p:attrNameLst>
+                                      </p:cBhvr>
+                                      <p:by>
+                                        <p:hsl h="7200000" s="0" l="0"/>
+                                      </p:by>
+                                    </p:animClr>
+                                    <p:animClr clrSpc="hsl" dir="cw">
+                                      <p:cBhvr>
+                                        <p:cTn id="18" dur="5000" fill="hold"/>
+                                        <p:tgtEl>
+                                          <p:spTgt spid="7"/>
+                                        </p:tgtEl>
+                                        <p:attrNameLst>
+                                          <p:attrName>stroke.color</p:attrName>
+                                        </p:attrNameLst>
+                                      </p:cBhvr>
+                                      <p:by>
+                                        <p:hsl h="7200000" s="0" l="0"/>
+                                      </p:by>
+                                    </p:animClr>
+                                    <p:set>
+                                      <p:cBhvr>
+                                        <p:cTn id="19" dur="5000" fill="hold"/>
+                                        <p:tgtEl>
+                                          <p:spTgt spid="7"/>
+                                        </p:tgtEl>
+                                        <p:attrNameLst>
+                                          <p:attrName>fill.type</p:attrName>
+                                        </p:attrNameLst>
+                                      </p:cBhvr>
+                                      <p:to>
+                                        <p:strVal val="solid"/>
+                                      </p:to>
+                                    </p:set>
+                                  </p:childTnLst>
+                                </p:cTn>
+                              </p:par>
+                            </p:childTnLst>
+                          </p:cTn>
+                        </p:par>
+                        <p:par>
+                          <p:cTn id="20" fill="hold">
+                            <p:stCondLst>
+                              <p:cond delay="10500"/>
+                            </p:stCondLst>
+                            <p:childTnLst>
+                              <p:par>
+                                <p:cTn id="21" presetID="21" presetClass="emph" presetSubtype="0" fill="hold" grpId="3" nodeType="afterEffect">
+                                  <p:stCondLst>
+                                    <p:cond delay="0"/>
+                                  </p:stCondLst>
+                                  <p:childTnLst>
+                                    <p:animClr clrSpc="hsl" dir="cw">
+                                      <p:cBhvr override="childStyle">
+                                        <p:cTn id="22" dur="5000" fill="hold"/>
+                                        <p:tgtEl>
+                                          <p:spTgt spid="7"/>
+                                        </p:tgtEl>
+                                        <p:attrNameLst>
+                                          <p:attrName>style.color</p:attrName>
+                                        </p:attrNameLst>
+                                      </p:cBhvr>
+                                      <p:by>
+                                        <p:hsl h="7200000" s="0" l="0"/>
+                                      </p:by>
+                                    </p:animClr>
+                                    <p:animClr clrSpc="hsl" dir="cw">
+                                      <p:cBhvr>
+                                        <p:cTn id="23" dur="5000" fill="hold"/>
+                                        <p:tgtEl>
+                                          <p:spTgt spid="7"/>
+                                        </p:tgtEl>
+                                        <p:attrNameLst>
+                                          <p:attrName>fillcolor</p:attrName>
+                                        </p:attrNameLst>
+                                      </p:cBhvr>
+                                      <p:by>
+                                        <p:hsl h="7200000" s="0" l="0"/>
+                                      </p:by>
+                                    </p:animClr>
+                                    <p:animClr clrSpc="hsl" dir="cw">
+                                      <p:cBhvr>
+                                        <p:cTn id="24" dur="5000" fill="hold"/>
+                                        <p:tgtEl>
+                                          <p:spTgt spid="7"/>
+                                        </p:tgtEl>
+                                        <p:attrNameLst>
+                                          <p:attrName>stroke.color</p:attrName>
+                                        </p:attrNameLst>
+                                      </p:cBhvr>
+                                      <p:by>
+                                        <p:hsl h="7200000" s="0" l="0"/>
+                                      </p:by>
+                                    </p:animClr>
+                                    <p:set>
+                                      <p:cBhvr>
+                                        <p:cTn id="25" dur="5000" fill="hold"/>
+                                        <p:tgtEl>
+                                          <p:spTgt spid="7"/>
+                                        </p:tgtEl>
+                                        <p:attrNameLst>
+                                          <p:attrName>fill.type</p:attrName>
+                                        </p:attrNameLst>
+                                      </p:cBhvr>
+                                      <p:to>
+                                        <p:strVal val="solid"/>
+                                      </p:to>
+                                    </p:set>
+                                  </p:childTnLst>
+                                </p:cTn>
+                              </p:par>
+                            </p:childTnLst>
+                          </p:cTn>
+                        </p:par>
+                      </p:childTnLst>
+                    </p:cTn>
+                  </p:par>
+                </p:childTnLst>
+              </p:cTn>
+              <p:prevCondLst>
+                <p:cond evt="onPrev" delay="0">
+                  <p:tgtEl>
+                    <p:sldTgt/>
+                  </p:tgtEl>
+                </p:cond>
+              </p:prevCondLst>
+              <p:nextCondLst>
+                <p:cond evt="onNext" delay="0">
+                  <p:tgtEl>
+                    <p:sldTgt/>
+                  </p:tgtEl>
+                </p:cond>
+              </p:nextCondLst>
+            </p:seq>
+          </p:childTnLst>
+        </p:cTn>
+      </p:par>
+    </p:tnLst>
+    <p:bldLst>
+      <p:bldP spid="7" grpId="0"/>
+      <p:bldP spid="7" grpId="1"/>
+      <p:bldP spid="7" grpId="2"/>
+      <p:bldP spid="7" grpId="3"/>
+    </p:bldLst>
+  </p:timing>
+</p:sld>
+</file>
+
+<file path=ppt/slides/slide10.xml><?xml version="1.0" encoding="utf-8"?>
+<p:sld xmlns:a="http://schemas.openxmlformats.org/drawingml/2006/main" xmlns:r="http://schemas.openxmlformats.org/officeDocument/2006/relationships" xmlns:p="http://schemas.openxmlformats.org/presentationml/2006/main">
+  <p:cSld>
+    <p:spTree>
+      <p:nvGrpSpPr>
+        <p:cNvPr id="1" name=""/>
+        <p:cNvGrpSpPr/>
+        <p:nvPr/>
+      </p:nvGrpSpPr>
+      <p:grpSpPr>
+        <a:xfrm>
+          <a:off x="0" y="0"/>
+          <a:ext cx="0" cy="0"/>
+          <a:chOff x="0" y="0"/>
+          <a:chExt cx="0" cy="0"/>
+        </a:xfrm>
+      </p:grpSpPr>
+      <p:pic>
+        <p:nvPicPr>
+          <p:cNvPr id="4" name="Image 3"/>
+          <p:cNvPicPr>
+            <a:picLocks noChangeAspect="1"/>
+          </p:cNvPicPr>
+          <p:nvPr/>
+        </p:nvPicPr>
+        <p:blipFill>
+          <a:blip r:embed="rId2">
+            <a:extLst>
+              <a:ext uri="{28A0092B-C50C-407E-A947-70E740481C1C}">
+                <a14:useLocalDpi xmlns:a14="http://schemas.microsoft.com/office/drawing/2010/main" val="0"/>
+              </a:ext>
+            </a:extLst>
+          </a:blip>
+          <a:stretch>
+            <a:fillRect/>
+          </a:stretch>
+        </p:blipFill>
+        <p:spPr>
+          <a:xfrm>
+            <a:off x="32760" y="116632"/>
+            <a:ext cx="12132917" cy="6571996"/>
+          </a:xfrm>
+          <a:prstGeom prst="rect">
+            <a:avLst/>
+          </a:prstGeom>
+        </p:spPr>
+      </p:pic>
+    </p:spTree>
+    <p:extLst>
+      <p:ext uri="{BB962C8B-B14F-4D97-AF65-F5344CB8AC3E}">
+        <p14:creationId xmlns:p14="http://schemas.microsoft.com/office/powerpoint/2010/main" val="2142170345"/>
       </p:ext>
     </p:extLst>
   </p:cSld>
@@ -5658,6 +6056,1443 @@
       </p:transition>
     </mc:Fallback>
   </mc:AlternateContent>
+  <p:timing>
+    <p:tnLst>
+      <p:par>
+        <p:cTn id="1" dur="indefinite" restart="never" nodeType="tmRoot"/>
+      </p:par>
+    </p:tnLst>
+  </p:timing>
+</p:sld>
+</file>
+
+<file path=ppt/slides/slide11.xml><?xml version="1.0" encoding="utf-8"?>
+<p:sld xmlns:a="http://schemas.openxmlformats.org/drawingml/2006/main" xmlns:r="http://schemas.openxmlformats.org/officeDocument/2006/relationships" xmlns:p="http://schemas.openxmlformats.org/presentationml/2006/main">
+  <p:cSld>
+    <p:spTree>
+      <p:nvGrpSpPr>
+        <p:cNvPr id="1" name=""/>
+        <p:cNvGrpSpPr/>
+        <p:nvPr/>
+      </p:nvGrpSpPr>
+      <p:grpSpPr>
+        <a:xfrm>
+          <a:off x="0" y="0"/>
+          <a:ext cx="0" cy="0"/>
+          <a:chOff x="0" y="0"/>
+          <a:chExt cx="0" cy="0"/>
+        </a:xfrm>
+      </p:grpSpPr>
+      <p:pic>
+        <p:nvPicPr>
+          <p:cNvPr id="4" name="Image 3"/>
+          <p:cNvPicPr>
+            <a:picLocks noChangeAspect="1"/>
+          </p:cNvPicPr>
+          <p:nvPr/>
+        </p:nvPicPr>
+        <p:blipFill>
+          <a:blip r:embed="rId2">
+            <a:extLst>
+              <a:ext uri="{28A0092B-C50C-407E-A947-70E740481C1C}">
+                <a14:useLocalDpi xmlns:a14="http://schemas.microsoft.com/office/drawing/2010/main" val="0"/>
+              </a:ext>
+            </a:extLst>
+          </a:blip>
+          <a:stretch>
+            <a:fillRect/>
+          </a:stretch>
+        </p:blipFill>
+        <p:spPr>
+          <a:xfrm>
+            <a:off x="32761" y="116632"/>
+            <a:ext cx="12132915" cy="6571996"/>
+          </a:xfrm>
+          <a:prstGeom prst="rect">
+            <a:avLst/>
+          </a:prstGeom>
+        </p:spPr>
+      </p:pic>
+    </p:spTree>
+    <p:extLst>
+      <p:ext uri="{BB962C8B-B14F-4D97-AF65-F5344CB8AC3E}">
+        <p14:creationId xmlns:p14="http://schemas.microsoft.com/office/powerpoint/2010/main" val="1306743517"/>
+      </p:ext>
+    </p:extLst>
+  </p:cSld>
+  <p:clrMapOvr>
+    <a:masterClrMapping/>
+  </p:clrMapOvr>
+  <mc:AlternateContent xmlns:mc="http://schemas.openxmlformats.org/markup-compatibility/2006" xmlns:p14="http://schemas.microsoft.com/office/powerpoint/2010/main">
+    <mc:Choice Requires="p14">
+      <p:transition spd="med" p14:dur="700">
+        <p:fade/>
+      </p:transition>
+    </mc:Choice>
+    <mc:Fallback xmlns="">
+      <p:transition spd="med">
+        <p:fade/>
+      </p:transition>
+    </mc:Fallback>
+  </mc:AlternateContent>
+  <p:timing>
+    <p:tnLst>
+      <p:par>
+        <p:cTn id="1" dur="indefinite" restart="never" nodeType="tmRoot"/>
+      </p:par>
+    </p:tnLst>
+  </p:timing>
+</p:sld>
+</file>
+
+<file path=ppt/slides/slide12.xml><?xml version="1.0" encoding="utf-8"?>
+<p:sld xmlns:a="http://schemas.openxmlformats.org/drawingml/2006/main" xmlns:r="http://schemas.openxmlformats.org/officeDocument/2006/relationships" xmlns:p="http://schemas.openxmlformats.org/presentationml/2006/main">
+  <p:cSld>
+    <p:spTree>
+      <p:nvGrpSpPr>
+        <p:cNvPr id="1" name=""/>
+        <p:cNvGrpSpPr/>
+        <p:nvPr/>
+      </p:nvGrpSpPr>
+      <p:grpSpPr>
+        <a:xfrm>
+          <a:off x="0" y="0"/>
+          <a:ext cx="0" cy="0"/>
+          <a:chOff x="0" y="0"/>
+          <a:chExt cx="0" cy="0"/>
+        </a:xfrm>
+      </p:grpSpPr>
+      <p:pic>
+        <p:nvPicPr>
+          <p:cNvPr id="4" name="Image 3"/>
+          <p:cNvPicPr>
+            <a:picLocks noChangeAspect="1"/>
+          </p:cNvPicPr>
+          <p:nvPr/>
+        </p:nvPicPr>
+        <p:blipFill>
+          <a:blip r:embed="rId2">
+            <a:extLst>
+              <a:ext uri="{28A0092B-C50C-407E-A947-70E740481C1C}">
+                <a14:useLocalDpi xmlns:a14="http://schemas.microsoft.com/office/drawing/2010/main" val="0"/>
+              </a:ext>
+            </a:extLst>
+          </a:blip>
+          <a:stretch>
+            <a:fillRect/>
+          </a:stretch>
+        </p:blipFill>
+        <p:spPr>
+          <a:xfrm>
+            <a:off x="32761" y="116632"/>
+            <a:ext cx="12132915" cy="6571995"/>
+          </a:xfrm>
+          <a:prstGeom prst="rect">
+            <a:avLst/>
+          </a:prstGeom>
+        </p:spPr>
+      </p:pic>
+    </p:spTree>
+    <p:extLst>
+      <p:ext uri="{BB962C8B-B14F-4D97-AF65-F5344CB8AC3E}">
+        <p14:creationId xmlns:p14="http://schemas.microsoft.com/office/powerpoint/2010/main" val="3601944114"/>
+      </p:ext>
+    </p:extLst>
+  </p:cSld>
+  <p:clrMapOvr>
+    <a:masterClrMapping/>
+  </p:clrMapOvr>
+  <mc:AlternateContent xmlns:mc="http://schemas.openxmlformats.org/markup-compatibility/2006" xmlns:p14="http://schemas.microsoft.com/office/powerpoint/2010/main">
+    <mc:Choice Requires="p14">
+      <p:transition spd="med" p14:dur="700">
+        <p:fade/>
+      </p:transition>
+    </mc:Choice>
+    <mc:Fallback xmlns="">
+      <p:transition spd="med">
+        <p:fade/>
+      </p:transition>
+    </mc:Fallback>
+  </mc:AlternateContent>
+  <p:timing>
+    <p:tnLst>
+      <p:par>
+        <p:cTn id="1" dur="indefinite" restart="never" nodeType="tmRoot"/>
+      </p:par>
+    </p:tnLst>
+  </p:timing>
+</p:sld>
+</file>
+
+<file path=ppt/slides/slide13.xml><?xml version="1.0" encoding="utf-8"?>
+<p:sld xmlns:a="http://schemas.openxmlformats.org/drawingml/2006/main" xmlns:r="http://schemas.openxmlformats.org/officeDocument/2006/relationships" xmlns:p="http://schemas.openxmlformats.org/presentationml/2006/main">
+  <p:cSld>
+    <p:spTree>
+      <p:nvGrpSpPr>
+        <p:cNvPr id="1" name=""/>
+        <p:cNvGrpSpPr/>
+        <p:nvPr/>
+      </p:nvGrpSpPr>
+      <p:grpSpPr>
+        <a:xfrm>
+          <a:off x="0" y="0"/>
+          <a:ext cx="0" cy="0"/>
+          <a:chOff x="0" y="0"/>
+          <a:chExt cx="0" cy="0"/>
+        </a:xfrm>
+      </p:grpSpPr>
+      <p:sp>
+        <p:nvSpPr>
+          <p:cNvPr id="2" name="Titre 1"/>
+          <p:cNvSpPr>
+            <a:spLocks noGrp="1"/>
+          </p:cNvSpPr>
+          <p:nvPr>
+            <p:ph type="title"/>
+          </p:nvPr>
+        </p:nvSpPr>
+        <p:spPr/>
+        <p:txBody>
+          <a:bodyPr/>
+          <a:lstStyle/>
+          <a:p>
+            <a:r>
+              <a:rPr lang="fr-FR" dirty="0" smtClean="0"/>
+              <a:t>Ce qui a été fait</a:t>
+            </a:r>
+            <a:endParaRPr lang="fr-FR" dirty="0"/>
+          </a:p>
+        </p:txBody>
+      </p:sp>
+      <p:sp>
+        <p:nvSpPr>
+          <p:cNvPr id="3" name="Espace réservé du contenu 2"/>
+          <p:cNvSpPr>
+            <a:spLocks noGrp="1"/>
+          </p:cNvSpPr>
+          <p:nvPr>
+            <p:ph idx="1"/>
+          </p:nvPr>
+        </p:nvSpPr>
+        <p:spPr>
+          <a:xfrm>
+            <a:off x="1218883" y="1701797"/>
+            <a:ext cx="10360501" cy="503067"/>
+          </a:xfrm>
+        </p:spPr>
+        <p:txBody>
+          <a:bodyPr>
+            <a:normAutofit lnSpcReduction="10000"/>
+          </a:bodyPr>
+          <a:lstStyle/>
+          <a:p>
+            <a:r>
+              <a:rPr lang="fr-FR" dirty="0" smtClean="0"/>
+              <a:t>Les élèves peuvent timbrer</a:t>
+            </a:r>
+            <a:endParaRPr lang="fr-FR" dirty="0"/>
+          </a:p>
+        </p:txBody>
+      </p:sp>
+      <p:sp>
+        <p:nvSpPr>
+          <p:cNvPr id="4" name="Espace réservé du contenu 2"/>
+          <p:cNvSpPr txBox="1">
+            <a:spLocks/>
+          </p:cNvSpPr>
+          <p:nvPr/>
+        </p:nvSpPr>
+        <p:spPr>
+          <a:xfrm>
+            <a:off x="1218882" y="2199239"/>
+            <a:ext cx="10360501" cy="503067"/>
+          </a:xfrm>
+          <a:prstGeom prst="rect">
+            <a:avLst/>
+          </a:prstGeom>
+        </p:spPr>
+        <p:txBody>
+          <a:bodyPr vert="horz" lIns="121899" tIns="60949" rIns="121899" bIns="60949" rtlCol="0">
+            <a:normAutofit lnSpcReduction="10000"/>
+          </a:bodyPr>
+          <a:lstStyle>
+            <a:lvl1pPr marL="304747" indent="-304747" algn="l" defTabSz="1218987" rtl="0" eaLnBrk="1" latinLnBrk="0" hangingPunct="1">
+              <a:lnSpc>
+                <a:spcPct val="90000"/>
+              </a:lnSpc>
+              <a:spcBef>
+                <a:spcPts val="1600"/>
+              </a:spcBef>
+              <a:buClr>
+                <a:schemeClr val="accent1"/>
+              </a:buClr>
+              <a:buSzPct val="100000"/>
+              <a:buFont typeface="Arial" pitchFamily="34" charset="0"/>
+              <a:buChar char="•"/>
+              <a:defRPr sz="2800" kern="1200">
+                <a:solidFill>
+                  <a:schemeClr val="tx1"/>
+                </a:solidFill>
+                <a:latin typeface="+mn-lt"/>
+                <a:ea typeface="+mn-ea"/>
+                <a:cs typeface="+mn-cs"/>
+              </a:defRPr>
+            </a:lvl1pPr>
+            <a:lvl2pPr marL="609493" indent="-231607" algn="l" defTabSz="1218987" rtl="0" eaLnBrk="1" latinLnBrk="0" hangingPunct="1">
+              <a:lnSpc>
+                <a:spcPct val="90000"/>
+              </a:lnSpc>
+              <a:spcBef>
+                <a:spcPts val="800"/>
+              </a:spcBef>
+              <a:buClr>
+                <a:schemeClr val="accent1"/>
+              </a:buClr>
+              <a:buSzPct val="80000"/>
+              <a:buFont typeface="Arial" pitchFamily="34" charset="0"/>
+              <a:buChar char="•"/>
+              <a:defRPr sz="2400" kern="1200">
+                <a:solidFill>
+                  <a:schemeClr val="tx1"/>
+                </a:solidFill>
+                <a:latin typeface="+mn-lt"/>
+                <a:ea typeface="+mn-ea"/>
+                <a:cs typeface="+mn-cs"/>
+              </a:defRPr>
+            </a:lvl2pPr>
+            <a:lvl3pPr marL="914240" indent="-231607" algn="l" defTabSz="1218987" rtl="0" eaLnBrk="1" latinLnBrk="0" hangingPunct="1">
+              <a:lnSpc>
+                <a:spcPct val="90000"/>
+              </a:lnSpc>
+              <a:spcBef>
+                <a:spcPts val="800"/>
+              </a:spcBef>
+              <a:buClr>
+                <a:schemeClr val="accent1"/>
+              </a:buClr>
+              <a:buSzPct val="80000"/>
+              <a:buFont typeface="Arial" pitchFamily="34" charset="0"/>
+              <a:buChar char="•"/>
+              <a:defRPr sz="2000" kern="1200">
+                <a:solidFill>
+                  <a:schemeClr val="tx1"/>
+                </a:solidFill>
+                <a:latin typeface="+mn-lt"/>
+                <a:ea typeface="+mn-ea"/>
+                <a:cs typeface="+mn-cs"/>
+              </a:defRPr>
+            </a:lvl3pPr>
+            <a:lvl4pPr marL="1218987" indent="-231607" algn="l" defTabSz="1218987" rtl="0" eaLnBrk="1" latinLnBrk="0" hangingPunct="1">
+              <a:lnSpc>
+                <a:spcPct val="90000"/>
+              </a:lnSpc>
+              <a:spcBef>
+                <a:spcPts val="800"/>
+              </a:spcBef>
+              <a:buClr>
+                <a:schemeClr val="accent1"/>
+              </a:buClr>
+              <a:buSzPct val="80000"/>
+              <a:buFont typeface="Arial" pitchFamily="34" charset="0"/>
+              <a:buChar char="•"/>
+              <a:defRPr sz="2000" kern="1200">
+                <a:solidFill>
+                  <a:schemeClr val="tx1"/>
+                </a:solidFill>
+                <a:latin typeface="+mn-lt"/>
+                <a:ea typeface="+mn-ea"/>
+                <a:cs typeface="+mn-cs"/>
+              </a:defRPr>
+            </a:lvl4pPr>
+            <a:lvl5pPr marL="1523733" indent="-231607" algn="l" defTabSz="1218987" rtl="0" eaLnBrk="1" latinLnBrk="0" hangingPunct="1">
+              <a:lnSpc>
+                <a:spcPct val="90000"/>
+              </a:lnSpc>
+              <a:spcBef>
+                <a:spcPts val="800"/>
+              </a:spcBef>
+              <a:buClr>
+                <a:schemeClr val="accent1"/>
+              </a:buClr>
+              <a:buSzPct val="80000"/>
+              <a:buFont typeface="Arial" pitchFamily="34" charset="0"/>
+              <a:buChar char="•"/>
+              <a:defRPr sz="2000" kern="1200">
+                <a:solidFill>
+                  <a:schemeClr val="tx1"/>
+                </a:solidFill>
+                <a:latin typeface="+mn-lt"/>
+                <a:ea typeface="+mn-ea"/>
+                <a:cs typeface="+mn-cs"/>
+              </a:defRPr>
+            </a:lvl5pPr>
+            <a:lvl6pPr marL="1828480" indent="-231607" algn="l" defTabSz="1218987" rtl="0" eaLnBrk="1" latinLnBrk="0" hangingPunct="1">
+              <a:lnSpc>
+                <a:spcPct val="90000"/>
+              </a:lnSpc>
+              <a:spcBef>
+                <a:spcPts val="800"/>
+              </a:spcBef>
+              <a:buClr>
+                <a:schemeClr val="accent1"/>
+              </a:buClr>
+              <a:buSzPct val="80000"/>
+              <a:buFont typeface="Arial" pitchFamily="34" charset="0"/>
+              <a:buChar char="•"/>
+              <a:defRPr sz="2000" kern="1200">
+                <a:solidFill>
+                  <a:schemeClr val="tx1"/>
+                </a:solidFill>
+                <a:latin typeface="+mn-lt"/>
+                <a:ea typeface="+mn-ea"/>
+                <a:cs typeface="+mn-cs"/>
+              </a:defRPr>
+            </a:lvl6pPr>
+            <a:lvl7pPr marL="2133227" indent="-231607" algn="l" defTabSz="1218987" rtl="0" eaLnBrk="1" latinLnBrk="0" hangingPunct="1">
+              <a:lnSpc>
+                <a:spcPct val="90000"/>
+              </a:lnSpc>
+              <a:spcBef>
+                <a:spcPts val="800"/>
+              </a:spcBef>
+              <a:buClr>
+                <a:schemeClr val="accent1"/>
+              </a:buClr>
+              <a:buSzPct val="80000"/>
+              <a:buFont typeface="Arial" pitchFamily="34" charset="0"/>
+              <a:buChar char="•"/>
+              <a:defRPr sz="2000" kern="1200">
+                <a:solidFill>
+                  <a:schemeClr val="tx1"/>
+                </a:solidFill>
+                <a:latin typeface="+mn-lt"/>
+                <a:ea typeface="+mn-ea"/>
+                <a:cs typeface="+mn-cs"/>
+              </a:defRPr>
+            </a:lvl7pPr>
+            <a:lvl8pPr marL="2437973" indent="-231607" algn="l" defTabSz="1218987" rtl="0" eaLnBrk="1" latinLnBrk="0" hangingPunct="1">
+              <a:lnSpc>
+                <a:spcPct val="90000"/>
+              </a:lnSpc>
+              <a:spcBef>
+                <a:spcPts val="800"/>
+              </a:spcBef>
+              <a:buClr>
+                <a:schemeClr val="accent1"/>
+              </a:buClr>
+              <a:buSzPct val="80000"/>
+              <a:buFont typeface="Arial" pitchFamily="34" charset="0"/>
+              <a:buChar char="•"/>
+              <a:defRPr sz="2000" kern="1200" baseline="0">
+                <a:solidFill>
+                  <a:schemeClr val="tx1"/>
+                </a:solidFill>
+                <a:latin typeface="+mn-lt"/>
+                <a:ea typeface="+mn-ea"/>
+                <a:cs typeface="+mn-cs"/>
+              </a:defRPr>
+            </a:lvl8pPr>
+            <a:lvl9pPr marL="2742720" indent="-231607" algn="l" defTabSz="1218987" rtl="0" eaLnBrk="1" latinLnBrk="0" hangingPunct="1">
+              <a:lnSpc>
+                <a:spcPct val="90000"/>
+              </a:lnSpc>
+              <a:spcBef>
+                <a:spcPts val="800"/>
+              </a:spcBef>
+              <a:buClr>
+                <a:schemeClr val="accent1"/>
+              </a:buClr>
+              <a:buSzPct val="80000"/>
+              <a:buFont typeface="Arial" pitchFamily="34" charset="0"/>
+              <a:buChar char="•"/>
+              <a:defRPr sz="2000" kern="1200" baseline="0">
+                <a:solidFill>
+                  <a:schemeClr val="tx1"/>
+                </a:solidFill>
+                <a:latin typeface="+mn-lt"/>
+                <a:ea typeface="+mn-ea"/>
+                <a:cs typeface="+mn-cs"/>
+              </a:defRPr>
+            </a:lvl9pPr>
+          </a:lstStyle>
+          <a:p>
+            <a:r>
+              <a:rPr lang="fr-FR" dirty="0" smtClean="0"/>
+              <a:t>Les profs peuvent contrôler l’activit</a:t>
+            </a:r>
+            <a:r>
+              <a:rPr lang="fr-FR" dirty="0"/>
+              <a:t>é</a:t>
+            </a:r>
+            <a:r>
+              <a:rPr lang="fr-FR" dirty="0" smtClean="0"/>
+              <a:t> des élèves</a:t>
+            </a:r>
+          </a:p>
+        </p:txBody>
+      </p:sp>
+      <p:sp>
+        <p:nvSpPr>
+          <p:cNvPr id="5" name="Espace réservé du contenu 2"/>
+          <p:cNvSpPr txBox="1">
+            <a:spLocks/>
+          </p:cNvSpPr>
+          <p:nvPr/>
+        </p:nvSpPr>
+        <p:spPr>
+          <a:xfrm>
+            <a:off x="1218881" y="2696681"/>
+            <a:ext cx="10360501" cy="503067"/>
+          </a:xfrm>
+          <a:prstGeom prst="rect">
+            <a:avLst/>
+          </a:prstGeom>
+        </p:spPr>
+        <p:txBody>
+          <a:bodyPr vert="horz" lIns="121899" tIns="60949" rIns="121899" bIns="60949" rtlCol="0">
+            <a:normAutofit lnSpcReduction="10000"/>
+          </a:bodyPr>
+          <a:lstStyle>
+            <a:lvl1pPr marL="304747" indent="-304747" algn="l" defTabSz="1218987" rtl="0" eaLnBrk="1" latinLnBrk="0" hangingPunct="1">
+              <a:lnSpc>
+                <a:spcPct val="90000"/>
+              </a:lnSpc>
+              <a:spcBef>
+                <a:spcPts val="1600"/>
+              </a:spcBef>
+              <a:buClr>
+                <a:schemeClr val="accent1"/>
+              </a:buClr>
+              <a:buSzPct val="100000"/>
+              <a:buFont typeface="Arial" pitchFamily="34" charset="0"/>
+              <a:buChar char="•"/>
+              <a:defRPr sz="2800" kern="1200">
+                <a:solidFill>
+                  <a:schemeClr val="tx1"/>
+                </a:solidFill>
+                <a:latin typeface="+mn-lt"/>
+                <a:ea typeface="+mn-ea"/>
+                <a:cs typeface="+mn-cs"/>
+              </a:defRPr>
+            </a:lvl1pPr>
+            <a:lvl2pPr marL="609493" indent="-231607" algn="l" defTabSz="1218987" rtl="0" eaLnBrk="1" latinLnBrk="0" hangingPunct="1">
+              <a:lnSpc>
+                <a:spcPct val="90000"/>
+              </a:lnSpc>
+              <a:spcBef>
+                <a:spcPts val="800"/>
+              </a:spcBef>
+              <a:buClr>
+                <a:schemeClr val="accent1"/>
+              </a:buClr>
+              <a:buSzPct val="80000"/>
+              <a:buFont typeface="Arial" pitchFamily="34" charset="0"/>
+              <a:buChar char="•"/>
+              <a:defRPr sz="2400" kern="1200">
+                <a:solidFill>
+                  <a:schemeClr val="tx1"/>
+                </a:solidFill>
+                <a:latin typeface="+mn-lt"/>
+                <a:ea typeface="+mn-ea"/>
+                <a:cs typeface="+mn-cs"/>
+              </a:defRPr>
+            </a:lvl2pPr>
+            <a:lvl3pPr marL="914240" indent="-231607" algn="l" defTabSz="1218987" rtl="0" eaLnBrk="1" latinLnBrk="0" hangingPunct="1">
+              <a:lnSpc>
+                <a:spcPct val="90000"/>
+              </a:lnSpc>
+              <a:spcBef>
+                <a:spcPts val="800"/>
+              </a:spcBef>
+              <a:buClr>
+                <a:schemeClr val="accent1"/>
+              </a:buClr>
+              <a:buSzPct val="80000"/>
+              <a:buFont typeface="Arial" pitchFamily="34" charset="0"/>
+              <a:buChar char="•"/>
+              <a:defRPr sz="2000" kern="1200">
+                <a:solidFill>
+                  <a:schemeClr val="tx1"/>
+                </a:solidFill>
+                <a:latin typeface="+mn-lt"/>
+                <a:ea typeface="+mn-ea"/>
+                <a:cs typeface="+mn-cs"/>
+              </a:defRPr>
+            </a:lvl3pPr>
+            <a:lvl4pPr marL="1218987" indent="-231607" algn="l" defTabSz="1218987" rtl="0" eaLnBrk="1" latinLnBrk="0" hangingPunct="1">
+              <a:lnSpc>
+                <a:spcPct val="90000"/>
+              </a:lnSpc>
+              <a:spcBef>
+                <a:spcPts val="800"/>
+              </a:spcBef>
+              <a:buClr>
+                <a:schemeClr val="accent1"/>
+              </a:buClr>
+              <a:buSzPct val="80000"/>
+              <a:buFont typeface="Arial" pitchFamily="34" charset="0"/>
+              <a:buChar char="•"/>
+              <a:defRPr sz="2000" kern="1200">
+                <a:solidFill>
+                  <a:schemeClr val="tx1"/>
+                </a:solidFill>
+                <a:latin typeface="+mn-lt"/>
+                <a:ea typeface="+mn-ea"/>
+                <a:cs typeface="+mn-cs"/>
+              </a:defRPr>
+            </a:lvl4pPr>
+            <a:lvl5pPr marL="1523733" indent="-231607" algn="l" defTabSz="1218987" rtl="0" eaLnBrk="1" latinLnBrk="0" hangingPunct="1">
+              <a:lnSpc>
+                <a:spcPct val="90000"/>
+              </a:lnSpc>
+              <a:spcBef>
+                <a:spcPts val="800"/>
+              </a:spcBef>
+              <a:buClr>
+                <a:schemeClr val="accent1"/>
+              </a:buClr>
+              <a:buSzPct val="80000"/>
+              <a:buFont typeface="Arial" pitchFamily="34" charset="0"/>
+              <a:buChar char="•"/>
+              <a:defRPr sz="2000" kern="1200">
+                <a:solidFill>
+                  <a:schemeClr val="tx1"/>
+                </a:solidFill>
+                <a:latin typeface="+mn-lt"/>
+                <a:ea typeface="+mn-ea"/>
+                <a:cs typeface="+mn-cs"/>
+              </a:defRPr>
+            </a:lvl5pPr>
+            <a:lvl6pPr marL="1828480" indent="-231607" algn="l" defTabSz="1218987" rtl="0" eaLnBrk="1" latinLnBrk="0" hangingPunct="1">
+              <a:lnSpc>
+                <a:spcPct val="90000"/>
+              </a:lnSpc>
+              <a:spcBef>
+                <a:spcPts val="800"/>
+              </a:spcBef>
+              <a:buClr>
+                <a:schemeClr val="accent1"/>
+              </a:buClr>
+              <a:buSzPct val="80000"/>
+              <a:buFont typeface="Arial" pitchFamily="34" charset="0"/>
+              <a:buChar char="•"/>
+              <a:defRPr sz="2000" kern="1200">
+                <a:solidFill>
+                  <a:schemeClr val="tx1"/>
+                </a:solidFill>
+                <a:latin typeface="+mn-lt"/>
+                <a:ea typeface="+mn-ea"/>
+                <a:cs typeface="+mn-cs"/>
+              </a:defRPr>
+            </a:lvl6pPr>
+            <a:lvl7pPr marL="2133227" indent="-231607" algn="l" defTabSz="1218987" rtl="0" eaLnBrk="1" latinLnBrk="0" hangingPunct="1">
+              <a:lnSpc>
+                <a:spcPct val="90000"/>
+              </a:lnSpc>
+              <a:spcBef>
+                <a:spcPts val="800"/>
+              </a:spcBef>
+              <a:buClr>
+                <a:schemeClr val="accent1"/>
+              </a:buClr>
+              <a:buSzPct val="80000"/>
+              <a:buFont typeface="Arial" pitchFamily="34" charset="0"/>
+              <a:buChar char="•"/>
+              <a:defRPr sz="2000" kern="1200">
+                <a:solidFill>
+                  <a:schemeClr val="tx1"/>
+                </a:solidFill>
+                <a:latin typeface="+mn-lt"/>
+                <a:ea typeface="+mn-ea"/>
+                <a:cs typeface="+mn-cs"/>
+              </a:defRPr>
+            </a:lvl7pPr>
+            <a:lvl8pPr marL="2437973" indent="-231607" algn="l" defTabSz="1218987" rtl="0" eaLnBrk="1" latinLnBrk="0" hangingPunct="1">
+              <a:lnSpc>
+                <a:spcPct val="90000"/>
+              </a:lnSpc>
+              <a:spcBef>
+                <a:spcPts val="800"/>
+              </a:spcBef>
+              <a:buClr>
+                <a:schemeClr val="accent1"/>
+              </a:buClr>
+              <a:buSzPct val="80000"/>
+              <a:buFont typeface="Arial" pitchFamily="34" charset="0"/>
+              <a:buChar char="•"/>
+              <a:defRPr sz="2000" kern="1200" baseline="0">
+                <a:solidFill>
+                  <a:schemeClr val="tx1"/>
+                </a:solidFill>
+                <a:latin typeface="+mn-lt"/>
+                <a:ea typeface="+mn-ea"/>
+                <a:cs typeface="+mn-cs"/>
+              </a:defRPr>
+            </a:lvl8pPr>
+            <a:lvl9pPr marL="2742720" indent="-231607" algn="l" defTabSz="1218987" rtl="0" eaLnBrk="1" latinLnBrk="0" hangingPunct="1">
+              <a:lnSpc>
+                <a:spcPct val="90000"/>
+              </a:lnSpc>
+              <a:spcBef>
+                <a:spcPts val="800"/>
+              </a:spcBef>
+              <a:buClr>
+                <a:schemeClr val="accent1"/>
+              </a:buClr>
+              <a:buSzPct val="80000"/>
+              <a:buFont typeface="Arial" pitchFamily="34" charset="0"/>
+              <a:buChar char="•"/>
+              <a:defRPr sz="2000" kern="1200" baseline="0">
+                <a:solidFill>
+                  <a:schemeClr val="tx1"/>
+                </a:solidFill>
+                <a:latin typeface="+mn-lt"/>
+                <a:ea typeface="+mn-ea"/>
+                <a:cs typeface="+mn-cs"/>
+              </a:defRPr>
+            </a:lvl9pPr>
+          </a:lstStyle>
+          <a:p>
+            <a:r>
+              <a:rPr lang="fr-FR" dirty="0" smtClean="0"/>
+              <a:t>L’administrateur peut gérer les profs</a:t>
+            </a:r>
+          </a:p>
+        </p:txBody>
+      </p:sp>
+      <p:sp>
+        <p:nvSpPr>
+          <p:cNvPr id="6" name="Espace réservé du contenu 2"/>
+          <p:cNvSpPr txBox="1">
+            <a:spLocks/>
+          </p:cNvSpPr>
+          <p:nvPr/>
+        </p:nvSpPr>
+        <p:spPr>
+          <a:xfrm>
+            <a:off x="1218878" y="3169990"/>
+            <a:ext cx="10360501" cy="503067"/>
+          </a:xfrm>
+          <a:prstGeom prst="rect">
+            <a:avLst/>
+          </a:prstGeom>
+        </p:spPr>
+        <p:txBody>
+          <a:bodyPr vert="horz" lIns="121899" tIns="60949" rIns="121899" bIns="60949" rtlCol="0">
+            <a:normAutofit fontScale="92500"/>
+          </a:bodyPr>
+          <a:lstStyle>
+            <a:lvl1pPr marL="304747" indent="-304747" algn="l" defTabSz="1218987" rtl="0" eaLnBrk="1" latinLnBrk="0" hangingPunct="1">
+              <a:lnSpc>
+                <a:spcPct val="90000"/>
+              </a:lnSpc>
+              <a:spcBef>
+                <a:spcPts val="1600"/>
+              </a:spcBef>
+              <a:buClr>
+                <a:schemeClr val="accent1"/>
+              </a:buClr>
+              <a:buSzPct val="100000"/>
+              <a:buFont typeface="Arial" pitchFamily="34" charset="0"/>
+              <a:buChar char="•"/>
+              <a:defRPr sz="2800" kern="1200">
+                <a:solidFill>
+                  <a:schemeClr val="tx1"/>
+                </a:solidFill>
+                <a:latin typeface="+mn-lt"/>
+                <a:ea typeface="+mn-ea"/>
+                <a:cs typeface="+mn-cs"/>
+              </a:defRPr>
+            </a:lvl1pPr>
+            <a:lvl2pPr marL="609493" indent="-231607" algn="l" defTabSz="1218987" rtl="0" eaLnBrk="1" latinLnBrk="0" hangingPunct="1">
+              <a:lnSpc>
+                <a:spcPct val="90000"/>
+              </a:lnSpc>
+              <a:spcBef>
+                <a:spcPts val="800"/>
+              </a:spcBef>
+              <a:buClr>
+                <a:schemeClr val="accent1"/>
+              </a:buClr>
+              <a:buSzPct val="80000"/>
+              <a:buFont typeface="Arial" pitchFamily="34" charset="0"/>
+              <a:buChar char="•"/>
+              <a:defRPr sz="2400" kern="1200">
+                <a:solidFill>
+                  <a:schemeClr val="tx1"/>
+                </a:solidFill>
+                <a:latin typeface="+mn-lt"/>
+                <a:ea typeface="+mn-ea"/>
+                <a:cs typeface="+mn-cs"/>
+              </a:defRPr>
+            </a:lvl2pPr>
+            <a:lvl3pPr marL="914240" indent="-231607" algn="l" defTabSz="1218987" rtl="0" eaLnBrk="1" latinLnBrk="0" hangingPunct="1">
+              <a:lnSpc>
+                <a:spcPct val="90000"/>
+              </a:lnSpc>
+              <a:spcBef>
+                <a:spcPts val="800"/>
+              </a:spcBef>
+              <a:buClr>
+                <a:schemeClr val="accent1"/>
+              </a:buClr>
+              <a:buSzPct val="80000"/>
+              <a:buFont typeface="Arial" pitchFamily="34" charset="0"/>
+              <a:buChar char="•"/>
+              <a:defRPr sz="2000" kern="1200">
+                <a:solidFill>
+                  <a:schemeClr val="tx1"/>
+                </a:solidFill>
+                <a:latin typeface="+mn-lt"/>
+                <a:ea typeface="+mn-ea"/>
+                <a:cs typeface="+mn-cs"/>
+              </a:defRPr>
+            </a:lvl3pPr>
+            <a:lvl4pPr marL="1218987" indent="-231607" algn="l" defTabSz="1218987" rtl="0" eaLnBrk="1" latinLnBrk="0" hangingPunct="1">
+              <a:lnSpc>
+                <a:spcPct val="90000"/>
+              </a:lnSpc>
+              <a:spcBef>
+                <a:spcPts val="800"/>
+              </a:spcBef>
+              <a:buClr>
+                <a:schemeClr val="accent1"/>
+              </a:buClr>
+              <a:buSzPct val="80000"/>
+              <a:buFont typeface="Arial" pitchFamily="34" charset="0"/>
+              <a:buChar char="•"/>
+              <a:defRPr sz="2000" kern="1200">
+                <a:solidFill>
+                  <a:schemeClr val="tx1"/>
+                </a:solidFill>
+                <a:latin typeface="+mn-lt"/>
+                <a:ea typeface="+mn-ea"/>
+                <a:cs typeface="+mn-cs"/>
+              </a:defRPr>
+            </a:lvl4pPr>
+            <a:lvl5pPr marL="1523733" indent="-231607" algn="l" defTabSz="1218987" rtl="0" eaLnBrk="1" latinLnBrk="0" hangingPunct="1">
+              <a:lnSpc>
+                <a:spcPct val="90000"/>
+              </a:lnSpc>
+              <a:spcBef>
+                <a:spcPts val="800"/>
+              </a:spcBef>
+              <a:buClr>
+                <a:schemeClr val="accent1"/>
+              </a:buClr>
+              <a:buSzPct val="80000"/>
+              <a:buFont typeface="Arial" pitchFamily="34" charset="0"/>
+              <a:buChar char="•"/>
+              <a:defRPr sz="2000" kern="1200">
+                <a:solidFill>
+                  <a:schemeClr val="tx1"/>
+                </a:solidFill>
+                <a:latin typeface="+mn-lt"/>
+                <a:ea typeface="+mn-ea"/>
+                <a:cs typeface="+mn-cs"/>
+              </a:defRPr>
+            </a:lvl5pPr>
+            <a:lvl6pPr marL="1828480" indent="-231607" algn="l" defTabSz="1218987" rtl="0" eaLnBrk="1" latinLnBrk="0" hangingPunct="1">
+              <a:lnSpc>
+                <a:spcPct val="90000"/>
+              </a:lnSpc>
+              <a:spcBef>
+                <a:spcPts val="800"/>
+              </a:spcBef>
+              <a:buClr>
+                <a:schemeClr val="accent1"/>
+              </a:buClr>
+              <a:buSzPct val="80000"/>
+              <a:buFont typeface="Arial" pitchFamily="34" charset="0"/>
+              <a:buChar char="•"/>
+              <a:defRPr sz="2000" kern="1200">
+                <a:solidFill>
+                  <a:schemeClr val="tx1"/>
+                </a:solidFill>
+                <a:latin typeface="+mn-lt"/>
+                <a:ea typeface="+mn-ea"/>
+                <a:cs typeface="+mn-cs"/>
+              </a:defRPr>
+            </a:lvl6pPr>
+            <a:lvl7pPr marL="2133227" indent="-231607" algn="l" defTabSz="1218987" rtl="0" eaLnBrk="1" latinLnBrk="0" hangingPunct="1">
+              <a:lnSpc>
+                <a:spcPct val="90000"/>
+              </a:lnSpc>
+              <a:spcBef>
+                <a:spcPts val="800"/>
+              </a:spcBef>
+              <a:buClr>
+                <a:schemeClr val="accent1"/>
+              </a:buClr>
+              <a:buSzPct val="80000"/>
+              <a:buFont typeface="Arial" pitchFamily="34" charset="0"/>
+              <a:buChar char="•"/>
+              <a:defRPr sz="2000" kern="1200">
+                <a:solidFill>
+                  <a:schemeClr val="tx1"/>
+                </a:solidFill>
+                <a:latin typeface="+mn-lt"/>
+                <a:ea typeface="+mn-ea"/>
+                <a:cs typeface="+mn-cs"/>
+              </a:defRPr>
+            </a:lvl7pPr>
+            <a:lvl8pPr marL="2437973" indent="-231607" algn="l" defTabSz="1218987" rtl="0" eaLnBrk="1" latinLnBrk="0" hangingPunct="1">
+              <a:lnSpc>
+                <a:spcPct val="90000"/>
+              </a:lnSpc>
+              <a:spcBef>
+                <a:spcPts val="800"/>
+              </a:spcBef>
+              <a:buClr>
+                <a:schemeClr val="accent1"/>
+              </a:buClr>
+              <a:buSzPct val="80000"/>
+              <a:buFont typeface="Arial" pitchFamily="34" charset="0"/>
+              <a:buChar char="•"/>
+              <a:defRPr sz="2000" kern="1200" baseline="0">
+                <a:solidFill>
+                  <a:schemeClr val="tx1"/>
+                </a:solidFill>
+                <a:latin typeface="+mn-lt"/>
+                <a:ea typeface="+mn-ea"/>
+                <a:cs typeface="+mn-cs"/>
+              </a:defRPr>
+            </a:lvl8pPr>
+            <a:lvl9pPr marL="2742720" indent="-231607" algn="l" defTabSz="1218987" rtl="0" eaLnBrk="1" latinLnBrk="0" hangingPunct="1">
+              <a:lnSpc>
+                <a:spcPct val="90000"/>
+              </a:lnSpc>
+              <a:spcBef>
+                <a:spcPts val="800"/>
+              </a:spcBef>
+              <a:buClr>
+                <a:schemeClr val="accent1"/>
+              </a:buClr>
+              <a:buSzPct val="80000"/>
+              <a:buFont typeface="Arial" pitchFamily="34" charset="0"/>
+              <a:buChar char="•"/>
+              <a:defRPr sz="2000" kern="1200" baseline="0">
+                <a:solidFill>
+                  <a:schemeClr val="tx1"/>
+                </a:solidFill>
+                <a:latin typeface="+mn-lt"/>
+                <a:ea typeface="+mn-ea"/>
+                <a:cs typeface="+mn-cs"/>
+              </a:defRPr>
+            </a:lvl9pPr>
+          </a:lstStyle>
+          <a:p>
+            <a:r>
+              <a:rPr lang="fr-FR" dirty="0" smtClean="0"/>
+              <a:t>Les timbreuses esclave sont déployés dans toutes les classes de MCT</a:t>
+            </a:r>
+          </a:p>
+        </p:txBody>
+      </p:sp>
+      <p:sp>
+        <p:nvSpPr>
+          <p:cNvPr id="7" name="Espace réservé du contenu 2"/>
+          <p:cNvSpPr txBox="1">
+            <a:spLocks/>
+          </p:cNvSpPr>
+          <p:nvPr/>
+        </p:nvSpPr>
+        <p:spPr>
+          <a:xfrm>
+            <a:off x="1218878" y="3667432"/>
+            <a:ext cx="10360501" cy="503067"/>
+          </a:xfrm>
+          <a:prstGeom prst="rect">
+            <a:avLst/>
+          </a:prstGeom>
+        </p:spPr>
+        <p:txBody>
+          <a:bodyPr vert="horz" lIns="121899" tIns="60949" rIns="121899" bIns="60949" rtlCol="0">
+            <a:normAutofit lnSpcReduction="10000"/>
+          </a:bodyPr>
+          <a:lstStyle>
+            <a:lvl1pPr marL="304747" indent="-304747" algn="l" defTabSz="1218987" rtl="0" eaLnBrk="1" latinLnBrk="0" hangingPunct="1">
+              <a:lnSpc>
+                <a:spcPct val="90000"/>
+              </a:lnSpc>
+              <a:spcBef>
+                <a:spcPts val="1600"/>
+              </a:spcBef>
+              <a:buClr>
+                <a:schemeClr val="accent1"/>
+              </a:buClr>
+              <a:buSzPct val="100000"/>
+              <a:buFont typeface="Arial" pitchFamily="34" charset="0"/>
+              <a:buChar char="•"/>
+              <a:defRPr sz="2800" kern="1200">
+                <a:solidFill>
+                  <a:schemeClr val="tx1"/>
+                </a:solidFill>
+                <a:latin typeface="+mn-lt"/>
+                <a:ea typeface="+mn-ea"/>
+                <a:cs typeface="+mn-cs"/>
+              </a:defRPr>
+            </a:lvl1pPr>
+            <a:lvl2pPr marL="609493" indent="-231607" algn="l" defTabSz="1218987" rtl="0" eaLnBrk="1" latinLnBrk="0" hangingPunct="1">
+              <a:lnSpc>
+                <a:spcPct val="90000"/>
+              </a:lnSpc>
+              <a:spcBef>
+                <a:spcPts val="800"/>
+              </a:spcBef>
+              <a:buClr>
+                <a:schemeClr val="accent1"/>
+              </a:buClr>
+              <a:buSzPct val="80000"/>
+              <a:buFont typeface="Arial" pitchFamily="34" charset="0"/>
+              <a:buChar char="•"/>
+              <a:defRPr sz="2400" kern="1200">
+                <a:solidFill>
+                  <a:schemeClr val="tx1"/>
+                </a:solidFill>
+                <a:latin typeface="+mn-lt"/>
+                <a:ea typeface="+mn-ea"/>
+                <a:cs typeface="+mn-cs"/>
+              </a:defRPr>
+            </a:lvl2pPr>
+            <a:lvl3pPr marL="914240" indent="-231607" algn="l" defTabSz="1218987" rtl="0" eaLnBrk="1" latinLnBrk="0" hangingPunct="1">
+              <a:lnSpc>
+                <a:spcPct val="90000"/>
+              </a:lnSpc>
+              <a:spcBef>
+                <a:spcPts val="800"/>
+              </a:spcBef>
+              <a:buClr>
+                <a:schemeClr val="accent1"/>
+              </a:buClr>
+              <a:buSzPct val="80000"/>
+              <a:buFont typeface="Arial" pitchFamily="34" charset="0"/>
+              <a:buChar char="•"/>
+              <a:defRPr sz="2000" kern="1200">
+                <a:solidFill>
+                  <a:schemeClr val="tx1"/>
+                </a:solidFill>
+                <a:latin typeface="+mn-lt"/>
+                <a:ea typeface="+mn-ea"/>
+                <a:cs typeface="+mn-cs"/>
+              </a:defRPr>
+            </a:lvl3pPr>
+            <a:lvl4pPr marL="1218987" indent="-231607" algn="l" defTabSz="1218987" rtl="0" eaLnBrk="1" latinLnBrk="0" hangingPunct="1">
+              <a:lnSpc>
+                <a:spcPct val="90000"/>
+              </a:lnSpc>
+              <a:spcBef>
+                <a:spcPts val="800"/>
+              </a:spcBef>
+              <a:buClr>
+                <a:schemeClr val="accent1"/>
+              </a:buClr>
+              <a:buSzPct val="80000"/>
+              <a:buFont typeface="Arial" pitchFamily="34" charset="0"/>
+              <a:buChar char="•"/>
+              <a:defRPr sz="2000" kern="1200">
+                <a:solidFill>
+                  <a:schemeClr val="tx1"/>
+                </a:solidFill>
+                <a:latin typeface="+mn-lt"/>
+                <a:ea typeface="+mn-ea"/>
+                <a:cs typeface="+mn-cs"/>
+              </a:defRPr>
+            </a:lvl4pPr>
+            <a:lvl5pPr marL="1523733" indent="-231607" algn="l" defTabSz="1218987" rtl="0" eaLnBrk="1" latinLnBrk="0" hangingPunct="1">
+              <a:lnSpc>
+                <a:spcPct val="90000"/>
+              </a:lnSpc>
+              <a:spcBef>
+                <a:spcPts val="800"/>
+              </a:spcBef>
+              <a:buClr>
+                <a:schemeClr val="accent1"/>
+              </a:buClr>
+              <a:buSzPct val="80000"/>
+              <a:buFont typeface="Arial" pitchFamily="34" charset="0"/>
+              <a:buChar char="•"/>
+              <a:defRPr sz="2000" kern="1200">
+                <a:solidFill>
+                  <a:schemeClr val="tx1"/>
+                </a:solidFill>
+                <a:latin typeface="+mn-lt"/>
+                <a:ea typeface="+mn-ea"/>
+                <a:cs typeface="+mn-cs"/>
+              </a:defRPr>
+            </a:lvl5pPr>
+            <a:lvl6pPr marL="1828480" indent="-231607" algn="l" defTabSz="1218987" rtl="0" eaLnBrk="1" latinLnBrk="0" hangingPunct="1">
+              <a:lnSpc>
+                <a:spcPct val="90000"/>
+              </a:lnSpc>
+              <a:spcBef>
+                <a:spcPts val="800"/>
+              </a:spcBef>
+              <a:buClr>
+                <a:schemeClr val="accent1"/>
+              </a:buClr>
+              <a:buSzPct val="80000"/>
+              <a:buFont typeface="Arial" pitchFamily="34" charset="0"/>
+              <a:buChar char="•"/>
+              <a:defRPr sz="2000" kern="1200">
+                <a:solidFill>
+                  <a:schemeClr val="tx1"/>
+                </a:solidFill>
+                <a:latin typeface="+mn-lt"/>
+                <a:ea typeface="+mn-ea"/>
+                <a:cs typeface="+mn-cs"/>
+              </a:defRPr>
+            </a:lvl6pPr>
+            <a:lvl7pPr marL="2133227" indent="-231607" algn="l" defTabSz="1218987" rtl="0" eaLnBrk="1" latinLnBrk="0" hangingPunct="1">
+              <a:lnSpc>
+                <a:spcPct val="90000"/>
+              </a:lnSpc>
+              <a:spcBef>
+                <a:spcPts val="800"/>
+              </a:spcBef>
+              <a:buClr>
+                <a:schemeClr val="accent1"/>
+              </a:buClr>
+              <a:buSzPct val="80000"/>
+              <a:buFont typeface="Arial" pitchFamily="34" charset="0"/>
+              <a:buChar char="•"/>
+              <a:defRPr sz="2000" kern="1200">
+                <a:solidFill>
+                  <a:schemeClr val="tx1"/>
+                </a:solidFill>
+                <a:latin typeface="+mn-lt"/>
+                <a:ea typeface="+mn-ea"/>
+                <a:cs typeface="+mn-cs"/>
+              </a:defRPr>
+            </a:lvl7pPr>
+            <a:lvl8pPr marL="2437973" indent="-231607" algn="l" defTabSz="1218987" rtl="0" eaLnBrk="1" latinLnBrk="0" hangingPunct="1">
+              <a:lnSpc>
+                <a:spcPct val="90000"/>
+              </a:lnSpc>
+              <a:spcBef>
+                <a:spcPts val="800"/>
+              </a:spcBef>
+              <a:buClr>
+                <a:schemeClr val="accent1"/>
+              </a:buClr>
+              <a:buSzPct val="80000"/>
+              <a:buFont typeface="Arial" pitchFamily="34" charset="0"/>
+              <a:buChar char="•"/>
+              <a:defRPr sz="2000" kern="1200" baseline="0">
+                <a:solidFill>
+                  <a:schemeClr val="tx1"/>
+                </a:solidFill>
+                <a:latin typeface="+mn-lt"/>
+                <a:ea typeface="+mn-ea"/>
+                <a:cs typeface="+mn-cs"/>
+              </a:defRPr>
+            </a:lvl8pPr>
+            <a:lvl9pPr marL="2742720" indent="-231607" algn="l" defTabSz="1218987" rtl="0" eaLnBrk="1" latinLnBrk="0" hangingPunct="1">
+              <a:lnSpc>
+                <a:spcPct val="90000"/>
+              </a:lnSpc>
+              <a:spcBef>
+                <a:spcPts val="800"/>
+              </a:spcBef>
+              <a:buClr>
+                <a:schemeClr val="accent1"/>
+              </a:buClr>
+              <a:buSzPct val="80000"/>
+              <a:buFont typeface="Arial" pitchFamily="34" charset="0"/>
+              <a:buChar char="•"/>
+              <a:defRPr sz="2000" kern="1200" baseline="0">
+                <a:solidFill>
+                  <a:schemeClr val="tx1"/>
+                </a:solidFill>
+                <a:latin typeface="+mn-lt"/>
+                <a:ea typeface="+mn-ea"/>
+                <a:cs typeface="+mn-cs"/>
+              </a:defRPr>
+            </a:lvl9pPr>
+          </a:lstStyle>
+          <a:p>
+            <a:r>
+              <a:rPr lang="fr-FR" dirty="0" smtClean="0"/>
+              <a:t>Un service quasiment ininterrompu</a:t>
+            </a:r>
+          </a:p>
+        </p:txBody>
+      </p:sp>
+      <p:sp>
+        <p:nvSpPr>
+          <p:cNvPr id="8" name="Ellipse 7"/>
+          <p:cNvSpPr/>
+          <p:nvPr/>
+        </p:nvSpPr>
+        <p:spPr>
+          <a:xfrm>
+            <a:off x="1053852" y="4885704"/>
+            <a:ext cx="1368152" cy="1368152"/>
+          </a:xfrm>
+          <a:prstGeom prst="ellipse">
+            <a:avLst/>
+          </a:prstGeom>
+        </p:spPr>
+        <p:style>
+          <a:lnRef idx="2">
+            <a:schemeClr val="accent1">
+              <a:shade val="50000"/>
+            </a:schemeClr>
+          </a:lnRef>
+          <a:fillRef idx="1">
+            <a:schemeClr val="accent1"/>
+          </a:fillRef>
+          <a:effectRef idx="0">
+            <a:schemeClr val="accent1"/>
+          </a:effectRef>
+          <a:fontRef idx="minor">
+            <a:schemeClr val="lt1"/>
+          </a:fontRef>
+        </p:style>
+        <p:txBody>
+          <a:bodyPr rtlCol="0" anchor="ctr"/>
+          <a:lstStyle/>
+          <a:p>
+            <a:pPr algn="ctr"/>
+            <a:r>
+              <a:rPr lang="fr-FR" sz="2000" dirty="0" smtClean="0"/>
+              <a:t>Admin</a:t>
+            </a:r>
+            <a:endParaRPr lang="fr-FR" sz="2000" dirty="0"/>
+          </a:p>
+        </p:txBody>
+      </p:sp>
+      <p:sp>
+        <p:nvSpPr>
+          <p:cNvPr id="9" name="Ellipse 8"/>
+          <p:cNvSpPr/>
+          <p:nvPr/>
+        </p:nvSpPr>
+        <p:spPr>
+          <a:xfrm>
+            <a:off x="5715052" y="4885704"/>
+            <a:ext cx="1368152" cy="1368152"/>
+          </a:xfrm>
+          <a:prstGeom prst="ellipse">
+            <a:avLst/>
+          </a:prstGeom>
+        </p:spPr>
+        <p:style>
+          <a:lnRef idx="2">
+            <a:schemeClr val="accent1">
+              <a:shade val="50000"/>
+            </a:schemeClr>
+          </a:lnRef>
+          <a:fillRef idx="1">
+            <a:schemeClr val="accent1"/>
+          </a:fillRef>
+          <a:effectRef idx="0">
+            <a:schemeClr val="accent1"/>
+          </a:effectRef>
+          <a:fontRef idx="minor">
+            <a:schemeClr val="lt1"/>
+          </a:fontRef>
+        </p:style>
+        <p:txBody>
+          <a:bodyPr rtlCol="0" anchor="ctr"/>
+          <a:lstStyle/>
+          <a:p>
+            <a:pPr algn="ctr"/>
+            <a:r>
+              <a:rPr lang="fr-FR" sz="2000" dirty="0" smtClean="0"/>
+              <a:t>Profs</a:t>
+            </a:r>
+            <a:endParaRPr lang="fr-FR" sz="2000" dirty="0"/>
+          </a:p>
+        </p:txBody>
+      </p:sp>
+      <p:sp>
+        <p:nvSpPr>
+          <p:cNvPr id="10" name="Ellipse 9"/>
+          <p:cNvSpPr/>
+          <p:nvPr/>
+        </p:nvSpPr>
+        <p:spPr>
+          <a:xfrm>
+            <a:off x="10371947" y="4885704"/>
+            <a:ext cx="1368152" cy="1368152"/>
+          </a:xfrm>
+          <a:prstGeom prst="ellipse">
+            <a:avLst/>
+          </a:prstGeom>
+        </p:spPr>
+        <p:style>
+          <a:lnRef idx="2">
+            <a:schemeClr val="accent1">
+              <a:shade val="50000"/>
+            </a:schemeClr>
+          </a:lnRef>
+          <a:fillRef idx="1">
+            <a:schemeClr val="accent1"/>
+          </a:fillRef>
+          <a:effectRef idx="0">
+            <a:schemeClr val="accent1"/>
+          </a:effectRef>
+          <a:fontRef idx="minor">
+            <a:schemeClr val="lt1"/>
+          </a:fontRef>
+        </p:style>
+        <p:txBody>
+          <a:bodyPr rtlCol="0" anchor="ctr"/>
+          <a:lstStyle/>
+          <a:p>
+            <a:pPr algn="ctr"/>
+            <a:r>
+              <a:rPr lang="fr-FR" sz="2000" dirty="0" err="1" smtClean="0"/>
+              <a:t>Eleves</a:t>
+            </a:r>
+            <a:endParaRPr lang="fr-FR" sz="2000" dirty="0"/>
+          </a:p>
+        </p:txBody>
+      </p:sp>
+      <p:sp>
+        <p:nvSpPr>
+          <p:cNvPr id="11" name="Flèche droite 10"/>
+          <p:cNvSpPr/>
+          <p:nvPr/>
+        </p:nvSpPr>
+        <p:spPr>
+          <a:xfrm>
+            <a:off x="7113777" y="5209740"/>
+            <a:ext cx="3258170" cy="720080"/>
+          </a:xfrm>
+          <a:prstGeom prst="rightArrow">
+            <a:avLst/>
+          </a:prstGeom>
+        </p:spPr>
+        <p:style>
+          <a:lnRef idx="2">
+            <a:schemeClr val="accent1"/>
+          </a:lnRef>
+          <a:fillRef idx="1">
+            <a:schemeClr val="lt1"/>
+          </a:fillRef>
+          <a:effectRef idx="0">
+            <a:schemeClr val="accent1"/>
+          </a:effectRef>
+          <a:fontRef idx="minor">
+            <a:schemeClr val="dk1"/>
+          </a:fontRef>
+        </p:style>
+        <p:txBody>
+          <a:bodyPr rtlCol="0" anchor="ctr"/>
+          <a:lstStyle/>
+          <a:p>
+            <a:pPr algn="ctr"/>
+            <a:r>
+              <a:rPr lang="fr-FR" sz="2800" dirty="0" smtClean="0"/>
+              <a:t>Contrôle</a:t>
+            </a:r>
+            <a:endParaRPr lang="fr-FR" sz="2800" dirty="0"/>
+          </a:p>
+        </p:txBody>
+      </p:sp>
+      <p:sp>
+        <p:nvSpPr>
+          <p:cNvPr id="12" name="Flèche droite 11"/>
+          <p:cNvSpPr/>
+          <p:nvPr/>
+        </p:nvSpPr>
+        <p:spPr>
+          <a:xfrm>
+            <a:off x="2433742" y="5209740"/>
+            <a:ext cx="3258170" cy="720080"/>
+          </a:xfrm>
+          <a:prstGeom prst="rightArrow">
+            <a:avLst/>
+          </a:prstGeom>
+        </p:spPr>
+        <p:style>
+          <a:lnRef idx="2">
+            <a:schemeClr val="accent1"/>
+          </a:lnRef>
+          <a:fillRef idx="1">
+            <a:schemeClr val="lt1"/>
+          </a:fillRef>
+          <a:effectRef idx="0">
+            <a:schemeClr val="accent1"/>
+          </a:effectRef>
+          <a:fontRef idx="minor">
+            <a:schemeClr val="dk1"/>
+          </a:fontRef>
+        </p:style>
+        <p:txBody>
+          <a:bodyPr rtlCol="0" anchor="ctr"/>
+          <a:lstStyle/>
+          <a:p>
+            <a:pPr algn="ctr"/>
+            <a:r>
+              <a:rPr lang="fr-FR" sz="2800" dirty="0" smtClean="0"/>
+              <a:t>Contrôle</a:t>
+            </a:r>
+            <a:endParaRPr lang="fr-FR" sz="2800" dirty="0"/>
+          </a:p>
+        </p:txBody>
+      </p:sp>
+      <p:pic>
+        <p:nvPicPr>
+          <p:cNvPr id="13" name="Image 12"/>
+          <p:cNvPicPr>
+            <a:picLocks noChangeAspect="1"/>
+          </p:cNvPicPr>
+          <p:nvPr/>
+        </p:nvPicPr>
+        <p:blipFill>
+          <a:blip r:embed="rId2">
+            <a:extLst>
+              <a:ext uri="{28A0092B-C50C-407E-A947-70E740481C1C}">
+                <a14:useLocalDpi xmlns:a14="http://schemas.microsoft.com/office/drawing/2010/main" val="0"/>
+              </a:ext>
+            </a:extLst>
+          </a:blip>
+          <a:stretch>
+            <a:fillRect/>
+          </a:stretch>
+        </p:blipFill>
+        <p:spPr>
+          <a:xfrm>
+            <a:off x="10207718" y="6126"/>
+            <a:ext cx="1981107" cy="1760984"/>
+          </a:xfrm>
+          <a:prstGeom prst="rect">
+            <a:avLst/>
+          </a:prstGeom>
+        </p:spPr>
+      </p:pic>
+    </p:spTree>
+    <p:extLst>
+      <p:ext uri="{BB962C8B-B14F-4D97-AF65-F5344CB8AC3E}">
+        <p14:creationId xmlns:p14="http://schemas.microsoft.com/office/powerpoint/2010/main" val="1771838521"/>
+      </p:ext>
+    </p:extLst>
+  </p:cSld>
+  <p:clrMapOvr>
+    <a:masterClrMapping/>
+  </p:clrMapOvr>
+  <mc:AlternateContent xmlns:mc="http://schemas.openxmlformats.org/markup-compatibility/2006" xmlns:p14="http://schemas.microsoft.com/office/powerpoint/2010/main">
+    <mc:Choice Requires="p14">
+      <p:transition spd="med" p14:dur="700">
+        <p:fade/>
+      </p:transition>
+    </mc:Choice>
+    <mc:Fallback xmlns="">
+      <p:transition spd="med">
+        <p:fade/>
+      </p:transition>
+    </mc:Fallback>
+  </mc:AlternateContent>
+  <p:timing>
+    <p:tnLst>
+      <p:par>
+        <p:cTn id="1" dur="indefinite" restart="never" nodeType="tmRoot"/>
+      </p:par>
+    </p:tnLst>
+  </p:timing>
 </p:sld>
 </file>
 
@@ -5712,29 +7547,33 @@
             <p:ph idx="1"/>
           </p:nvPr>
         </p:nvSpPr>
-        <p:spPr/>
+        <p:spPr>
+          <a:xfrm>
+            <a:off x="1371282" y="2578074"/>
+            <a:ext cx="10360501" cy="506859"/>
+          </a:xfrm>
+        </p:spPr>
         <p:txBody>
-          <a:bodyPr rtlCol="0"/>
+          <a:bodyPr rtlCol="0">
+            <a:normAutofit/>
+          </a:bodyPr>
           <a:lstStyle/>
           <a:p>
             <a:r>
               <a:rPr lang="fr-FR" dirty="0" smtClean="0"/>
-              <a:t>Commence l’ann</a:t>
+              <a:t>Mise </a:t>
             </a:r>
             <a:r>
               <a:rPr lang="fr-FR" dirty="0"/>
-              <a:t>é</a:t>
+              <a:t>à</a:t>
             </a:r>
             <a:r>
               <a:rPr lang="fr-FR" dirty="0" smtClean="0"/>
-              <a:t>e dernière</a:t>
+              <a:t> </a:t>
             </a:r>
-            <a:endParaRPr lang="fr-FR" dirty="0" smtClean="0"/>
-          </a:p>
-          <a:p>
             <a:r>
               <a:rPr lang="fr-FR" dirty="0" smtClean="0"/>
-              <a:t>Mise a jour </a:t>
+              <a:t>jour </a:t>
             </a:r>
             <a:r>
               <a:rPr lang="fr-FR" dirty="0"/>
@@ -5746,8 +7585,700 @@
             </a:r>
             <a:endParaRPr lang="fr-FR" dirty="0" smtClean="0"/>
           </a:p>
-          <a:p>
-            <a:pPr rtl="0"/>
+        </p:txBody>
+      </p:sp>
+      <p:pic>
+        <p:nvPicPr>
+          <p:cNvPr id="1026" name="Picture 2" descr="Résultat de recherche d'images pour &quot;tomcat&quot;"/>
+          <p:cNvPicPr>
+            <a:picLocks noChangeAspect="1" noChangeArrowheads="1"/>
+          </p:cNvPicPr>
+          <p:nvPr/>
+        </p:nvPicPr>
+        <p:blipFill>
+          <a:blip r:embed="rId3">
+            <a:extLst>
+              <a:ext uri="{28A0092B-C50C-407E-A947-70E740481C1C}">
+                <a14:useLocalDpi xmlns:a14="http://schemas.microsoft.com/office/drawing/2010/main" val="0"/>
+              </a:ext>
+            </a:extLst>
+          </a:blip>
+          <a:srcRect/>
+          <a:stretch>
+            <a:fillRect/>
+          </a:stretch>
+        </p:blipFill>
+        <p:spPr bwMode="auto">
+          <a:xfrm>
+            <a:off x="6892270" y="357923"/>
+            <a:ext cx="2552700" cy="1228726"/>
+          </a:xfrm>
+          <a:prstGeom prst="rect">
+            <a:avLst/>
+          </a:prstGeom>
+          <a:noFill/>
+          <a:extLst>
+            <a:ext uri="{909E8E84-426E-40DD-AFC4-6F175D3DCCD1}">
+              <a14:hiddenFill xmlns:a14="http://schemas.microsoft.com/office/drawing/2010/main">
+                <a:solidFill>
+                  <a:srgbClr val="FFFFFF"/>
+                </a:solidFill>
+              </a14:hiddenFill>
+            </a:ext>
+          </a:extLst>
+        </p:spPr>
+      </p:pic>
+      <p:sp>
+        <p:nvSpPr>
+          <p:cNvPr id="2" name="Flèche vers le bas 1"/>
+          <p:cNvSpPr/>
+          <p:nvPr/>
+        </p:nvSpPr>
+        <p:spPr>
+          <a:xfrm>
+            <a:off x="7628560" y="1779363"/>
+            <a:ext cx="1080120" cy="2160240"/>
+          </a:xfrm>
+          <a:prstGeom prst="downArrow">
+            <a:avLst/>
+          </a:prstGeom>
+        </p:spPr>
+        <p:style>
+          <a:lnRef idx="2">
+            <a:schemeClr val="accent1">
+              <a:shade val="50000"/>
+            </a:schemeClr>
+          </a:lnRef>
+          <a:fillRef idx="1">
+            <a:schemeClr val="accent1"/>
+          </a:fillRef>
+          <a:effectRef idx="0">
+            <a:schemeClr val="accent1"/>
+          </a:effectRef>
+          <a:fontRef idx="minor">
+            <a:schemeClr val="lt1"/>
+          </a:fontRef>
+        </p:style>
+        <p:txBody>
+          <a:bodyPr rtlCol="0" anchor="ctr"/>
+          <a:lstStyle/>
+          <a:p>
+            <a:pPr algn="ctr"/>
+            <a:endParaRPr lang="fr-FR" sz="2800"/>
+          </a:p>
+        </p:txBody>
+      </p:sp>
+      <p:pic>
+        <p:nvPicPr>
+          <p:cNvPr id="1028" name="Picture 4" descr="Résultat de recherche d'images pour &quot;electron&quot;"/>
+          <p:cNvPicPr>
+            <a:picLocks noChangeAspect="1" noChangeArrowheads="1"/>
+          </p:cNvPicPr>
+          <p:nvPr/>
+        </p:nvPicPr>
+        <p:blipFill>
+          <a:blip r:embed="rId4">
+            <a:extLst>
+              <a:ext uri="{28A0092B-C50C-407E-A947-70E740481C1C}">
+                <a14:useLocalDpi xmlns:a14="http://schemas.microsoft.com/office/drawing/2010/main" val="0"/>
+              </a:ext>
+            </a:extLst>
+          </a:blip>
+          <a:srcRect/>
+          <a:stretch>
+            <a:fillRect/>
+          </a:stretch>
+        </p:blipFill>
+        <p:spPr bwMode="auto">
+          <a:xfrm>
+            <a:off x="9140698" y="3725669"/>
+            <a:ext cx="2438400" cy="2438400"/>
+          </a:xfrm>
+          <a:prstGeom prst="rect">
+            <a:avLst/>
+          </a:prstGeom>
+          <a:noFill/>
+          <a:extLst>
+            <a:ext uri="{909E8E84-426E-40DD-AFC4-6F175D3DCCD1}">
+              <a14:hiddenFill xmlns:a14="http://schemas.microsoft.com/office/drawing/2010/main">
+                <a:solidFill>
+                  <a:srgbClr val="FFFFFF"/>
+                </a:solidFill>
+              </a14:hiddenFill>
+            </a:ext>
+          </a:extLst>
+        </p:spPr>
+      </p:pic>
+      <p:sp>
+        <p:nvSpPr>
+          <p:cNvPr id="5" name="Plus 4"/>
+          <p:cNvSpPr/>
+          <p:nvPr/>
+        </p:nvSpPr>
+        <p:spPr>
+          <a:xfrm>
+            <a:off x="7197341" y="4142800"/>
+            <a:ext cx="1944216" cy="1828555"/>
+          </a:xfrm>
+          <a:prstGeom prst="mathPlus">
+            <a:avLst/>
+          </a:prstGeom>
+        </p:spPr>
+        <p:style>
+          <a:lnRef idx="2">
+            <a:schemeClr val="accent1">
+              <a:shade val="50000"/>
+            </a:schemeClr>
+          </a:lnRef>
+          <a:fillRef idx="1">
+            <a:schemeClr val="accent1"/>
+          </a:fillRef>
+          <a:effectRef idx="0">
+            <a:schemeClr val="accent1"/>
+          </a:effectRef>
+          <a:fontRef idx="minor">
+            <a:schemeClr val="lt1"/>
+          </a:fontRef>
+        </p:style>
+        <p:txBody>
+          <a:bodyPr rtlCol="0" anchor="ctr"/>
+          <a:lstStyle/>
+          <a:p>
+            <a:pPr algn="ctr"/>
+            <a:endParaRPr lang="fr-FR" sz="2800"/>
+          </a:p>
+        </p:txBody>
+      </p:sp>
+      <p:pic>
+        <p:nvPicPr>
+          <p:cNvPr id="1030" name="Picture 6" descr="Résultat de recherche d'images pour &quot;node js image&quot;"/>
+          <p:cNvPicPr>
+            <a:picLocks noChangeAspect="1" noChangeArrowheads="1"/>
+          </p:cNvPicPr>
+          <p:nvPr/>
+        </p:nvPicPr>
+        <p:blipFill>
+          <a:blip r:embed="rId5">
+            <a:extLst>
+              <a:ext uri="{28A0092B-C50C-407E-A947-70E740481C1C}">
+                <a14:useLocalDpi xmlns:a14="http://schemas.microsoft.com/office/drawing/2010/main" val="0"/>
+              </a:ext>
+            </a:extLst>
+          </a:blip>
+          <a:srcRect/>
+          <a:stretch>
+            <a:fillRect/>
+          </a:stretch>
+        </p:blipFill>
+        <p:spPr bwMode="auto">
+          <a:xfrm>
+            <a:off x="4311261" y="4223349"/>
+            <a:ext cx="2886080" cy="1443040"/>
+          </a:xfrm>
+          <a:prstGeom prst="rect">
+            <a:avLst/>
+          </a:prstGeom>
+          <a:noFill/>
+          <a:extLst>
+            <a:ext uri="{909E8E84-426E-40DD-AFC4-6F175D3DCCD1}">
+              <a14:hiddenFill xmlns:a14="http://schemas.microsoft.com/office/drawing/2010/main">
+                <a:solidFill>
+                  <a:srgbClr val="FFFFFF"/>
+                </a:solidFill>
+              </a14:hiddenFill>
+            </a:ext>
+          </a:extLst>
+        </p:spPr>
+      </p:pic>
+      <p:pic>
+        <p:nvPicPr>
+          <p:cNvPr id="11" name="Image 10"/>
+          <p:cNvPicPr>
+            <a:picLocks noChangeAspect="1"/>
+          </p:cNvPicPr>
+          <p:nvPr/>
+        </p:nvPicPr>
+        <p:blipFill>
+          <a:blip r:embed="rId6">
+            <a:extLst>
+              <a:ext uri="{28A0092B-C50C-407E-A947-70E740481C1C}">
+                <a14:useLocalDpi xmlns:a14="http://schemas.microsoft.com/office/drawing/2010/main" val="0"/>
+              </a:ext>
+            </a:extLst>
+          </a:blip>
+          <a:stretch>
+            <a:fillRect/>
+          </a:stretch>
+        </p:blipFill>
+        <p:spPr>
+          <a:xfrm>
+            <a:off x="10207718" y="6126"/>
+            <a:ext cx="1981107" cy="1760984"/>
+          </a:xfrm>
+          <a:prstGeom prst="rect">
+            <a:avLst/>
+          </a:prstGeom>
+        </p:spPr>
+      </p:pic>
+      <p:sp>
+        <p:nvSpPr>
+          <p:cNvPr id="15" name="Espace réservé du contenu 13"/>
+          <p:cNvSpPr txBox="1">
+            <a:spLocks/>
+          </p:cNvSpPr>
+          <p:nvPr/>
+        </p:nvSpPr>
+        <p:spPr>
+          <a:xfrm>
+            <a:off x="1371283" y="1854198"/>
+            <a:ext cx="10360501" cy="531162"/>
+          </a:xfrm>
+          <a:prstGeom prst="rect">
+            <a:avLst/>
+          </a:prstGeom>
+        </p:spPr>
+        <p:txBody>
+          <a:bodyPr vert="horz" lIns="121899" tIns="60949" rIns="121899" bIns="60949" rtlCol="0">
+            <a:normAutofit/>
+          </a:bodyPr>
+          <a:lstStyle>
+            <a:lvl1pPr marL="304747" indent="-304747" algn="l" defTabSz="1218987" rtl="0" eaLnBrk="1" latinLnBrk="0" hangingPunct="1">
+              <a:lnSpc>
+                <a:spcPct val="90000"/>
+              </a:lnSpc>
+              <a:spcBef>
+                <a:spcPts val="1600"/>
+              </a:spcBef>
+              <a:buClr>
+                <a:schemeClr val="accent1"/>
+              </a:buClr>
+              <a:buSzPct val="100000"/>
+              <a:buFont typeface="Arial" pitchFamily="34" charset="0"/>
+              <a:buChar char="•"/>
+              <a:defRPr sz="2800" kern="1200">
+                <a:solidFill>
+                  <a:schemeClr val="tx1"/>
+                </a:solidFill>
+                <a:latin typeface="+mn-lt"/>
+                <a:ea typeface="+mn-ea"/>
+                <a:cs typeface="+mn-cs"/>
+              </a:defRPr>
+            </a:lvl1pPr>
+            <a:lvl2pPr marL="609493" indent="-231607" algn="l" defTabSz="1218987" rtl="0" eaLnBrk="1" latinLnBrk="0" hangingPunct="1">
+              <a:lnSpc>
+                <a:spcPct val="90000"/>
+              </a:lnSpc>
+              <a:spcBef>
+                <a:spcPts val="800"/>
+              </a:spcBef>
+              <a:buClr>
+                <a:schemeClr val="accent1"/>
+              </a:buClr>
+              <a:buSzPct val="80000"/>
+              <a:buFont typeface="Arial" pitchFamily="34" charset="0"/>
+              <a:buChar char="•"/>
+              <a:defRPr sz="2400" kern="1200">
+                <a:solidFill>
+                  <a:schemeClr val="tx1"/>
+                </a:solidFill>
+                <a:latin typeface="+mn-lt"/>
+                <a:ea typeface="+mn-ea"/>
+                <a:cs typeface="+mn-cs"/>
+              </a:defRPr>
+            </a:lvl2pPr>
+            <a:lvl3pPr marL="914240" indent="-231607" algn="l" defTabSz="1218987" rtl="0" eaLnBrk="1" latinLnBrk="0" hangingPunct="1">
+              <a:lnSpc>
+                <a:spcPct val="90000"/>
+              </a:lnSpc>
+              <a:spcBef>
+                <a:spcPts val="800"/>
+              </a:spcBef>
+              <a:buClr>
+                <a:schemeClr val="accent1"/>
+              </a:buClr>
+              <a:buSzPct val="80000"/>
+              <a:buFont typeface="Arial" pitchFamily="34" charset="0"/>
+              <a:buChar char="•"/>
+              <a:defRPr sz="2000" kern="1200">
+                <a:solidFill>
+                  <a:schemeClr val="tx1"/>
+                </a:solidFill>
+                <a:latin typeface="+mn-lt"/>
+                <a:ea typeface="+mn-ea"/>
+                <a:cs typeface="+mn-cs"/>
+              </a:defRPr>
+            </a:lvl3pPr>
+            <a:lvl4pPr marL="1218987" indent="-231607" algn="l" defTabSz="1218987" rtl="0" eaLnBrk="1" latinLnBrk="0" hangingPunct="1">
+              <a:lnSpc>
+                <a:spcPct val="90000"/>
+              </a:lnSpc>
+              <a:spcBef>
+                <a:spcPts val="800"/>
+              </a:spcBef>
+              <a:buClr>
+                <a:schemeClr val="accent1"/>
+              </a:buClr>
+              <a:buSzPct val="80000"/>
+              <a:buFont typeface="Arial" pitchFamily="34" charset="0"/>
+              <a:buChar char="•"/>
+              <a:defRPr sz="2000" kern="1200">
+                <a:solidFill>
+                  <a:schemeClr val="tx1"/>
+                </a:solidFill>
+                <a:latin typeface="+mn-lt"/>
+                <a:ea typeface="+mn-ea"/>
+                <a:cs typeface="+mn-cs"/>
+              </a:defRPr>
+            </a:lvl4pPr>
+            <a:lvl5pPr marL="1523733" indent="-231607" algn="l" defTabSz="1218987" rtl="0" eaLnBrk="1" latinLnBrk="0" hangingPunct="1">
+              <a:lnSpc>
+                <a:spcPct val="90000"/>
+              </a:lnSpc>
+              <a:spcBef>
+                <a:spcPts val="800"/>
+              </a:spcBef>
+              <a:buClr>
+                <a:schemeClr val="accent1"/>
+              </a:buClr>
+              <a:buSzPct val="80000"/>
+              <a:buFont typeface="Arial" pitchFamily="34" charset="0"/>
+              <a:buChar char="•"/>
+              <a:defRPr sz="2000" kern="1200">
+                <a:solidFill>
+                  <a:schemeClr val="tx1"/>
+                </a:solidFill>
+                <a:latin typeface="+mn-lt"/>
+                <a:ea typeface="+mn-ea"/>
+                <a:cs typeface="+mn-cs"/>
+              </a:defRPr>
+            </a:lvl5pPr>
+            <a:lvl6pPr marL="1828480" indent="-231607" algn="l" defTabSz="1218987" rtl="0" eaLnBrk="1" latinLnBrk="0" hangingPunct="1">
+              <a:lnSpc>
+                <a:spcPct val="90000"/>
+              </a:lnSpc>
+              <a:spcBef>
+                <a:spcPts val="800"/>
+              </a:spcBef>
+              <a:buClr>
+                <a:schemeClr val="accent1"/>
+              </a:buClr>
+              <a:buSzPct val="80000"/>
+              <a:buFont typeface="Arial" pitchFamily="34" charset="0"/>
+              <a:buChar char="•"/>
+              <a:defRPr sz="2000" kern="1200">
+                <a:solidFill>
+                  <a:schemeClr val="tx1"/>
+                </a:solidFill>
+                <a:latin typeface="+mn-lt"/>
+                <a:ea typeface="+mn-ea"/>
+                <a:cs typeface="+mn-cs"/>
+              </a:defRPr>
+            </a:lvl6pPr>
+            <a:lvl7pPr marL="2133227" indent="-231607" algn="l" defTabSz="1218987" rtl="0" eaLnBrk="1" latinLnBrk="0" hangingPunct="1">
+              <a:lnSpc>
+                <a:spcPct val="90000"/>
+              </a:lnSpc>
+              <a:spcBef>
+                <a:spcPts val="800"/>
+              </a:spcBef>
+              <a:buClr>
+                <a:schemeClr val="accent1"/>
+              </a:buClr>
+              <a:buSzPct val="80000"/>
+              <a:buFont typeface="Arial" pitchFamily="34" charset="0"/>
+              <a:buChar char="•"/>
+              <a:defRPr sz="2000" kern="1200">
+                <a:solidFill>
+                  <a:schemeClr val="tx1"/>
+                </a:solidFill>
+                <a:latin typeface="+mn-lt"/>
+                <a:ea typeface="+mn-ea"/>
+                <a:cs typeface="+mn-cs"/>
+              </a:defRPr>
+            </a:lvl7pPr>
+            <a:lvl8pPr marL="2437973" indent="-231607" algn="l" defTabSz="1218987" rtl="0" eaLnBrk="1" latinLnBrk="0" hangingPunct="1">
+              <a:lnSpc>
+                <a:spcPct val="90000"/>
+              </a:lnSpc>
+              <a:spcBef>
+                <a:spcPts val="800"/>
+              </a:spcBef>
+              <a:buClr>
+                <a:schemeClr val="accent1"/>
+              </a:buClr>
+              <a:buSzPct val="80000"/>
+              <a:buFont typeface="Arial" pitchFamily="34" charset="0"/>
+              <a:buChar char="•"/>
+              <a:defRPr sz="2000" kern="1200" baseline="0">
+                <a:solidFill>
+                  <a:schemeClr val="tx1"/>
+                </a:solidFill>
+                <a:latin typeface="+mn-lt"/>
+                <a:ea typeface="+mn-ea"/>
+                <a:cs typeface="+mn-cs"/>
+              </a:defRPr>
+            </a:lvl8pPr>
+            <a:lvl9pPr marL="2742720" indent="-231607" algn="l" defTabSz="1218987" rtl="0" eaLnBrk="1" latinLnBrk="0" hangingPunct="1">
+              <a:lnSpc>
+                <a:spcPct val="90000"/>
+              </a:lnSpc>
+              <a:spcBef>
+                <a:spcPts val="800"/>
+              </a:spcBef>
+              <a:buClr>
+                <a:schemeClr val="accent1"/>
+              </a:buClr>
+              <a:buSzPct val="80000"/>
+              <a:buFont typeface="Arial" pitchFamily="34" charset="0"/>
+              <a:buChar char="•"/>
+              <a:defRPr sz="2000" kern="1200" baseline="0">
+                <a:solidFill>
+                  <a:schemeClr val="tx1"/>
+                </a:solidFill>
+                <a:latin typeface="+mn-lt"/>
+                <a:ea typeface="+mn-ea"/>
+                <a:cs typeface="+mn-cs"/>
+              </a:defRPr>
+            </a:lvl9pPr>
+          </a:lstStyle>
+          <a:p>
+            <a:r>
+              <a:rPr lang="fr-FR" dirty="0" smtClean="0"/>
+              <a:t>Commenc</a:t>
+            </a:r>
+            <a:r>
+              <a:rPr lang="fr-FR" dirty="0"/>
+              <a:t>é</a:t>
+            </a:r>
+            <a:r>
+              <a:rPr lang="fr-FR" dirty="0" smtClean="0"/>
+              <a:t> l’année dernière</a:t>
+            </a:r>
+          </a:p>
+        </p:txBody>
+      </p:sp>
+      <p:sp>
+        <p:nvSpPr>
+          <p:cNvPr id="16" name="Espace réservé du contenu 13"/>
+          <p:cNvSpPr txBox="1">
+            <a:spLocks/>
+          </p:cNvSpPr>
+          <p:nvPr/>
+        </p:nvSpPr>
+        <p:spPr>
+          <a:xfrm>
+            <a:off x="1371281" y="3282088"/>
+            <a:ext cx="10360501" cy="483376"/>
+          </a:xfrm>
+          <a:prstGeom prst="rect">
+            <a:avLst/>
+          </a:prstGeom>
+        </p:spPr>
+        <p:txBody>
+          <a:bodyPr vert="horz" lIns="121899" tIns="60949" rIns="121899" bIns="60949" rtlCol="0">
+            <a:normAutofit lnSpcReduction="10000"/>
+          </a:bodyPr>
+          <a:lstStyle>
+            <a:lvl1pPr marL="304747" indent="-304747" algn="l" defTabSz="1218987" rtl="0" eaLnBrk="1" latinLnBrk="0" hangingPunct="1">
+              <a:lnSpc>
+                <a:spcPct val="90000"/>
+              </a:lnSpc>
+              <a:spcBef>
+                <a:spcPts val="1600"/>
+              </a:spcBef>
+              <a:buClr>
+                <a:schemeClr val="accent1"/>
+              </a:buClr>
+              <a:buSzPct val="100000"/>
+              <a:buFont typeface="Arial" pitchFamily="34" charset="0"/>
+              <a:buChar char="•"/>
+              <a:defRPr sz="2800" kern="1200">
+                <a:solidFill>
+                  <a:schemeClr val="tx1"/>
+                </a:solidFill>
+                <a:latin typeface="+mn-lt"/>
+                <a:ea typeface="+mn-ea"/>
+                <a:cs typeface="+mn-cs"/>
+              </a:defRPr>
+            </a:lvl1pPr>
+            <a:lvl2pPr marL="609493" indent="-231607" algn="l" defTabSz="1218987" rtl="0" eaLnBrk="1" latinLnBrk="0" hangingPunct="1">
+              <a:lnSpc>
+                <a:spcPct val="90000"/>
+              </a:lnSpc>
+              <a:spcBef>
+                <a:spcPts val="800"/>
+              </a:spcBef>
+              <a:buClr>
+                <a:schemeClr val="accent1"/>
+              </a:buClr>
+              <a:buSzPct val="80000"/>
+              <a:buFont typeface="Arial" pitchFamily="34" charset="0"/>
+              <a:buChar char="•"/>
+              <a:defRPr sz="2400" kern="1200">
+                <a:solidFill>
+                  <a:schemeClr val="tx1"/>
+                </a:solidFill>
+                <a:latin typeface="+mn-lt"/>
+                <a:ea typeface="+mn-ea"/>
+                <a:cs typeface="+mn-cs"/>
+              </a:defRPr>
+            </a:lvl2pPr>
+            <a:lvl3pPr marL="914240" indent="-231607" algn="l" defTabSz="1218987" rtl="0" eaLnBrk="1" latinLnBrk="0" hangingPunct="1">
+              <a:lnSpc>
+                <a:spcPct val="90000"/>
+              </a:lnSpc>
+              <a:spcBef>
+                <a:spcPts val="800"/>
+              </a:spcBef>
+              <a:buClr>
+                <a:schemeClr val="accent1"/>
+              </a:buClr>
+              <a:buSzPct val="80000"/>
+              <a:buFont typeface="Arial" pitchFamily="34" charset="0"/>
+              <a:buChar char="•"/>
+              <a:defRPr sz="2000" kern="1200">
+                <a:solidFill>
+                  <a:schemeClr val="tx1"/>
+                </a:solidFill>
+                <a:latin typeface="+mn-lt"/>
+                <a:ea typeface="+mn-ea"/>
+                <a:cs typeface="+mn-cs"/>
+              </a:defRPr>
+            </a:lvl3pPr>
+            <a:lvl4pPr marL="1218987" indent="-231607" algn="l" defTabSz="1218987" rtl="0" eaLnBrk="1" latinLnBrk="0" hangingPunct="1">
+              <a:lnSpc>
+                <a:spcPct val="90000"/>
+              </a:lnSpc>
+              <a:spcBef>
+                <a:spcPts val="800"/>
+              </a:spcBef>
+              <a:buClr>
+                <a:schemeClr val="accent1"/>
+              </a:buClr>
+              <a:buSzPct val="80000"/>
+              <a:buFont typeface="Arial" pitchFamily="34" charset="0"/>
+              <a:buChar char="•"/>
+              <a:defRPr sz="2000" kern="1200">
+                <a:solidFill>
+                  <a:schemeClr val="tx1"/>
+                </a:solidFill>
+                <a:latin typeface="+mn-lt"/>
+                <a:ea typeface="+mn-ea"/>
+                <a:cs typeface="+mn-cs"/>
+              </a:defRPr>
+            </a:lvl4pPr>
+            <a:lvl5pPr marL="1523733" indent="-231607" algn="l" defTabSz="1218987" rtl="0" eaLnBrk="1" latinLnBrk="0" hangingPunct="1">
+              <a:lnSpc>
+                <a:spcPct val="90000"/>
+              </a:lnSpc>
+              <a:spcBef>
+                <a:spcPts val="800"/>
+              </a:spcBef>
+              <a:buClr>
+                <a:schemeClr val="accent1"/>
+              </a:buClr>
+              <a:buSzPct val="80000"/>
+              <a:buFont typeface="Arial" pitchFamily="34" charset="0"/>
+              <a:buChar char="•"/>
+              <a:defRPr sz="2000" kern="1200">
+                <a:solidFill>
+                  <a:schemeClr val="tx1"/>
+                </a:solidFill>
+                <a:latin typeface="+mn-lt"/>
+                <a:ea typeface="+mn-ea"/>
+                <a:cs typeface="+mn-cs"/>
+              </a:defRPr>
+            </a:lvl5pPr>
+            <a:lvl6pPr marL="1828480" indent="-231607" algn="l" defTabSz="1218987" rtl="0" eaLnBrk="1" latinLnBrk="0" hangingPunct="1">
+              <a:lnSpc>
+                <a:spcPct val="90000"/>
+              </a:lnSpc>
+              <a:spcBef>
+                <a:spcPts val="800"/>
+              </a:spcBef>
+              <a:buClr>
+                <a:schemeClr val="accent1"/>
+              </a:buClr>
+              <a:buSzPct val="80000"/>
+              <a:buFont typeface="Arial" pitchFamily="34" charset="0"/>
+              <a:buChar char="•"/>
+              <a:defRPr sz="2000" kern="1200">
+                <a:solidFill>
+                  <a:schemeClr val="tx1"/>
+                </a:solidFill>
+                <a:latin typeface="+mn-lt"/>
+                <a:ea typeface="+mn-ea"/>
+                <a:cs typeface="+mn-cs"/>
+              </a:defRPr>
+            </a:lvl6pPr>
+            <a:lvl7pPr marL="2133227" indent="-231607" algn="l" defTabSz="1218987" rtl="0" eaLnBrk="1" latinLnBrk="0" hangingPunct="1">
+              <a:lnSpc>
+                <a:spcPct val="90000"/>
+              </a:lnSpc>
+              <a:spcBef>
+                <a:spcPts val="800"/>
+              </a:spcBef>
+              <a:buClr>
+                <a:schemeClr val="accent1"/>
+              </a:buClr>
+              <a:buSzPct val="80000"/>
+              <a:buFont typeface="Arial" pitchFamily="34" charset="0"/>
+              <a:buChar char="•"/>
+              <a:defRPr sz="2000" kern="1200">
+                <a:solidFill>
+                  <a:schemeClr val="tx1"/>
+                </a:solidFill>
+                <a:latin typeface="+mn-lt"/>
+                <a:ea typeface="+mn-ea"/>
+                <a:cs typeface="+mn-cs"/>
+              </a:defRPr>
+            </a:lvl7pPr>
+            <a:lvl8pPr marL="2437973" indent="-231607" algn="l" defTabSz="1218987" rtl="0" eaLnBrk="1" latinLnBrk="0" hangingPunct="1">
+              <a:lnSpc>
+                <a:spcPct val="90000"/>
+              </a:lnSpc>
+              <a:spcBef>
+                <a:spcPts val="800"/>
+              </a:spcBef>
+              <a:buClr>
+                <a:schemeClr val="accent1"/>
+              </a:buClr>
+              <a:buSzPct val="80000"/>
+              <a:buFont typeface="Arial" pitchFamily="34" charset="0"/>
+              <a:buChar char="•"/>
+              <a:defRPr sz="2000" kern="1200" baseline="0">
+                <a:solidFill>
+                  <a:schemeClr val="tx1"/>
+                </a:solidFill>
+                <a:latin typeface="+mn-lt"/>
+                <a:ea typeface="+mn-ea"/>
+                <a:cs typeface="+mn-cs"/>
+              </a:defRPr>
+            </a:lvl8pPr>
+            <a:lvl9pPr marL="2742720" indent="-231607" algn="l" defTabSz="1218987" rtl="0" eaLnBrk="1" latinLnBrk="0" hangingPunct="1">
+              <a:lnSpc>
+                <a:spcPct val="90000"/>
+              </a:lnSpc>
+              <a:spcBef>
+                <a:spcPts val="800"/>
+              </a:spcBef>
+              <a:buClr>
+                <a:schemeClr val="accent1"/>
+              </a:buClr>
+              <a:buSzPct val="80000"/>
+              <a:buFont typeface="Arial" pitchFamily="34" charset="0"/>
+              <a:buChar char="•"/>
+              <a:defRPr sz="2000" kern="1200" baseline="0">
+                <a:solidFill>
+                  <a:schemeClr val="tx1"/>
+                </a:solidFill>
+                <a:latin typeface="+mn-lt"/>
+                <a:ea typeface="+mn-ea"/>
+                <a:cs typeface="+mn-cs"/>
+              </a:defRPr>
+            </a:lvl9pPr>
+          </a:lstStyle>
+          <a:p>
             <a:r>
               <a:rPr lang="fr-FR" dirty="0" smtClean="0"/>
               <a:t>Refonte en 2017</a:t>
@@ -5778,6 +8309,427 @@
       </p:transition>
     </mc:Fallback>
   </mc:AlternateContent>
+  <p:timing>
+    <p:tnLst>
+      <p:par>
+        <p:cTn id="1" dur="indefinite" restart="never" nodeType="tmRoot">
+          <p:childTnLst>
+            <p:seq concurrent="1" nextAc="seek">
+              <p:cTn id="2" dur="indefinite" nodeType="mainSeq">
+                <p:childTnLst>
+                  <p:par>
+                    <p:cTn id="3" fill="hold">
+                      <p:stCondLst>
+                        <p:cond delay="indefinite"/>
+                      </p:stCondLst>
+                      <p:childTnLst>
+                        <p:par>
+                          <p:cTn id="4" fill="hold">
+                            <p:stCondLst>
+                              <p:cond delay="0"/>
+                            </p:stCondLst>
+                            <p:childTnLst>
+                              <p:par>
+                                <p:cTn id="5" presetID="10" presetClass="entr" presetSubtype="0" fill="hold" grpId="0" nodeType="clickEffect">
+                                  <p:stCondLst>
+                                    <p:cond delay="0"/>
+                                  </p:stCondLst>
+                                  <p:childTnLst>
+                                    <p:set>
+                                      <p:cBhvr>
+                                        <p:cTn id="6" dur="1" fill="hold">
+                                          <p:stCondLst>
+                                            <p:cond delay="0"/>
+                                          </p:stCondLst>
+                                        </p:cTn>
+                                        <p:tgtEl>
+                                          <p:spTgt spid="15"/>
+                                        </p:tgtEl>
+                                        <p:attrNameLst>
+                                          <p:attrName>style.visibility</p:attrName>
+                                        </p:attrNameLst>
+                                      </p:cBhvr>
+                                      <p:to>
+                                        <p:strVal val="visible"/>
+                                      </p:to>
+                                    </p:set>
+                                    <p:animEffect transition="in" filter="fade">
+                                      <p:cBhvr>
+                                        <p:cTn id="7" dur="500"/>
+                                        <p:tgtEl>
+                                          <p:spTgt spid="15"/>
+                                        </p:tgtEl>
+                                      </p:cBhvr>
+                                    </p:animEffect>
+                                  </p:childTnLst>
+                                </p:cTn>
+                              </p:par>
+                            </p:childTnLst>
+                          </p:cTn>
+                        </p:par>
+                      </p:childTnLst>
+                    </p:cTn>
+                  </p:par>
+                  <p:par>
+                    <p:cTn id="8" fill="hold">
+                      <p:stCondLst>
+                        <p:cond delay="indefinite"/>
+                      </p:stCondLst>
+                      <p:childTnLst>
+                        <p:par>
+                          <p:cTn id="9" fill="hold">
+                            <p:stCondLst>
+                              <p:cond delay="0"/>
+                            </p:stCondLst>
+                            <p:childTnLst>
+                              <p:par>
+                                <p:cTn id="10" presetID="10" presetClass="entr" presetSubtype="0" fill="hold" nodeType="clickEffect">
+                                  <p:stCondLst>
+                                    <p:cond delay="0"/>
+                                  </p:stCondLst>
+                                  <p:childTnLst>
+                                    <p:set>
+                                      <p:cBhvr>
+                                        <p:cTn id="11" dur="1" fill="hold">
+                                          <p:stCondLst>
+                                            <p:cond delay="0"/>
+                                          </p:stCondLst>
+                                        </p:cTn>
+                                        <p:tgtEl>
+                                          <p:spTgt spid="1026"/>
+                                        </p:tgtEl>
+                                        <p:attrNameLst>
+                                          <p:attrName>style.visibility</p:attrName>
+                                        </p:attrNameLst>
+                                      </p:cBhvr>
+                                      <p:to>
+                                        <p:strVal val="visible"/>
+                                      </p:to>
+                                    </p:set>
+                                    <p:animEffect transition="in" filter="fade">
+                                      <p:cBhvr>
+                                        <p:cTn id="12" dur="500"/>
+                                        <p:tgtEl>
+                                          <p:spTgt spid="1026"/>
+                                        </p:tgtEl>
+                                      </p:cBhvr>
+                                    </p:animEffect>
+                                  </p:childTnLst>
+                                </p:cTn>
+                              </p:par>
+                            </p:childTnLst>
+                          </p:cTn>
+                        </p:par>
+                      </p:childTnLst>
+                    </p:cTn>
+                  </p:par>
+                  <p:par>
+                    <p:cTn id="13" fill="hold">
+                      <p:stCondLst>
+                        <p:cond delay="indefinite"/>
+                      </p:stCondLst>
+                      <p:childTnLst>
+                        <p:par>
+                          <p:cTn id="14" fill="hold">
+                            <p:stCondLst>
+                              <p:cond delay="0"/>
+                            </p:stCondLst>
+                            <p:childTnLst>
+                              <p:par>
+                                <p:cTn id="15" presetID="10" presetClass="entr" presetSubtype="0" fill="hold" grpId="0" nodeType="clickEffect">
+                                  <p:stCondLst>
+                                    <p:cond delay="0"/>
+                                  </p:stCondLst>
+                                  <p:childTnLst>
+                                    <p:set>
+                                      <p:cBhvr>
+                                        <p:cTn id="16" dur="1" fill="hold">
+                                          <p:stCondLst>
+                                            <p:cond delay="0"/>
+                                          </p:stCondLst>
+                                        </p:cTn>
+                                        <p:tgtEl>
+                                          <p:spTgt spid="2"/>
+                                        </p:tgtEl>
+                                        <p:attrNameLst>
+                                          <p:attrName>style.visibility</p:attrName>
+                                        </p:attrNameLst>
+                                      </p:cBhvr>
+                                      <p:to>
+                                        <p:strVal val="visible"/>
+                                      </p:to>
+                                    </p:set>
+                                    <p:animEffect transition="in" filter="fade">
+                                      <p:cBhvr>
+                                        <p:cTn id="17" dur="500"/>
+                                        <p:tgtEl>
+                                          <p:spTgt spid="2"/>
+                                        </p:tgtEl>
+                                      </p:cBhvr>
+                                    </p:animEffect>
+                                  </p:childTnLst>
+                                </p:cTn>
+                              </p:par>
+                              <p:par>
+                                <p:cTn id="18" presetID="10" presetClass="entr" presetSubtype="0" fill="hold" grpId="0" nodeType="withEffect">
+                                  <p:stCondLst>
+                                    <p:cond delay="0"/>
+                                  </p:stCondLst>
+                                  <p:childTnLst>
+                                    <p:set>
+                                      <p:cBhvr>
+                                        <p:cTn id="19" dur="1" fill="hold">
+                                          <p:stCondLst>
+                                            <p:cond delay="0"/>
+                                          </p:stCondLst>
+                                        </p:cTn>
+                                        <p:tgtEl>
+                                          <p:spTgt spid="5"/>
+                                        </p:tgtEl>
+                                        <p:attrNameLst>
+                                          <p:attrName>style.visibility</p:attrName>
+                                        </p:attrNameLst>
+                                      </p:cBhvr>
+                                      <p:to>
+                                        <p:strVal val="visible"/>
+                                      </p:to>
+                                    </p:set>
+                                    <p:animEffect transition="in" filter="fade">
+                                      <p:cBhvr>
+                                        <p:cTn id="20" dur="500"/>
+                                        <p:tgtEl>
+                                          <p:spTgt spid="5"/>
+                                        </p:tgtEl>
+                                      </p:cBhvr>
+                                    </p:animEffect>
+                                  </p:childTnLst>
+                                </p:cTn>
+                              </p:par>
+                              <p:par>
+                                <p:cTn id="21" presetID="10" presetClass="entr" presetSubtype="0" fill="hold" nodeType="withEffect">
+                                  <p:stCondLst>
+                                    <p:cond delay="0"/>
+                                  </p:stCondLst>
+                                  <p:childTnLst>
+                                    <p:set>
+                                      <p:cBhvr>
+                                        <p:cTn id="22" dur="1" fill="hold">
+                                          <p:stCondLst>
+                                            <p:cond delay="0"/>
+                                          </p:stCondLst>
+                                        </p:cTn>
+                                        <p:tgtEl>
+                                          <p:spTgt spid="1030"/>
+                                        </p:tgtEl>
+                                        <p:attrNameLst>
+                                          <p:attrName>style.visibility</p:attrName>
+                                        </p:attrNameLst>
+                                      </p:cBhvr>
+                                      <p:to>
+                                        <p:strVal val="visible"/>
+                                      </p:to>
+                                    </p:set>
+                                    <p:animEffect transition="in" filter="fade">
+                                      <p:cBhvr>
+                                        <p:cTn id="23" dur="500"/>
+                                        <p:tgtEl>
+                                          <p:spTgt spid="1030"/>
+                                        </p:tgtEl>
+                                      </p:cBhvr>
+                                    </p:animEffect>
+                                  </p:childTnLst>
+                                </p:cTn>
+                              </p:par>
+                              <p:par>
+                                <p:cTn id="24" presetID="10" presetClass="entr" presetSubtype="0" fill="hold" nodeType="withEffect">
+                                  <p:stCondLst>
+                                    <p:cond delay="0"/>
+                                  </p:stCondLst>
+                                  <p:childTnLst>
+                                    <p:set>
+                                      <p:cBhvr>
+                                        <p:cTn id="25" dur="1" fill="hold">
+                                          <p:stCondLst>
+                                            <p:cond delay="0"/>
+                                          </p:stCondLst>
+                                        </p:cTn>
+                                        <p:tgtEl>
+                                          <p:spTgt spid="1028"/>
+                                        </p:tgtEl>
+                                        <p:attrNameLst>
+                                          <p:attrName>style.visibility</p:attrName>
+                                        </p:attrNameLst>
+                                      </p:cBhvr>
+                                      <p:to>
+                                        <p:strVal val="visible"/>
+                                      </p:to>
+                                    </p:set>
+                                    <p:animEffect transition="in" filter="fade">
+                                      <p:cBhvr>
+                                        <p:cTn id="26" dur="500"/>
+                                        <p:tgtEl>
+                                          <p:spTgt spid="1028"/>
+                                        </p:tgtEl>
+                                      </p:cBhvr>
+                                    </p:animEffect>
+                                  </p:childTnLst>
+                                </p:cTn>
+                              </p:par>
+                            </p:childTnLst>
+                          </p:cTn>
+                        </p:par>
+                      </p:childTnLst>
+                    </p:cTn>
+                  </p:par>
+                  <p:par>
+                    <p:cTn id="27" fill="hold">
+                      <p:stCondLst>
+                        <p:cond delay="indefinite"/>
+                      </p:stCondLst>
+                      <p:childTnLst>
+                        <p:par>
+                          <p:cTn id="28" fill="hold">
+                            <p:stCondLst>
+                              <p:cond delay="0"/>
+                            </p:stCondLst>
+                            <p:childTnLst>
+                              <p:par>
+                                <p:cTn id="29" presetID="10" presetClass="entr" presetSubtype="0" fill="hold" nodeType="clickEffect">
+                                  <p:stCondLst>
+                                    <p:cond delay="0"/>
+                                  </p:stCondLst>
+                                  <p:childTnLst>
+                                    <p:set>
+                                      <p:cBhvr>
+                                        <p:cTn id="30" dur="1" fill="hold">
+                                          <p:stCondLst>
+                                            <p:cond delay="0"/>
+                                          </p:stCondLst>
+                                        </p:cTn>
+                                        <p:tgtEl>
+                                          <p:spTgt spid="14">
+                                            <p:txEl>
+                                              <p:pRg st="0" end="0"/>
+                                            </p:txEl>
+                                          </p:spTgt>
+                                        </p:tgtEl>
+                                        <p:attrNameLst>
+                                          <p:attrName>style.visibility</p:attrName>
+                                        </p:attrNameLst>
+                                      </p:cBhvr>
+                                      <p:to>
+                                        <p:strVal val="visible"/>
+                                      </p:to>
+                                    </p:set>
+                                    <p:animEffect transition="in" filter="fade">
+                                      <p:cBhvr>
+                                        <p:cTn id="31" dur="500"/>
+                                        <p:tgtEl>
+                                          <p:spTgt spid="14">
+                                            <p:txEl>
+                                              <p:pRg st="0" end="0"/>
+                                            </p:txEl>
+                                          </p:spTgt>
+                                        </p:tgtEl>
+                                      </p:cBhvr>
+                                    </p:animEffect>
+                                  </p:childTnLst>
+                                </p:cTn>
+                              </p:par>
+                            </p:childTnLst>
+                          </p:cTn>
+                        </p:par>
+                      </p:childTnLst>
+                    </p:cTn>
+                  </p:par>
+                  <p:par>
+                    <p:cTn id="32" fill="hold">
+                      <p:stCondLst>
+                        <p:cond delay="indefinite"/>
+                      </p:stCondLst>
+                      <p:childTnLst>
+                        <p:par>
+                          <p:cTn id="33" fill="hold">
+                            <p:stCondLst>
+                              <p:cond delay="0"/>
+                            </p:stCondLst>
+                            <p:childTnLst>
+                              <p:par>
+                                <p:cTn id="34" presetID="10" presetClass="entr" presetSubtype="0" fill="hold" nodeType="clickEffect">
+                                  <p:stCondLst>
+                                    <p:cond delay="0"/>
+                                  </p:stCondLst>
+                                  <p:childTnLst>
+                                    <p:set>
+                                      <p:cBhvr>
+                                        <p:cTn id="35" dur="1" fill="hold">
+                                          <p:stCondLst>
+                                            <p:cond delay="0"/>
+                                          </p:stCondLst>
+                                        </p:cTn>
+                                        <p:tgtEl>
+                                          <p:spTgt spid="16">
+                                            <p:txEl>
+                                              <p:pRg st="0" end="0"/>
+                                            </p:txEl>
+                                          </p:spTgt>
+                                        </p:tgtEl>
+                                        <p:attrNameLst>
+                                          <p:attrName>style.visibility</p:attrName>
+                                        </p:attrNameLst>
+                                      </p:cBhvr>
+                                      <p:to>
+                                        <p:strVal val="visible"/>
+                                      </p:to>
+                                    </p:set>
+                                    <p:animEffect transition="in" filter="fade">
+                                      <p:cBhvr>
+                                        <p:cTn id="36" dur="500"/>
+                                        <p:tgtEl>
+                                          <p:spTgt spid="16">
+                                            <p:txEl>
+                                              <p:pRg st="0" end="0"/>
+                                            </p:txEl>
+                                          </p:spTgt>
+                                        </p:tgtEl>
+                                      </p:cBhvr>
+                                    </p:animEffect>
+                                  </p:childTnLst>
+                                </p:cTn>
+                              </p:par>
+                            </p:childTnLst>
+                          </p:cTn>
+                        </p:par>
+                      </p:childTnLst>
+                    </p:cTn>
+                  </p:par>
+                </p:childTnLst>
+              </p:cTn>
+              <p:prevCondLst>
+                <p:cond evt="onPrev" delay="0">
+                  <p:tgtEl>
+                    <p:sldTgt/>
+                  </p:tgtEl>
+                </p:cond>
+              </p:prevCondLst>
+              <p:nextCondLst>
+                <p:cond evt="onNext" delay="0">
+                  <p:tgtEl>
+                    <p:sldTgt/>
+                  </p:tgtEl>
+                </p:cond>
+              </p:nextCondLst>
+            </p:seq>
+          </p:childTnLst>
+        </p:cTn>
+      </p:par>
+    </p:tnLst>
+    <p:bldLst>
+      <p:bldP spid="2" grpId="0" animBg="1"/>
+      <p:bldP spid="5" grpId="0" animBg="1"/>
+      <p:bldP spid="15" grpId="0"/>
+    </p:bldLst>
+  </p:timing>
 </p:sld>
 </file>
 
@@ -5832,50 +8784,517 @@
             <p:ph idx="1"/>
           </p:nvPr>
         </p:nvSpPr>
-        <p:spPr/>
+        <p:spPr>
+          <a:xfrm>
+            <a:off x="1218883" y="1701797"/>
+            <a:ext cx="10360501" cy="503067"/>
+          </a:xfrm>
+        </p:spPr>
         <p:txBody>
-          <a:bodyPr/>
+          <a:bodyPr>
+            <a:normAutofit lnSpcReduction="10000"/>
+          </a:bodyPr>
           <a:lstStyle/>
           <a:p>
-            <a:r>
-              <a:rPr lang="fr-FR" dirty="0" smtClean="0"/>
-              <a:t>Finit a 90%</a:t>
-            </a:r>
-          </a:p>
-          <a:p>
-            <a:r>
-              <a:rPr lang="fr-FR" dirty="0" smtClean="0"/>
-              <a:t>Déploy</a:t>
-            </a:r>
             <a:r>
               <a:rPr lang="fr-FR" dirty="0"/>
-              <a:t>é</a:t>
+              <a:t>Fini à </a:t>
             </a:r>
             <a:r>
               <a:rPr lang="fr-FR" dirty="0" smtClean="0"/>
-              <a:t> et test</a:t>
-            </a:r>
-            <a:r>
-              <a:rPr lang="fr-FR" dirty="0"/>
-              <a:t>é</a:t>
+              <a:t>90</a:t>
             </a:r>
             <a:r>
               <a:rPr lang="fr-FR" dirty="0" smtClean="0"/>
-              <a:t> depuis plus d’un mois</a:t>
+              <a:t>%</a:t>
             </a:r>
           </a:p>
+        </p:txBody>
+      </p:sp>
+      <p:pic>
+        <p:nvPicPr>
+          <p:cNvPr id="5" name="Image 4"/>
+          <p:cNvPicPr>
+            <a:picLocks noChangeAspect="1"/>
+          </p:cNvPicPr>
+          <p:nvPr/>
+        </p:nvPicPr>
+        <p:blipFill>
+          <a:blip r:embed="rId3">
+            <a:extLst>
+              <a:ext uri="{28A0092B-C50C-407E-A947-70E740481C1C}">
+                <a14:useLocalDpi xmlns:a14="http://schemas.microsoft.com/office/drawing/2010/main" val="0"/>
+              </a:ext>
+            </a:extLst>
+          </a:blip>
+          <a:stretch>
+            <a:fillRect/>
+          </a:stretch>
+        </p:blipFill>
+        <p:spPr>
+          <a:xfrm>
+            <a:off x="10207718" y="6126"/>
+            <a:ext cx="1981107" cy="1760984"/>
+          </a:xfrm>
+          <a:prstGeom prst="rect">
+            <a:avLst/>
+          </a:prstGeom>
+        </p:spPr>
+      </p:pic>
+      <p:sp>
+        <p:nvSpPr>
+          <p:cNvPr id="8" name="Espace réservé du contenu 1"/>
+          <p:cNvSpPr txBox="1">
+            <a:spLocks/>
+          </p:cNvSpPr>
+          <p:nvPr/>
+        </p:nvSpPr>
+        <p:spPr>
+          <a:xfrm>
+            <a:off x="1218880" y="2408061"/>
+            <a:ext cx="10360501" cy="525305"/>
+          </a:xfrm>
+          <a:prstGeom prst="rect">
+            <a:avLst/>
+          </a:prstGeom>
+        </p:spPr>
+        <p:txBody>
+          <a:bodyPr vert="horz" lIns="121899" tIns="60949" rIns="121899" bIns="60949" rtlCol="0">
+            <a:normAutofit/>
+          </a:bodyPr>
+          <a:lstStyle>
+            <a:lvl1pPr marL="304747" indent="-304747" algn="l" defTabSz="1218987" rtl="0" eaLnBrk="1" latinLnBrk="0" hangingPunct="1">
+              <a:lnSpc>
+                <a:spcPct val="90000"/>
+              </a:lnSpc>
+              <a:spcBef>
+                <a:spcPts val="1600"/>
+              </a:spcBef>
+              <a:buClr>
+                <a:schemeClr val="accent1"/>
+              </a:buClr>
+              <a:buSzPct val="100000"/>
+              <a:buFont typeface="Arial" pitchFamily="34" charset="0"/>
+              <a:buChar char="•"/>
+              <a:defRPr sz="2800" kern="1200">
+                <a:solidFill>
+                  <a:schemeClr val="tx1"/>
+                </a:solidFill>
+                <a:latin typeface="+mn-lt"/>
+                <a:ea typeface="+mn-ea"/>
+                <a:cs typeface="+mn-cs"/>
+              </a:defRPr>
+            </a:lvl1pPr>
+            <a:lvl2pPr marL="609493" indent="-231607" algn="l" defTabSz="1218987" rtl="0" eaLnBrk="1" latinLnBrk="0" hangingPunct="1">
+              <a:lnSpc>
+                <a:spcPct val="90000"/>
+              </a:lnSpc>
+              <a:spcBef>
+                <a:spcPts val="800"/>
+              </a:spcBef>
+              <a:buClr>
+                <a:schemeClr val="accent1"/>
+              </a:buClr>
+              <a:buSzPct val="80000"/>
+              <a:buFont typeface="Arial" pitchFamily="34" charset="0"/>
+              <a:buChar char="•"/>
+              <a:defRPr sz="2400" kern="1200">
+                <a:solidFill>
+                  <a:schemeClr val="tx1"/>
+                </a:solidFill>
+                <a:latin typeface="+mn-lt"/>
+                <a:ea typeface="+mn-ea"/>
+                <a:cs typeface="+mn-cs"/>
+              </a:defRPr>
+            </a:lvl2pPr>
+            <a:lvl3pPr marL="914240" indent="-231607" algn="l" defTabSz="1218987" rtl="0" eaLnBrk="1" latinLnBrk="0" hangingPunct="1">
+              <a:lnSpc>
+                <a:spcPct val="90000"/>
+              </a:lnSpc>
+              <a:spcBef>
+                <a:spcPts val="800"/>
+              </a:spcBef>
+              <a:buClr>
+                <a:schemeClr val="accent1"/>
+              </a:buClr>
+              <a:buSzPct val="80000"/>
+              <a:buFont typeface="Arial" pitchFamily="34" charset="0"/>
+              <a:buChar char="•"/>
+              <a:defRPr sz="2000" kern="1200">
+                <a:solidFill>
+                  <a:schemeClr val="tx1"/>
+                </a:solidFill>
+                <a:latin typeface="+mn-lt"/>
+                <a:ea typeface="+mn-ea"/>
+                <a:cs typeface="+mn-cs"/>
+              </a:defRPr>
+            </a:lvl3pPr>
+            <a:lvl4pPr marL="1218987" indent="-231607" algn="l" defTabSz="1218987" rtl="0" eaLnBrk="1" latinLnBrk="0" hangingPunct="1">
+              <a:lnSpc>
+                <a:spcPct val="90000"/>
+              </a:lnSpc>
+              <a:spcBef>
+                <a:spcPts val="800"/>
+              </a:spcBef>
+              <a:buClr>
+                <a:schemeClr val="accent1"/>
+              </a:buClr>
+              <a:buSzPct val="80000"/>
+              <a:buFont typeface="Arial" pitchFamily="34" charset="0"/>
+              <a:buChar char="•"/>
+              <a:defRPr sz="2000" kern="1200">
+                <a:solidFill>
+                  <a:schemeClr val="tx1"/>
+                </a:solidFill>
+                <a:latin typeface="+mn-lt"/>
+                <a:ea typeface="+mn-ea"/>
+                <a:cs typeface="+mn-cs"/>
+              </a:defRPr>
+            </a:lvl4pPr>
+            <a:lvl5pPr marL="1523733" indent="-231607" algn="l" defTabSz="1218987" rtl="0" eaLnBrk="1" latinLnBrk="0" hangingPunct="1">
+              <a:lnSpc>
+                <a:spcPct val="90000"/>
+              </a:lnSpc>
+              <a:spcBef>
+                <a:spcPts val="800"/>
+              </a:spcBef>
+              <a:buClr>
+                <a:schemeClr val="accent1"/>
+              </a:buClr>
+              <a:buSzPct val="80000"/>
+              <a:buFont typeface="Arial" pitchFamily="34" charset="0"/>
+              <a:buChar char="•"/>
+              <a:defRPr sz="2000" kern="1200">
+                <a:solidFill>
+                  <a:schemeClr val="tx1"/>
+                </a:solidFill>
+                <a:latin typeface="+mn-lt"/>
+                <a:ea typeface="+mn-ea"/>
+                <a:cs typeface="+mn-cs"/>
+              </a:defRPr>
+            </a:lvl5pPr>
+            <a:lvl6pPr marL="1828480" indent="-231607" algn="l" defTabSz="1218987" rtl="0" eaLnBrk="1" latinLnBrk="0" hangingPunct="1">
+              <a:lnSpc>
+                <a:spcPct val="90000"/>
+              </a:lnSpc>
+              <a:spcBef>
+                <a:spcPts val="800"/>
+              </a:spcBef>
+              <a:buClr>
+                <a:schemeClr val="accent1"/>
+              </a:buClr>
+              <a:buSzPct val="80000"/>
+              <a:buFont typeface="Arial" pitchFamily="34" charset="0"/>
+              <a:buChar char="•"/>
+              <a:defRPr sz="2000" kern="1200">
+                <a:solidFill>
+                  <a:schemeClr val="tx1"/>
+                </a:solidFill>
+                <a:latin typeface="+mn-lt"/>
+                <a:ea typeface="+mn-ea"/>
+                <a:cs typeface="+mn-cs"/>
+              </a:defRPr>
+            </a:lvl6pPr>
+            <a:lvl7pPr marL="2133227" indent="-231607" algn="l" defTabSz="1218987" rtl="0" eaLnBrk="1" latinLnBrk="0" hangingPunct="1">
+              <a:lnSpc>
+                <a:spcPct val="90000"/>
+              </a:lnSpc>
+              <a:spcBef>
+                <a:spcPts val="800"/>
+              </a:spcBef>
+              <a:buClr>
+                <a:schemeClr val="accent1"/>
+              </a:buClr>
+              <a:buSzPct val="80000"/>
+              <a:buFont typeface="Arial" pitchFamily="34" charset="0"/>
+              <a:buChar char="•"/>
+              <a:defRPr sz="2000" kern="1200">
+                <a:solidFill>
+                  <a:schemeClr val="tx1"/>
+                </a:solidFill>
+                <a:latin typeface="+mn-lt"/>
+                <a:ea typeface="+mn-ea"/>
+                <a:cs typeface="+mn-cs"/>
+              </a:defRPr>
+            </a:lvl7pPr>
+            <a:lvl8pPr marL="2437973" indent="-231607" algn="l" defTabSz="1218987" rtl="0" eaLnBrk="1" latinLnBrk="0" hangingPunct="1">
+              <a:lnSpc>
+                <a:spcPct val="90000"/>
+              </a:lnSpc>
+              <a:spcBef>
+                <a:spcPts val="800"/>
+              </a:spcBef>
+              <a:buClr>
+                <a:schemeClr val="accent1"/>
+              </a:buClr>
+              <a:buSzPct val="80000"/>
+              <a:buFont typeface="Arial" pitchFamily="34" charset="0"/>
+              <a:buChar char="•"/>
+              <a:defRPr sz="2000" kern="1200" baseline="0">
+                <a:solidFill>
+                  <a:schemeClr val="tx1"/>
+                </a:solidFill>
+                <a:latin typeface="+mn-lt"/>
+                <a:ea typeface="+mn-ea"/>
+                <a:cs typeface="+mn-cs"/>
+              </a:defRPr>
+            </a:lvl8pPr>
+            <a:lvl9pPr marL="2742720" indent="-231607" algn="l" defTabSz="1218987" rtl="0" eaLnBrk="1" latinLnBrk="0" hangingPunct="1">
+              <a:lnSpc>
+                <a:spcPct val="90000"/>
+              </a:lnSpc>
+              <a:spcBef>
+                <a:spcPts val="800"/>
+              </a:spcBef>
+              <a:buClr>
+                <a:schemeClr val="accent1"/>
+              </a:buClr>
+              <a:buSzPct val="80000"/>
+              <a:buFont typeface="Arial" pitchFamily="34" charset="0"/>
+              <a:buChar char="•"/>
+              <a:defRPr sz="2000" kern="1200" baseline="0">
+                <a:solidFill>
+                  <a:schemeClr val="tx1"/>
+                </a:solidFill>
+                <a:latin typeface="+mn-lt"/>
+                <a:ea typeface="+mn-ea"/>
+                <a:cs typeface="+mn-cs"/>
+              </a:defRPr>
+            </a:lvl9pPr>
+          </a:lstStyle>
           <a:p>
             <a:r>
               <a:rPr lang="fr-FR" dirty="0" smtClean="0"/>
-              <a:t>« Pot pourrie » des id</a:t>
+              <a:t>Déployé et testé depuis plus d’un mois</a:t>
             </a:r>
-            <a:r>
-              <a:rPr lang="fr-FR" dirty="0"/>
-              <a:t>é</a:t>
-            </a:r>
+          </a:p>
+        </p:txBody>
+      </p:sp>
+      <p:sp>
+        <p:nvSpPr>
+          <p:cNvPr id="9" name="Espace réservé du contenu 1"/>
+          <p:cNvSpPr txBox="1">
+            <a:spLocks/>
+          </p:cNvSpPr>
+          <p:nvPr/>
+        </p:nvSpPr>
+        <p:spPr>
+          <a:xfrm>
+            <a:off x="1218881" y="3136563"/>
+            <a:ext cx="10360501" cy="580469"/>
+          </a:xfrm>
+          <a:prstGeom prst="rect">
+            <a:avLst/>
+          </a:prstGeom>
+        </p:spPr>
+        <p:txBody>
+          <a:bodyPr vert="horz" lIns="121899" tIns="60949" rIns="121899" bIns="60949" rtlCol="0">
+            <a:normAutofit/>
+          </a:bodyPr>
+          <a:lstStyle>
+            <a:lvl1pPr marL="304747" indent="-304747" algn="l" defTabSz="1218987" rtl="0" eaLnBrk="1" latinLnBrk="0" hangingPunct="1">
+              <a:lnSpc>
+                <a:spcPct val="90000"/>
+              </a:lnSpc>
+              <a:spcBef>
+                <a:spcPts val="1600"/>
+              </a:spcBef>
+              <a:buClr>
+                <a:schemeClr val="accent1"/>
+              </a:buClr>
+              <a:buSzPct val="100000"/>
+              <a:buFont typeface="Arial" pitchFamily="34" charset="0"/>
+              <a:buChar char="•"/>
+              <a:defRPr sz="2800" kern="1200">
+                <a:solidFill>
+                  <a:schemeClr val="tx1"/>
+                </a:solidFill>
+                <a:latin typeface="+mn-lt"/>
+                <a:ea typeface="+mn-ea"/>
+                <a:cs typeface="+mn-cs"/>
+              </a:defRPr>
+            </a:lvl1pPr>
+            <a:lvl2pPr marL="609493" indent="-231607" algn="l" defTabSz="1218987" rtl="0" eaLnBrk="1" latinLnBrk="0" hangingPunct="1">
+              <a:lnSpc>
+                <a:spcPct val="90000"/>
+              </a:lnSpc>
+              <a:spcBef>
+                <a:spcPts val="800"/>
+              </a:spcBef>
+              <a:buClr>
+                <a:schemeClr val="accent1"/>
+              </a:buClr>
+              <a:buSzPct val="80000"/>
+              <a:buFont typeface="Arial" pitchFamily="34" charset="0"/>
+              <a:buChar char="•"/>
+              <a:defRPr sz="2400" kern="1200">
+                <a:solidFill>
+                  <a:schemeClr val="tx1"/>
+                </a:solidFill>
+                <a:latin typeface="+mn-lt"/>
+                <a:ea typeface="+mn-ea"/>
+                <a:cs typeface="+mn-cs"/>
+              </a:defRPr>
+            </a:lvl2pPr>
+            <a:lvl3pPr marL="914240" indent="-231607" algn="l" defTabSz="1218987" rtl="0" eaLnBrk="1" latinLnBrk="0" hangingPunct="1">
+              <a:lnSpc>
+                <a:spcPct val="90000"/>
+              </a:lnSpc>
+              <a:spcBef>
+                <a:spcPts val="800"/>
+              </a:spcBef>
+              <a:buClr>
+                <a:schemeClr val="accent1"/>
+              </a:buClr>
+              <a:buSzPct val="80000"/>
+              <a:buFont typeface="Arial" pitchFamily="34" charset="0"/>
+              <a:buChar char="•"/>
+              <a:defRPr sz="2000" kern="1200">
+                <a:solidFill>
+                  <a:schemeClr val="tx1"/>
+                </a:solidFill>
+                <a:latin typeface="+mn-lt"/>
+                <a:ea typeface="+mn-ea"/>
+                <a:cs typeface="+mn-cs"/>
+              </a:defRPr>
+            </a:lvl3pPr>
+            <a:lvl4pPr marL="1218987" indent="-231607" algn="l" defTabSz="1218987" rtl="0" eaLnBrk="1" latinLnBrk="0" hangingPunct="1">
+              <a:lnSpc>
+                <a:spcPct val="90000"/>
+              </a:lnSpc>
+              <a:spcBef>
+                <a:spcPts val="800"/>
+              </a:spcBef>
+              <a:buClr>
+                <a:schemeClr val="accent1"/>
+              </a:buClr>
+              <a:buSzPct val="80000"/>
+              <a:buFont typeface="Arial" pitchFamily="34" charset="0"/>
+              <a:buChar char="•"/>
+              <a:defRPr sz="2000" kern="1200">
+                <a:solidFill>
+                  <a:schemeClr val="tx1"/>
+                </a:solidFill>
+                <a:latin typeface="+mn-lt"/>
+                <a:ea typeface="+mn-ea"/>
+                <a:cs typeface="+mn-cs"/>
+              </a:defRPr>
+            </a:lvl4pPr>
+            <a:lvl5pPr marL="1523733" indent="-231607" algn="l" defTabSz="1218987" rtl="0" eaLnBrk="1" latinLnBrk="0" hangingPunct="1">
+              <a:lnSpc>
+                <a:spcPct val="90000"/>
+              </a:lnSpc>
+              <a:spcBef>
+                <a:spcPts val="800"/>
+              </a:spcBef>
+              <a:buClr>
+                <a:schemeClr val="accent1"/>
+              </a:buClr>
+              <a:buSzPct val="80000"/>
+              <a:buFont typeface="Arial" pitchFamily="34" charset="0"/>
+              <a:buChar char="•"/>
+              <a:defRPr sz="2000" kern="1200">
+                <a:solidFill>
+                  <a:schemeClr val="tx1"/>
+                </a:solidFill>
+                <a:latin typeface="+mn-lt"/>
+                <a:ea typeface="+mn-ea"/>
+                <a:cs typeface="+mn-cs"/>
+              </a:defRPr>
+            </a:lvl5pPr>
+            <a:lvl6pPr marL="1828480" indent="-231607" algn="l" defTabSz="1218987" rtl="0" eaLnBrk="1" latinLnBrk="0" hangingPunct="1">
+              <a:lnSpc>
+                <a:spcPct val="90000"/>
+              </a:lnSpc>
+              <a:spcBef>
+                <a:spcPts val="800"/>
+              </a:spcBef>
+              <a:buClr>
+                <a:schemeClr val="accent1"/>
+              </a:buClr>
+              <a:buSzPct val="80000"/>
+              <a:buFont typeface="Arial" pitchFamily="34" charset="0"/>
+              <a:buChar char="•"/>
+              <a:defRPr sz="2000" kern="1200">
+                <a:solidFill>
+                  <a:schemeClr val="tx1"/>
+                </a:solidFill>
+                <a:latin typeface="+mn-lt"/>
+                <a:ea typeface="+mn-ea"/>
+                <a:cs typeface="+mn-cs"/>
+              </a:defRPr>
+            </a:lvl6pPr>
+            <a:lvl7pPr marL="2133227" indent="-231607" algn="l" defTabSz="1218987" rtl="0" eaLnBrk="1" latinLnBrk="0" hangingPunct="1">
+              <a:lnSpc>
+                <a:spcPct val="90000"/>
+              </a:lnSpc>
+              <a:spcBef>
+                <a:spcPts val="800"/>
+              </a:spcBef>
+              <a:buClr>
+                <a:schemeClr val="accent1"/>
+              </a:buClr>
+              <a:buSzPct val="80000"/>
+              <a:buFont typeface="Arial" pitchFamily="34" charset="0"/>
+              <a:buChar char="•"/>
+              <a:defRPr sz="2000" kern="1200">
+                <a:solidFill>
+                  <a:schemeClr val="tx1"/>
+                </a:solidFill>
+                <a:latin typeface="+mn-lt"/>
+                <a:ea typeface="+mn-ea"/>
+                <a:cs typeface="+mn-cs"/>
+              </a:defRPr>
+            </a:lvl7pPr>
+            <a:lvl8pPr marL="2437973" indent="-231607" algn="l" defTabSz="1218987" rtl="0" eaLnBrk="1" latinLnBrk="0" hangingPunct="1">
+              <a:lnSpc>
+                <a:spcPct val="90000"/>
+              </a:lnSpc>
+              <a:spcBef>
+                <a:spcPts val="800"/>
+              </a:spcBef>
+              <a:buClr>
+                <a:schemeClr val="accent1"/>
+              </a:buClr>
+              <a:buSzPct val="80000"/>
+              <a:buFont typeface="Arial" pitchFamily="34" charset="0"/>
+              <a:buChar char="•"/>
+              <a:defRPr sz="2000" kern="1200" baseline="0">
+                <a:solidFill>
+                  <a:schemeClr val="tx1"/>
+                </a:solidFill>
+                <a:latin typeface="+mn-lt"/>
+                <a:ea typeface="+mn-ea"/>
+                <a:cs typeface="+mn-cs"/>
+              </a:defRPr>
+            </a:lvl8pPr>
+            <a:lvl9pPr marL="2742720" indent="-231607" algn="l" defTabSz="1218987" rtl="0" eaLnBrk="1" latinLnBrk="0" hangingPunct="1">
+              <a:lnSpc>
+                <a:spcPct val="90000"/>
+              </a:lnSpc>
+              <a:spcBef>
+                <a:spcPts val="800"/>
+              </a:spcBef>
+              <a:buClr>
+                <a:schemeClr val="accent1"/>
+              </a:buClr>
+              <a:buSzPct val="80000"/>
+              <a:buFont typeface="Arial" pitchFamily="34" charset="0"/>
+              <a:buChar char="•"/>
+              <a:defRPr sz="2000" kern="1200" baseline="0">
+                <a:solidFill>
+                  <a:schemeClr val="tx1"/>
+                </a:solidFill>
+                <a:latin typeface="+mn-lt"/>
+                <a:ea typeface="+mn-ea"/>
+                <a:cs typeface="+mn-cs"/>
+              </a:defRPr>
+            </a:lvl9pPr>
+          </a:lstStyle>
+          <a:p>
             <a:r>
               <a:rPr lang="fr-FR" dirty="0" smtClean="0"/>
-              <a:t>es -&gt; Interface</a:t>
+              <a:t>« Pot-pourri » des idées -&gt; Interface</a:t>
             </a:r>
             <a:endParaRPr lang="fr-FR" dirty="0"/>
           </a:p>
@@ -5903,6 +9322,215 @@
       </p:transition>
     </mc:Fallback>
   </mc:AlternateContent>
+  <p:timing>
+    <p:tnLst>
+      <p:par>
+        <p:cTn id="1" dur="indefinite" restart="never" nodeType="tmRoot">
+          <p:childTnLst>
+            <p:seq concurrent="1" nextAc="seek">
+              <p:cTn id="2" dur="indefinite" nodeType="mainSeq">
+                <p:childTnLst>
+                  <p:par>
+                    <p:cTn id="3" fill="hold">
+                      <p:stCondLst>
+                        <p:cond delay="indefinite"/>
+                      </p:stCondLst>
+                      <p:childTnLst>
+                        <p:par>
+                          <p:cTn id="4" fill="hold">
+                            <p:stCondLst>
+                              <p:cond delay="0"/>
+                            </p:stCondLst>
+                            <p:childTnLst>
+                              <p:par>
+                                <p:cTn id="5" presetID="10" presetClass="entr" presetSubtype="0" fill="hold" grpId="0" nodeType="clickEffect">
+                                  <p:stCondLst>
+                                    <p:cond delay="0"/>
+                                  </p:stCondLst>
+                                  <p:childTnLst>
+                                    <p:set>
+                                      <p:cBhvr>
+                                        <p:cTn id="6" dur="1" fill="hold">
+                                          <p:stCondLst>
+                                            <p:cond delay="0"/>
+                                          </p:stCondLst>
+                                        </p:cTn>
+                                        <p:tgtEl>
+                                          <p:spTgt spid="2">
+                                            <p:txEl>
+                                              <p:pRg st="0" end="0"/>
+                                            </p:txEl>
+                                          </p:spTgt>
+                                        </p:tgtEl>
+                                        <p:attrNameLst>
+                                          <p:attrName>style.visibility</p:attrName>
+                                        </p:attrNameLst>
+                                      </p:cBhvr>
+                                      <p:to>
+                                        <p:strVal val="visible"/>
+                                      </p:to>
+                                    </p:set>
+                                    <p:animEffect transition="in" filter="fade">
+                                      <p:cBhvr>
+                                        <p:cTn id="7" dur="500"/>
+                                        <p:tgtEl>
+                                          <p:spTgt spid="2">
+                                            <p:txEl>
+                                              <p:pRg st="0" end="0"/>
+                                            </p:txEl>
+                                          </p:spTgt>
+                                        </p:tgtEl>
+                                      </p:cBhvr>
+                                    </p:animEffect>
+                                  </p:childTnLst>
+                                </p:cTn>
+                              </p:par>
+                            </p:childTnLst>
+                          </p:cTn>
+                        </p:par>
+                      </p:childTnLst>
+                    </p:cTn>
+                  </p:par>
+                  <p:par>
+                    <p:cTn id="8" fill="hold">
+                      <p:stCondLst>
+                        <p:cond delay="indefinite"/>
+                      </p:stCondLst>
+                      <p:childTnLst>
+                        <p:par>
+                          <p:cTn id="9" fill="hold">
+                            <p:stCondLst>
+                              <p:cond delay="0"/>
+                            </p:stCondLst>
+                            <p:childTnLst>
+                              <p:par>
+                                <p:cTn id="10" presetID="10" presetClass="entr" presetSubtype="0" fill="hold" grpId="0" nodeType="clickEffect">
+                                  <p:stCondLst>
+                                    <p:cond delay="0"/>
+                                  </p:stCondLst>
+                                  <p:childTnLst>
+                                    <p:set>
+                                      <p:cBhvr>
+                                        <p:cTn id="11" dur="1" fill="hold">
+                                          <p:stCondLst>
+                                            <p:cond delay="0"/>
+                                          </p:stCondLst>
+                                        </p:cTn>
+                                        <p:tgtEl>
+                                          <p:spTgt spid="8"/>
+                                        </p:tgtEl>
+                                        <p:attrNameLst>
+                                          <p:attrName>style.visibility</p:attrName>
+                                        </p:attrNameLst>
+                                      </p:cBhvr>
+                                      <p:to>
+                                        <p:strVal val="visible"/>
+                                      </p:to>
+                                    </p:set>
+                                    <p:animEffect transition="in" filter="fade">
+                                      <p:cBhvr>
+                                        <p:cTn id="12" dur="500"/>
+                                        <p:tgtEl>
+                                          <p:spTgt spid="8"/>
+                                        </p:tgtEl>
+                                      </p:cBhvr>
+                                    </p:animEffect>
+                                  </p:childTnLst>
+                                </p:cTn>
+                              </p:par>
+                            </p:childTnLst>
+                          </p:cTn>
+                        </p:par>
+                      </p:childTnLst>
+                    </p:cTn>
+                  </p:par>
+                  <p:par>
+                    <p:cTn id="13" fill="hold">
+                      <p:stCondLst>
+                        <p:cond delay="indefinite"/>
+                      </p:stCondLst>
+                      <p:childTnLst>
+                        <p:par>
+                          <p:cTn id="14" fill="hold">
+                            <p:stCondLst>
+                              <p:cond delay="0"/>
+                            </p:stCondLst>
+                            <p:childTnLst>
+                              <p:par>
+                                <p:cTn id="15" presetID="10" presetClass="entr" presetSubtype="0" fill="hold" nodeType="clickEffect">
+                                  <p:stCondLst>
+                                    <p:cond delay="0"/>
+                                  </p:stCondLst>
+                                  <p:childTnLst>
+                                    <p:set>
+                                      <p:cBhvr>
+                                        <p:cTn id="16" dur="1" fill="hold">
+                                          <p:stCondLst>
+                                            <p:cond delay="0"/>
+                                          </p:stCondLst>
+                                        </p:cTn>
+                                        <p:tgtEl>
+                                          <p:spTgt spid="9">
+                                            <p:txEl>
+                                              <p:pRg st="0" end="0"/>
+                                            </p:txEl>
+                                          </p:spTgt>
+                                        </p:tgtEl>
+                                        <p:attrNameLst>
+                                          <p:attrName>style.visibility</p:attrName>
+                                        </p:attrNameLst>
+                                      </p:cBhvr>
+                                      <p:to>
+                                        <p:strVal val="visible"/>
+                                      </p:to>
+                                    </p:set>
+                                    <p:animEffect transition="in" filter="fade">
+                                      <p:cBhvr>
+                                        <p:cTn id="17" dur="500"/>
+                                        <p:tgtEl>
+                                          <p:spTgt spid="9">
+                                            <p:txEl>
+                                              <p:pRg st="0" end="0"/>
+                                            </p:txEl>
+                                          </p:spTgt>
+                                        </p:tgtEl>
+                                      </p:cBhvr>
+                                    </p:animEffect>
+                                  </p:childTnLst>
+                                </p:cTn>
+                              </p:par>
+                            </p:childTnLst>
+                          </p:cTn>
+                        </p:par>
+                      </p:childTnLst>
+                    </p:cTn>
+                  </p:par>
+                </p:childTnLst>
+              </p:cTn>
+              <p:prevCondLst>
+                <p:cond evt="onPrev" delay="0">
+                  <p:tgtEl>
+                    <p:sldTgt/>
+                  </p:tgtEl>
+                </p:cond>
+              </p:prevCondLst>
+              <p:nextCondLst>
+                <p:cond evt="onNext" delay="0">
+                  <p:tgtEl>
+                    <p:sldTgt/>
+                  </p:tgtEl>
+                </p:cond>
+              </p:nextCondLst>
+            </p:seq>
+          </p:childTnLst>
+        </p:cTn>
+      </p:par>
+    </p:tnLst>
+    <p:bldLst>
+      <p:bldP spid="2" grpId="0" build="p"/>
+      <p:bldP spid="8" grpId="0"/>
+    </p:bldLst>
+  </p:timing>
 </p:sld>
 </file>
 
@@ -5925,7 +9553,7 @@
       </p:grpSpPr>
       <p:sp>
         <p:nvSpPr>
-          <p:cNvPr id="7" name="Titre 6"/>
+          <p:cNvPr id="2" name="Titre 1"/>
           <p:cNvSpPr>
             <a:spLocks noGrp="1"/>
           </p:cNvSpPr>
@@ -5935,13 +9563,12 @@
         </p:nvSpPr>
         <p:spPr/>
         <p:txBody>
-          <a:bodyPr rtlCol="0"/>
+          <a:bodyPr/>
           <a:lstStyle/>
           <a:p>
-            <a:pPr rtl="0"/>
             <a:r>
-              <a:rPr lang="fr-FR" dirty="0" smtClean="0"/>
-              <a:t>Etat actuel du projet</a:t>
+              <a:rPr lang="fr-FR" smtClean="0"/>
+              <a:t>Rappel des règles</a:t>
             </a:r>
             <a:endParaRPr lang="fr-FR" dirty="0"/>
           </a:p>
@@ -5949,7 +9576,7 @@
       </p:sp>
       <p:sp>
         <p:nvSpPr>
-          <p:cNvPr id="2" name="Espace réservé du contenu 1"/>
+          <p:cNvPr id="3" name="Espace réservé du contenu 2"/>
           <p:cNvSpPr>
             <a:spLocks noGrp="1"/>
           </p:cNvSpPr>
@@ -5957,83 +9584,1289 @@
             <p:ph idx="1"/>
           </p:nvPr>
         </p:nvSpPr>
-        <p:spPr/>
+        <p:spPr>
+          <a:xfrm>
+            <a:off x="981844" y="1741504"/>
+            <a:ext cx="10360501" cy="575075"/>
+          </a:xfrm>
+        </p:spPr>
         <p:txBody>
           <a:bodyPr/>
           <a:lstStyle/>
           <a:p>
             <a:r>
               <a:rPr lang="fr-FR" dirty="0" smtClean="0"/>
-              <a:t>Interface :</a:t>
+              <a:t>Pas de pause de moins de 5 min </a:t>
             </a:r>
-          </a:p>
-          <a:p>
-            <a:pPr lvl="1"/>
+            <a:r>
+              <a:rPr lang="fr-FR" dirty="0" smtClean="0">
+                <a:solidFill>
+                  <a:srgbClr val="FF0000"/>
+                </a:solidFill>
+              </a:rPr>
+              <a:t>✘</a:t>
+            </a:r>
+          </a:p>
+          <a:p>
+            <a:endParaRPr lang="fr-FR" dirty="0">
+              <a:solidFill>
+                <a:srgbClr val="FF0000"/>
+              </a:solidFill>
+            </a:endParaRPr>
+          </a:p>
+        </p:txBody>
+      </p:sp>
+      <p:sp>
+        <p:nvSpPr>
+          <p:cNvPr id="4" name="Espace réservé du contenu 2"/>
+          <p:cNvSpPr txBox="1">
+            <a:spLocks/>
+          </p:cNvSpPr>
+          <p:nvPr/>
+        </p:nvSpPr>
+        <p:spPr>
+          <a:xfrm>
+            <a:off x="981844" y="2316579"/>
+            <a:ext cx="10360501" cy="575075"/>
+          </a:xfrm>
+          <a:prstGeom prst="rect">
+            <a:avLst/>
+          </a:prstGeom>
+        </p:spPr>
+        <p:txBody>
+          <a:bodyPr vert="horz" lIns="121899" tIns="60949" rIns="121899" bIns="60949" rtlCol="0">
+            <a:normAutofit/>
+          </a:bodyPr>
+          <a:lstStyle>
+            <a:lvl1pPr marL="304747" indent="-304747" algn="l" defTabSz="1218987" rtl="0" eaLnBrk="1" latinLnBrk="0" hangingPunct="1">
+              <a:lnSpc>
+                <a:spcPct val="90000"/>
+              </a:lnSpc>
+              <a:spcBef>
+                <a:spcPts val="1600"/>
+              </a:spcBef>
+              <a:buClr>
+                <a:schemeClr val="accent1"/>
+              </a:buClr>
+              <a:buSzPct val="100000"/>
+              <a:buFont typeface="Arial" pitchFamily="34" charset="0"/>
+              <a:buChar char="•"/>
+              <a:defRPr sz="2800" kern="1200">
+                <a:solidFill>
+                  <a:schemeClr val="tx1"/>
+                </a:solidFill>
+                <a:latin typeface="+mn-lt"/>
+                <a:ea typeface="+mn-ea"/>
+                <a:cs typeface="+mn-cs"/>
+              </a:defRPr>
+            </a:lvl1pPr>
+            <a:lvl2pPr marL="609493" indent="-231607" algn="l" defTabSz="1218987" rtl="0" eaLnBrk="1" latinLnBrk="0" hangingPunct="1">
+              <a:lnSpc>
+                <a:spcPct val="90000"/>
+              </a:lnSpc>
+              <a:spcBef>
+                <a:spcPts val="800"/>
+              </a:spcBef>
+              <a:buClr>
+                <a:schemeClr val="accent1"/>
+              </a:buClr>
+              <a:buSzPct val="80000"/>
+              <a:buFont typeface="Arial" pitchFamily="34" charset="0"/>
+              <a:buChar char="•"/>
+              <a:defRPr sz="2400" kern="1200">
+                <a:solidFill>
+                  <a:schemeClr val="tx1"/>
+                </a:solidFill>
+                <a:latin typeface="+mn-lt"/>
+                <a:ea typeface="+mn-ea"/>
+                <a:cs typeface="+mn-cs"/>
+              </a:defRPr>
+            </a:lvl2pPr>
+            <a:lvl3pPr marL="914240" indent="-231607" algn="l" defTabSz="1218987" rtl="0" eaLnBrk="1" latinLnBrk="0" hangingPunct="1">
+              <a:lnSpc>
+                <a:spcPct val="90000"/>
+              </a:lnSpc>
+              <a:spcBef>
+                <a:spcPts val="800"/>
+              </a:spcBef>
+              <a:buClr>
+                <a:schemeClr val="accent1"/>
+              </a:buClr>
+              <a:buSzPct val="80000"/>
+              <a:buFont typeface="Arial" pitchFamily="34" charset="0"/>
+              <a:buChar char="•"/>
+              <a:defRPr sz="2000" kern="1200">
+                <a:solidFill>
+                  <a:schemeClr val="tx1"/>
+                </a:solidFill>
+                <a:latin typeface="+mn-lt"/>
+                <a:ea typeface="+mn-ea"/>
+                <a:cs typeface="+mn-cs"/>
+              </a:defRPr>
+            </a:lvl3pPr>
+            <a:lvl4pPr marL="1218987" indent="-231607" algn="l" defTabSz="1218987" rtl="0" eaLnBrk="1" latinLnBrk="0" hangingPunct="1">
+              <a:lnSpc>
+                <a:spcPct val="90000"/>
+              </a:lnSpc>
+              <a:spcBef>
+                <a:spcPts val="800"/>
+              </a:spcBef>
+              <a:buClr>
+                <a:schemeClr val="accent1"/>
+              </a:buClr>
+              <a:buSzPct val="80000"/>
+              <a:buFont typeface="Arial" pitchFamily="34" charset="0"/>
+              <a:buChar char="•"/>
+              <a:defRPr sz="2000" kern="1200">
+                <a:solidFill>
+                  <a:schemeClr val="tx1"/>
+                </a:solidFill>
+                <a:latin typeface="+mn-lt"/>
+                <a:ea typeface="+mn-ea"/>
+                <a:cs typeface="+mn-cs"/>
+              </a:defRPr>
+            </a:lvl4pPr>
+            <a:lvl5pPr marL="1523733" indent="-231607" algn="l" defTabSz="1218987" rtl="0" eaLnBrk="1" latinLnBrk="0" hangingPunct="1">
+              <a:lnSpc>
+                <a:spcPct val="90000"/>
+              </a:lnSpc>
+              <a:spcBef>
+                <a:spcPts val="800"/>
+              </a:spcBef>
+              <a:buClr>
+                <a:schemeClr val="accent1"/>
+              </a:buClr>
+              <a:buSzPct val="80000"/>
+              <a:buFont typeface="Arial" pitchFamily="34" charset="0"/>
+              <a:buChar char="•"/>
+              <a:defRPr sz="2000" kern="1200">
+                <a:solidFill>
+                  <a:schemeClr val="tx1"/>
+                </a:solidFill>
+                <a:latin typeface="+mn-lt"/>
+                <a:ea typeface="+mn-ea"/>
+                <a:cs typeface="+mn-cs"/>
+              </a:defRPr>
+            </a:lvl5pPr>
+            <a:lvl6pPr marL="1828480" indent="-231607" algn="l" defTabSz="1218987" rtl="0" eaLnBrk="1" latinLnBrk="0" hangingPunct="1">
+              <a:lnSpc>
+                <a:spcPct val="90000"/>
+              </a:lnSpc>
+              <a:spcBef>
+                <a:spcPts val="800"/>
+              </a:spcBef>
+              <a:buClr>
+                <a:schemeClr val="accent1"/>
+              </a:buClr>
+              <a:buSzPct val="80000"/>
+              <a:buFont typeface="Arial" pitchFamily="34" charset="0"/>
+              <a:buChar char="•"/>
+              <a:defRPr sz="2000" kern="1200">
+                <a:solidFill>
+                  <a:schemeClr val="tx1"/>
+                </a:solidFill>
+                <a:latin typeface="+mn-lt"/>
+                <a:ea typeface="+mn-ea"/>
+                <a:cs typeface="+mn-cs"/>
+              </a:defRPr>
+            </a:lvl6pPr>
+            <a:lvl7pPr marL="2133227" indent="-231607" algn="l" defTabSz="1218987" rtl="0" eaLnBrk="1" latinLnBrk="0" hangingPunct="1">
+              <a:lnSpc>
+                <a:spcPct val="90000"/>
+              </a:lnSpc>
+              <a:spcBef>
+                <a:spcPts val="800"/>
+              </a:spcBef>
+              <a:buClr>
+                <a:schemeClr val="accent1"/>
+              </a:buClr>
+              <a:buSzPct val="80000"/>
+              <a:buFont typeface="Arial" pitchFamily="34" charset="0"/>
+              <a:buChar char="•"/>
+              <a:defRPr sz="2000" kern="1200">
+                <a:solidFill>
+                  <a:schemeClr val="tx1"/>
+                </a:solidFill>
+                <a:latin typeface="+mn-lt"/>
+                <a:ea typeface="+mn-ea"/>
+                <a:cs typeface="+mn-cs"/>
+              </a:defRPr>
+            </a:lvl7pPr>
+            <a:lvl8pPr marL="2437973" indent="-231607" algn="l" defTabSz="1218987" rtl="0" eaLnBrk="1" latinLnBrk="0" hangingPunct="1">
+              <a:lnSpc>
+                <a:spcPct val="90000"/>
+              </a:lnSpc>
+              <a:spcBef>
+                <a:spcPts val="800"/>
+              </a:spcBef>
+              <a:buClr>
+                <a:schemeClr val="accent1"/>
+              </a:buClr>
+              <a:buSzPct val="80000"/>
+              <a:buFont typeface="Arial" pitchFamily="34" charset="0"/>
+              <a:buChar char="•"/>
+              <a:defRPr sz="2000" kern="1200" baseline="0">
+                <a:solidFill>
+                  <a:schemeClr val="tx1"/>
+                </a:solidFill>
+                <a:latin typeface="+mn-lt"/>
+                <a:ea typeface="+mn-ea"/>
+                <a:cs typeface="+mn-cs"/>
+              </a:defRPr>
+            </a:lvl8pPr>
+            <a:lvl9pPr marL="2742720" indent="-231607" algn="l" defTabSz="1218987" rtl="0" eaLnBrk="1" latinLnBrk="0" hangingPunct="1">
+              <a:lnSpc>
+                <a:spcPct val="90000"/>
+              </a:lnSpc>
+              <a:spcBef>
+                <a:spcPts val="800"/>
+              </a:spcBef>
+              <a:buClr>
+                <a:schemeClr val="accent1"/>
+              </a:buClr>
+              <a:buSzPct val="80000"/>
+              <a:buFont typeface="Arial" pitchFamily="34" charset="0"/>
+              <a:buChar char="•"/>
+              <a:defRPr sz="2000" kern="1200" baseline="0">
+                <a:solidFill>
+                  <a:schemeClr val="tx1"/>
+                </a:solidFill>
+                <a:latin typeface="+mn-lt"/>
+                <a:ea typeface="+mn-ea"/>
+                <a:cs typeface="+mn-cs"/>
+              </a:defRPr>
+            </a:lvl9pPr>
+          </a:lstStyle>
+          <a:p>
             <a:r>
               <a:rPr lang="fr-FR" dirty="0" smtClean="0"/>
-              <a:t>Esclave (de timbrage)</a:t>
+              <a:t>Une pause (20 min) obligatoire toutes les 4 h </a:t>
             </a:r>
-          </a:p>
-          <a:p>
-            <a:pPr lvl="1"/>
+            <a:r>
+              <a:rPr lang="fr-FR" dirty="0">
+                <a:solidFill>
+                  <a:srgbClr val="FF0000"/>
+                </a:solidFill>
+              </a:rPr>
+              <a:t>✘</a:t>
+            </a:r>
+          </a:p>
+          <a:p>
+            <a:endParaRPr lang="fr-FR" dirty="0">
+              <a:solidFill>
+                <a:srgbClr val="FF0000"/>
+              </a:solidFill>
+            </a:endParaRPr>
+          </a:p>
+        </p:txBody>
+      </p:sp>
+      <p:sp>
+        <p:nvSpPr>
+          <p:cNvPr id="5" name="Espace réservé du contenu 2"/>
+          <p:cNvSpPr txBox="1">
+            <a:spLocks/>
+          </p:cNvSpPr>
+          <p:nvPr/>
+        </p:nvSpPr>
+        <p:spPr>
+          <a:xfrm>
+            <a:off x="981844" y="2891654"/>
+            <a:ext cx="10360501" cy="575075"/>
+          </a:xfrm>
+          <a:prstGeom prst="rect">
+            <a:avLst/>
+          </a:prstGeom>
+        </p:spPr>
+        <p:txBody>
+          <a:bodyPr vert="horz" lIns="121899" tIns="60949" rIns="121899" bIns="60949" rtlCol="0">
+            <a:normAutofit/>
+          </a:bodyPr>
+          <a:lstStyle>
+            <a:lvl1pPr marL="304747" indent="-304747" algn="l" defTabSz="1218987" rtl="0" eaLnBrk="1" latinLnBrk="0" hangingPunct="1">
+              <a:lnSpc>
+                <a:spcPct val="90000"/>
+              </a:lnSpc>
+              <a:spcBef>
+                <a:spcPts val="1600"/>
+              </a:spcBef>
+              <a:buClr>
+                <a:schemeClr val="accent1"/>
+              </a:buClr>
+              <a:buSzPct val="100000"/>
+              <a:buFont typeface="Arial" pitchFamily="34" charset="0"/>
+              <a:buChar char="•"/>
+              <a:defRPr sz="2800" kern="1200">
+                <a:solidFill>
+                  <a:schemeClr val="tx1"/>
+                </a:solidFill>
+                <a:latin typeface="+mn-lt"/>
+                <a:ea typeface="+mn-ea"/>
+                <a:cs typeface="+mn-cs"/>
+              </a:defRPr>
+            </a:lvl1pPr>
+            <a:lvl2pPr marL="609493" indent="-231607" algn="l" defTabSz="1218987" rtl="0" eaLnBrk="1" latinLnBrk="0" hangingPunct="1">
+              <a:lnSpc>
+                <a:spcPct val="90000"/>
+              </a:lnSpc>
+              <a:spcBef>
+                <a:spcPts val="800"/>
+              </a:spcBef>
+              <a:buClr>
+                <a:schemeClr val="accent1"/>
+              </a:buClr>
+              <a:buSzPct val="80000"/>
+              <a:buFont typeface="Arial" pitchFamily="34" charset="0"/>
+              <a:buChar char="•"/>
+              <a:defRPr sz="2400" kern="1200">
+                <a:solidFill>
+                  <a:schemeClr val="tx1"/>
+                </a:solidFill>
+                <a:latin typeface="+mn-lt"/>
+                <a:ea typeface="+mn-ea"/>
+                <a:cs typeface="+mn-cs"/>
+              </a:defRPr>
+            </a:lvl2pPr>
+            <a:lvl3pPr marL="914240" indent="-231607" algn="l" defTabSz="1218987" rtl="0" eaLnBrk="1" latinLnBrk="0" hangingPunct="1">
+              <a:lnSpc>
+                <a:spcPct val="90000"/>
+              </a:lnSpc>
+              <a:spcBef>
+                <a:spcPts val="800"/>
+              </a:spcBef>
+              <a:buClr>
+                <a:schemeClr val="accent1"/>
+              </a:buClr>
+              <a:buSzPct val="80000"/>
+              <a:buFont typeface="Arial" pitchFamily="34" charset="0"/>
+              <a:buChar char="•"/>
+              <a:defRPr sz="2000" kern="1200">
+                <a:solidFill>
+                  <a:schemeClr val="tx1"/>
+                </a:solidFill>
+                <a:latin typeface="+mn-lt"/>
+                <a:ea typeface="+mn-ea"/>
+                <a:cs typeface="+mn-cs"/>
+              </a:defRPr>
+            </a:lvl3pPr>
+            <a:lvl4pPr marL="1218987" indent="-231607" algn="l" defTabSz="1218987" rtl="0" eaLnBrk="1" latinLnBrk="0" hangingPunct="1">
+              <a:lnSpc>
+                <a:spcPct val="90000"/>
+              </a:lnSpc>
+              <a:spcBef>
+                <a:spcPts val="800"/>
+              </a:spcBef>
+              <a:buClr>
+                <a:schemeClr val="accent1"/>
+              </a:buClr>
+              <a:buSzPct val="80000"/>
+              <a:buFont typeface="Arial" pitchFamily="34" charset="0"/>
+              <a:buChar char="•"/>
+              <a:defRPr sz="2000" kern="1200">
+                <a:solidFill>
+                  <a:schemeClr val="tx1"/>
+                </a:solidFill>
+                <a:latin typeface="+mn-lt"/>
+                <a:ea typeface="+mn-ea"/>
+                <a:cs typeface="+mn-cs"/>
+              </a:defRPr>
+            </a:lvl4pPr>
+            <a:lvl5pPr marL="1523733" indent="-231607" algn="l" defTabSz="1218987" rtl="0" eaLnBrk="1" latinLnBrk="0" hangingPunct="1">
+              <a:lnSpc>
+                <a:spcPct val="90000"/>
+              </a:lnSpc>
+              <a:spcBef>
+                <a:spcPts val="800"/>
+              </a:spcBef>
+              <a:buClr>
+                <a:schemeClr val="accent1"/>
+              </a:buClr>
+              <a:buSzPct val="80000"/>
+              <a:buFont typeface="Arial" pitchFamily="34" charset="0"/>
+              <a:buChar char="•"/>
+              <a:defRPr sz="2000" kern="1200">
+                <a:solidFill>
+                  <a:schemeClr val="tx1"/>
+                </a:solidFill>
+                <a:latin typeface="+mn-lt"/>
+                <a:ea typeface="+mn-ea"/>
+                <a:cs typeface="+mn-cs"/>
+              </a:defRPr>
+            </a:lvl5pPr>
+            <a:lvl6pPr marL="1828480" indent="-231607" algn="l" defTabSz="1218987" rtl="0" eaLnBrk="1" latinLnBrk="0" hangingPunct="1">
+              <a:lnSpc>
+                <a:spcPct val="90000"/>
+              </a:lnSpc>
+              <a:spcBef>
+                <a:spcPts val="800"/>
+              </a:spcBef>
+              <a:buClr>
+                <a:schemeClr val="accent1"/>
+              </a:buClr>
+              <a:buSzPct val="80000"/>
+              <a:buFont typeface="Arial" pitchFamily="34" charset="0"/>
+              <a:buChar char="•"/>
+              <a:defRPr sz="2000" kern="1200">
+                <a:solidFill>
+                  <a:schemeClr val="tx1"/>
+                </a:solidFill>
+                <a:latin typeface="+mn-lt"/>
+                <a:ea typeface="+mn-ea"/>
+                <a:cs typeface="+mn-cs"/>
+              </a:defRPr>
+            </a:lvl6pPr>
+            <a:lvl7pPr marL="2133227" indent="-231607" algn="l" defTabSz="1218987" rtl="0" eaLnBrk="1" latinLnBrk="0" hangingPunct="1">
+              <a:lnSpc>
+                <a:spcPct val="90000"/>
+              </a:lnSpc>
+              <a:spcBef>
+                <a:spcPts val="800"/>
+              </a:spcBef>
+              <a:buClr>
+                <a:schemeClr val="accent1"/>
+              </a:buClr>
+              <a:buSzPct val="80000"/>
+              <a:buFont typeface="Arial" pitchFamily="34" charset="0"/>
+              <a:buChar char="•"/>
+              <a:defRPr sz="2000" kern="1200">
+                <a:solidFill>
+                  <a:schemeClr val="tx1"/>
+                </a:solidFill>
+                <a:latin typeface="+mn-lt"/>
+                <a:ea typeface="+mn-ea"/>
+                <a:cs typeface="+mn-cs"/>
+              </a:defRPr>
+            </a:lvl7pPr>
+            <a:lvl8pPr marL="2437973" indent="-231607" algn="l" defTabSz="1218987" rtl="0" eaLnBrk="1" latinLnBrk="0" hangingPunct="1">
+              <a:lnSpc>
+                <a:spcPct val="90000"/>
+              </a:lnSpc>
+              <a:spcBef>
+                <a:spcPts val="800"/>
+              </a:spcBef>
+              <a:buClr>
+                <a:schemeClr val="accent1"/>
+              </a:buClr>
+              <a:buSzPct val="80000"/>
+              <a:buFont typeface="Arial" pitchFamily="34" charset="0"/>
+              <a:buChar char="•"/>
+              <a:defRPr sz="2000" kern="1200" baseline="0">
+                <a:solidFill>
+                  <a:schemeClr val="tx1"/>
+                </a:solidFill>
+                <a:latin typeface="+mn-lt"/>
+                <a:ea typeface="+mn-ea"/>
+                <a:cs typeface="+mn-cs"/>
+              </a:defRPr>
+            </a:lvl8pPr>
+            <a:lvl9pPr marL="2742720" indent="-231607" algn="l" defTabSz="1218987" rtl="0" eaLnBrk="1" latinLnBrk="0" hangingPunct="1">
+              <a:lnSpc>
+                <a:spcPct val="90000"/>
+              </a:lnSpc>
+              <a:spcBef>
+                <a:spcPts val="800"/>
+              </a:spcBef>
+              <a:buClr>
+                <a:schemeClr val="accent1"/>
+              </a:buClr>
+              <a:buSzPct val="80000"/>
+              <a:buFont typeface="Arial" pitchFamily="34" charset="0"/>
+              <a:buChar char="•"/>
+              <a:defRPr sz="2000" kern="1200" baseline="0">
+                <a:solidFill>
+                  <a:schemeClr val="tx1"/>
+                </a:solidFill>
+                <a:latin typeface="+mn-lt"/>
+                <a:ea typeface="+mn-ea"/>
+                <a:cs typeface="+mn-cs"/>
+              </a:defRPr>
+            </a:lvl9pPr>
+          </a:lstStyle>
+          <a:p>
             <a:r>
               <a:rPr lang="fr-FR" dirty="0" smtClean="0"/>
-              <a:t>Enseignants</a:t>
+              <a:t>Minimum de 30 min pour diner </a:t>
             </a:r>
-          </a:p>
-          <a:p>
-            <a:pPr lvl="1"/>
+            <a:r>
+              <a:rPr lang="fr-FR" dirty="0">
+                <a:solidFill>
+                  <a:srgbClr val="FF0000"/>
+                </a:solidFill>
+              </a:rPr>
+              <a:t>✘</a:t>
+            </a:r>
+          </a:p>
+          <a:p>
+            <a:endParaRPr lang="fr-FR" dirty="0">
+              <a:solidFill>
+                <a:srgbClr val="FF0000"/>
+              </a:solidFill>
+            </a:endParaRPr>
+          </a:p>
+        </p:txBody>
+      </p:sp>
+      <p:sp>
+        <p:nvSpPr>
+          <p:cNvPr id="6" name="Espace réservé du contenu 2"/>
+          <p:cNvSpPr txBox="1">
+            <a:spLocks/>
+          </p:cNvSpPr>
+          <p:nvPr/>
+        </p:nvSpPr>
+        <p:spPr>
+          <a:xfrm>
+            <a:off x="981844" y="3466729"/>
+            <a:ext cx="10360501" cy="575075"/>
+          </a:xfrm>
+          <a:prstGeom prst="rect">
+            <a:avLst/>
+          </a:prstGeom>
+        </p:spPr>
+        <p:txBody>
+          <a:bodyPr vert="horz" lIns="121899" tIns="60949" rIns="121899" bIns="60949" rtlCol="0">
+            <a:normAutofit/>
+          </a:bodyPr>
+          <a:lstStyle>
+            <a:lvl1pPr marL="304747" indent="-304747" algn="l" defTabSz="1218987" rtl="0" eaLnBrk="1" latinLnBrk="0" hangingPunct="1">
+              <a:lnSpc>
+                <a:spcPct val="90000"/>
+              </a:lnSpc>
+              <a:spcBef>
+                <a:spcPts val="1600"/>
+              </a:spcBef>
+              <a:buClr>
+                <a:schemeClr val="accent1"/>
+              </a:buClr>
+              <a:buSzPct val="100000"/>
+              <a:buFont typeface="Arial" pitchFamily="34" charset="0"/>
+              <a:buChar char="•"/>
+              <a:defRPr sz="2800" kern="1200">
+                <a:solidFill>
+                  <a:schemeClr val="tx1"/>
+                </a:solidFill>
+                <a:latin typeface="+mn-lt"/>
+                <a:ea typeface="+mn-ea"/>
+                <a:cs typeface="+mn-cs"/>
+              </a:defRPr>
+            </a:lvl1pPr>
+            <a:lvl2pPr marL="609493" indent="-231607" algn="l" defTabSz="1218987" rtl="0" eaLnBrk="1" latinLnBrk="0" hangingPunct="1">
+              <a:lnSpc>
+                <a:spcPct val="90000"/>
+              </a:lnSpc>
+              <a:spcBef>
+                <a:spcPts val="800"/>
+              </a:spcBef>
+              <a:buClr>
+                <a:schemeClr val="accent1"/>
+              </a:buClr>
+              <a:buSzPct val="80000"/>
+              <a:buFont typeface="Arial" pitchFamily="34" charset="0"/>
+              <a:buChar char="•"/>
+              <a:defRPr sz="2400" kern="1200">
+                <a:solidFill>
+                  <a:schemeClr val="tx1"/>
+                </a:solidFill>
+                <a:latin typeface="+mn-lt"/>
+                <a:ea typeface="+mn-ea"/>
+                <a:cs typeface="+mn-cs"/>
+              </a:defRPr>
+            </a:lvl2pPr>
+            <a:lvl3pPr marL="914240" indent="-231607" algn="l" defTabSz="1218987" rtl="0" eaLnBrk="1" latinLnBrk="0" hangingPunct="1">
+              <a:lnSpc>
+                <a:spcPct val="90000"/>
+              </a:lnSpc>
+              <a:spcBef>
+                <a:spcPts val="800"/>
+              </a:spcBef>
+              <a:buClr>
+                <a:schemeClr val="accent1"/>
+              </a:buClr>
+              <a:buSzPct val="80000"/>
+              <a:buFont typeface="Arial" pitchFamily="34" charset="0"/>
+              <a:buChar char="•"/>
+              <a:defRPr sz="2000" kern="1200">
+                <a:solidFill>
+                  <a:schemeClr val="tx1"/>
+                </a:solidFill>
+                <a:latin typeface="+mn-lt"/>
+                <a:ea typeface="+mn-ea"/>
+                <a:cs typeface="+mn-cs"/>
+              </a:defRPr>
+            </a:lvl3pPr>
+            <a:lvl4pPr marL="1218987" indent="-231607" algn="l" defTabSz="1218987" rtl="0" eaLnBrk="1" latinLnBrk="0" hangingPunct="1">
+              <a:lnSpc>
+                <a:spcPct val="90000"/>
+              </a:lnSpc>
+              <a:spcBef>
+                <a:spcPts val="800"/>
+              </a:spcBef>
+              <a:buClr>
+                <a:schemeClr val="accent1"/>
+              </a:buClr>
+              <a:buSzPct val="80000"/>
+              <a:buFont typeface="Arial" pitchFamily="34" charset="0"/>
+              <a:buChar char="•"/>
+              <a:defRPr sz="2000" kern="1200">
+                <a:solidFill>
+                  <a:schemeClr val="tx1"/>
+                </a:solidFill>
+                <a:latin typeface="+mn-lt"/>
+                <a:ea typeface="+mn-ea"/>
+                <a:cs typeface="+mn-cs"/>
+              </a:defRPr>
+            </a:lvl4pPr>
+            <a:lvl5pPr marL="1523733" indent="-231607" algn="l" defTabSz="1218987" rtl="0" eaLnBrk="1" latinLnBrk="0" hangingPunct="1">
+              <a:lnSpc>
+                <a:spcPct val="90000"/>
+              </a:lnSpc>
+              <a:spcBef>
+                <a:spcPts val="800"/>
+              </a:spcBef>
+              <a:buClr>
+                <a:schemeClr val="accent1"/>
+              </a:buClr>
+              <a:buSzPct val="80000"/>
+              <a:buFont typeface="Arial" pitchFamily="34" charset="0"/>
+              <a:buChar char="•"/>
+              <a:defRPr sz="2000" kern="1200">
+                <a:solidFill>
+                  <a:schemeClr val="tx1"/>
+                </a:solidFill>
+                <a:latin typeface="+mn-lt"/>
+                <a:ea typeface="+mn-ea"/>
+                <a:cs typeface="+mn-cs"/>
+              </a:defRPr>
+            </a:lvl5pPr>
+            <a:lvl6pPr marL="1828480" indent="-231607" algn="l" defTabSz="1218987" rtl="0" eaLnBrk="1" latinLnBrk="0" hangingPunct="1">
+              <a:lnSpc>
+                <a:spcPct val="90000"/>
+              </a:lnSpc>
+              <a:spcBef>
+                <a:spcPts val="800"/>
+              </a:spcBef>
+              <a:buClr>
+                <a:schemeClr val="accent1"/>
+              </a:buClr>
+              <a:buSzPct val="80000"/>
+              <a:buFont typeface="Arial" pitchFamily="34" charset="0"/>
+              <a:buChar char="•"/>
+              <a:defRPr sz="2000" kern="1200">
+                <a:solidFill>
+                  <a:schemeClr val="tx1"/>
+                </a:solidFill>
+                <a:latin typeface="+mn-lt"/>
+                <a:ea typeface="+mn-ea"/>
+                <a:cs typeface="+mn-cs"/>
+              </a:defRPr>
+            </a:lvl6pPr>
+            <a:lvl7pPr marL="2133227" indent="-231607" algn="l" defTabSz="1218987" rtl="0" eaLnBrk="1" latinLnBrk="0" hangingPunct="1">
+              <a:lnSpc>
+                <a:spcPct val="90000"/>
+              </a:lnSpc>
+              <a:spcBef>
+                <a:spcPts val="800"/>
+              </a:spcBef>
+              <a:buClr>
+                <a:schemeClr val="accent1"/>
+              </a:buClr>
+              <a:buSzPct val="80000"/>
+              <a:buFont typeface="Arial" pitchFamily="34" charset="0"/>
+              <a:buChar char="•"/>
+              <a:defRPr sz="2000" kern="1200">
+                <a:solidFill>
+                  <a:schemeClr val="tx1"/>
+                </a:solidFill>
+                <a:latin typeface="+mn-lt"/>
+                <a:ea typeface="+mn-ea"/>
+                <a:cs typeface="+mn-cs"/>
+              </a:defRPr>
+            </a:lvl7pPr>
+            <a:lvl8pPr marL="2437973" indent="-231607" algn="l" defTabSz="1218987" rtl="0" eaLnBrk="1" latinLnBrk="0" hangingPunct="1">
+              <a:lnSpc>
+                <a:spcPct val="90000"/>
+              </a:lnSpc>
+              <a:spcBef>
+                <a:spcPts val="800"/>
+              </a:spcBef>
+              <a:buClr>
+                <a:schemeClr val="accent1"/>
+              </a:buClr>
+              <a:buSzPct val="80000"/>
+              <a:buFont typeface="Arial" pitchFamily="34" charset="0"/>
+              <a:buChar char="•"/>
+              <a:defRPr sz="2000" kern="1200" baseline="0">
+                <a:solidFill>
+                  <a:schemeClr val="tx1"/>
+                </a:solidFill>
+                <a:latin typeface="+mn-lt"/>
+                <a:ea typeface="+mn-ea"/>
+                <a:cs typeface="+mn-cs"/>
+              </a:defRPr>
+            </a:lvl8pPr>
+            <a:lvl9pPr marL="2742720" indent="-231607" algn="l" defTabSz="1218987" rtl="0" eaLnBrk="1" latinLnBrk="0" hangingPunct="1">
+              <a:lnSpc>
+                <a:spcPct val="90000"/>
+              </a:lnSpc>
+              <a:spcBef>
+                <a:spcPts val="800"/>
+              </a:spcBef>
+              <a:buClr>
+                <a:schemeClr val="accent1"/>
+              </a:buClr>
+              <a:buSzPct val="80000"/>
+              <a:buFont typeface="Arial" pitchFamily="34" charset="0"/>
+              <a:buChar char="•"/>
+              <a:defRPr sz="2000" kern="1200" baseline="0">
+                <a:solidFill>
+                  <a:schemeClr val="tx1"/>
+                </a:solidFill>
+                <a:latin typeface="+mn-lt"/>
+                <a:ea typeface="+mn-ea"/>
+                <a:cs typeface="+mn-cs"/>
+              </a:defRPr>
+            </a:lvl9pPr>
+          </a:lstStyle>
+          <a:p>
             <a:r>
               <a:rPr lang="fr-FR" dirty="0" smtClean="0"/>
-              <a:t>Administrateurs</a:t>
+              <a:t>Arriver en retard et partir avant l’heure </a:t>
             </a:r>
-          </a:p>
-          <a:p>
-            <a:pPr lvl="1"/>
+            <a:r>
+              <a:rPr lang="fr-FR" dirty="0">
+                <a:solidFill>
+                  <a:srgbClr val="FF0000"/>
+                </a:solidFill>
+              </a:rPr>
+              <a:t>✘</a:t>
+            </a:r>
+          </a:p>
+          <a:p>
+            <a:endParaRPr lang="fr-FR" dirty="0">
+              <a:solidFill>
+                <a:srgbClr val="FF0000"/>
+              </a:solidFill>
+            </a:endParaRPr>
+          </a:p>
+        </p:txBody>
+      </p:sp>
+      <p:sp>
+        <p:nvSpPr>
+          <p:cNvPr id="7" name="Espace réservé du contenu 2"/>
+          <p:cNvSpPr txBox="1">
+            <a:spLocks/>
+          </p:cNvSpPr>
+          <p:nvPr/>
+        </p:nvSpPr>
+        <p:spPr>
+          <a:xfrm>
+            <a:off x="968544" y="4041804"/>
+            <a:ext cx="10360501" cy="575075"/>
+          </a:xfrm>
+          <a:prstGeom prst="rect">
+            <a:avLst/>
+          </a:prstGeom>
+        </p:spPr>
+        <p:txBody>
+          <a:bodyPr vert="horz" lIns="121899" tIns="60949" rIns="121899" bIns="60949" rtlCol="0">
+            <a:normAutofit/>
+          </a:bodyPr>
+          <a:lstStyle>
+            <a:lvl1pPr marL="304747" indent="-304747" algn="l" defTabSz="1218987" rtl="0" eaLnBrk="1" latinLnBrk="0" hangingPunct="1">
+              <a:lnSpc>
+                <a:spcPct val="90000"/>
+              </a:lnSpc>
+              <a:spcBef>
+                <a:spcPts val="1600"/>
+              </a:spcBef>
+              <a:buClr>
+                <a:schemeClr val="accent1"/>
+              </a:buClr>
+              <a:buSzPct val="100000"/>
+              <a:buFont typeface="Arial" pitchFamily="34" charset="0"/>
+              <a:buChar char="•"/>
+              <a:defRPr sz="2800" kern="1200">
+                <a:solidFill>
+                  <a:schemeClr val="tx1"/>
+                </a:solidFill>
+                <a:latin typeface="+mn-lt"/>
+                <a:ea typeface="+mn-ea"/>
+                <a:cs typeface="+mn-cs"/>
+              </a:defRPr>
+            </a:lvl1pPr>
+            <a:lvl2pPr marL="609493" indent="-231607" algn="l" defTabSz="1218987" rtl="0" eaLnBrk="1" latinLnBrk="0" hangingPunct="1">
+              <a:lnSpc>
+                <a:spcPct val="90000"/>
+              </a:lnSpc>
+              <a:spcBef>
+                <a:spcPts val="800"/>
+              </a:spcBef>
+              <a:buClr>
+                <a:schemeClr val="accent1"/>
+              </a:buClr>
+              <a:buSzPct val="80000"/>
+              <a:buFont typeface="Arial" pitchFamily="34" charset="0"/>
+              <a:buChar char="•"/>
+              <a:defRPr sz="2400" kern="1200">
+                <a:solidFill>
+                  <a:schemeClr val="tx1"/>
+                </a:solidFill>
+                <a:latin typeface="+mn-lt"/>
+                <a:ea typeface="+mn-ea"/>
+                <a:cs typeface="+mn-cs"/>
+              </a:defRPr>
+            </a:lvl2pPr>
+            <a:lvl3pPr marL="914240" indent="-231607" algn="l" defTabSz="1218987" rtl="0" eaLnBrk="1" latinLnBrk="0" hangingPunct="1">
+              <a:lnSpc>
+                <a:spcPct val="90000"/>
+              </a:lnSpc>
+              <a:spcBef>
+                <a:spcPts val="800"/>
+              </a:spcBef>
+              <a:buClr>
+                <a:schemeClr val="accent1"/>
+              </a:buClr>
+              <a:buSzPct val="80000"/>
+              <a:buFont typeface="Arial" pitchFamily="34" charset="0"/>
+              <a:buChar char="•"/>
+              <a:defRPr sz="2000" kern="1200">
+                <a:solidFill>
+                  <a:schemeClr val="tx1"/>
+                </a:solidFill>
+                <a:latin typeface="+mn-lt"/>
+                <a:ea typeface="+mn-ea"/>
+                <a:cs typeface="+mn-cs"/>
+              </a:defRPr>
+            </a:lvl3pPr>
+            <a:lvl4pPr marL="1218987" indent="-231607" algn="l" defTabSz="1218987" rtl="0" eaLnBrk="1" latinLnBrk="0" hangingPunct="1">
+              <a:lnSpc>
+                <a:spcPct val="90000"/>
+              </a:lnSpc>
+              <a:spcBef>
+                <a:spcPts val="800"/>
+              </a:spcBef>
+              <a:buClr>
+                <a:schemeClr val="accent1"/>
+              </a:buClr>
+              <a:buSzPct val="80000"/>
+              <a:buFont typeface="Arial" pitchFamily="34" charset="0"/>
+              <a:buChar char="•"/>
+              <a:defRPr sz="2000" kern="1200">
+                <a:solidFill>
+                  <a:schemeClr val="tx1"/>
+                </a:solidFill>
+                <a:latin typeface="+mn-lt"/>
+                <a:ea typeface="+mn-ea"/>
+                <a:cs typeface="+mn-cs"/>
+              </a:defRPr>
+            </a:lvl4pPr>
+            <a:lvl5pPr marL="1523733" indent="-231607" algn="l" defTabSz="1218987" rtl="0" eaLnBrk="1" latinLnBrk="0" hangingPunct="1">
+              <a:lnSpc>
+                <a:spcPct val="90000"/>
+              </a:lnSpc>
+              <a:spcBef>
+                <a:spcPts val="800"/>
+              </a:spcBef>
+              <a:buClr>
+                <a:schemeClr val="accent1"/>
+              </a:buClr>
+              <a:buSzPct val="80000"/>
+              <a:buFont typeface="Arial" pitchFamily="34" charset="0"/>
+              <a:buChar char="•"/>
+              <a:defRPr sz="2000" kern="1200">
+                <a:solidFill>
+                  <a:schemeClr val="tx1"/>
+                </a:solidFill>
+                <a:latin typeface="+mn-lt"/>
+                <a:ea typeface="+mn-ea"/>
+                <a:cs typeface="+mn-cs"/>
+              </a:defRPr>
+            </a:lvl5pPr>
+            <a:lvl6pPr marL="1828480" indent="-231607" algn="l" defTabSz="1218987" rtl="0" eaLnBrk="1" latinLnBrk="0" hangingPunct="1">
+              <a:lnSpc>
+                <a:spcPct val="90000"/>
+              </a:lnSpc>
+              <a:spcBef>
+                <a:spcPts val="800"/>
+              </a:spcBef>
+              <a:buClr>
+                <a:schemeClr val="accent1"/>
+              </a:buClr>
+              <a:buSzPct val="80000"/>
+              <a:buFont typeface="Arial" pitchFamily="34" charset="0"/>
+              <a:buChar char="•"/>
+              <a:defRPr sz="2000" kern="1200">
+                <a:solidFill>
+                  <a:schemeClr val="tx1"/>
+                </a:solidFill>
+                <a:latin typeface="+mn-lt"/>
+                <a:ea typeface="+mn-ea"/>
+                <a:cs typeface="+mn-cs"/>
+              </a:defRPr>
+            </a:lvl6pPr>
+            <a:lvl7pPr marL="2133227" indent="-231607" algn="l" defTabSz="1218987" rtl="0" eaLnBrk="1" latinLnBrk="0" hangingPunct="1">
+              <a:lnSpc>
+                <a:spcPct val="90000"/>
+              </a:lnSpc>
+              <a:spcBef>
+                <a:spcPts val="800"/>
+              </a:spcBef>
+              <a:buClr>
+                <a:schemeClr val="accent1"/>
+              </a:buClr>
+              <a:buSzPct val="80000"/>
+              <a:buFont typeface="Arial" pitchFamily="34" charset="0"/>
+              <a:buChar char="•"/>
+              <a:defRPr sz="2000" kern="1200">
+                <a:solidFill>
+                  <a:schemeClr val="tx1"/>
+                </a:solidFill>
+                <a:latin typeface="+mn-lt"/>
+                <a:ea typeface="+mn-ea"/>
+                <a:cs typeface="+mn-cs"/>
+              </a:defRPr>
+            </a:lvl7pPr>
+            <a:lvl8pPr marL="2437973" indent="-231607" algn="l" defTabSz="1218987" rtl="0" eaLnBrk="1" latinLnBrk="0" hangingPunct="1">
+              <a:lnSpc>
+                <a:spcPct val="90000"/>
+              </a:lnSpc>
+              <a:spcBef>
+                <a:spcPts val="800"/>
+              </a:spcBef>
+              <a:buClr>
+                <a:schemeClr val="accent1"/>
+              </a:buClr>
+              <a:buSzPct val="80000"/>
+              <a:buFont typeface="Arial" pitchFamily="34" charset="0"/>
+              <a:buChar char="•"/>
+              <a:defRPr sz="2000" kern="1200" baseline="0">
+                <a:solidFill>
+                  <a:schemeClr val="tx1"/>
+                </a:solidFill>
+                <a:latin typeface="+mn-lt"/>
+                <a:ea typeface="+mn-ea"/>
+                <a:cs typeface="+mn-cs"/>
+              </a:defRPr>
+            </a:lvl8pPr>
+            <a:lvl9pPr marL="2742720" indent="-231607" algn="l" defTabSz="1218987" rtl="0" eaLnBrk="1" latinLnBrk="0" hangingPunct="1">
+              <a:lnSpc>
+                <a:spcPct val="90000"/>
+              </a:lnSpc>
+              <a:spcBef>
+                <a:spcPts val="800"/>
+              </a:spcBef>
+              <a:buClr>
+                <a:schemeClr val="accent1"/>
+              </a:buClr>
+              <a:buSzPct val="80000"/>
+              <a:buFont typeface="Arial" pitchFamily="34" charset="0"/>
+              <a:buChar char="•"/>
+              <a:defRPr sz="2000" kern="1200" baseline="0">
+                <a:solidFill>
+                  <a:schemeClr val="tx1"/>
+                </a:solidFill>
+                <a:latin typeface="+mn-lt"/>
+                <a:ea typeface="+mn-ea"/>
+                <a:cs typeface="+mn-cs"/>
+              </a:defRPr>
+            </a:lvl9pPr>
+          </a:lstStyle>
+          <a:p>
             <a:r>
               <a:rPr lang="fr-FR" dirty="0" smtClean="0"/>
-              <a:t>El</a:t>
+              <a:t>Etre en mode « IN » en partant </a:t>
             </a:r>
             <a:r>
-              <a:rPr lang="fr-FR" dirty="0"/>
-              <a:t>è</a:t>
+              <a:rPr lang="fr-FR" dirty="0">
+                <a:solidFill>
+                  <a:srgbClr val="FF0000"/>
+                </a:solidFill>
+              </a:rPr>
+              <a:t>✘</a:t>
             </a:r>
-            <a:r>
-              <a:rPr lang="fr-FR" dirty="0" smtClean="0"/>
-              <a:t>ves</a:t>
-            </a:r>
-            <a:endParaRPr lang="fr-FR" dirty="0"/>
-          </a:p>
-          <a:p>
-            <a:r>
-              <a:rPr lang="fr-FR" dirty="0" smtClean="0"/>
-              <a:t>Les « r</a:t>
-            </a:r>
-            <a:r>
-              <a:rPr lang="fr-FR" dirty="0"/>
-              <a:t>è</a:t>
-            </a:r>
-            <a:r>
-              <a:rPr lang="fr-FR" dirty="0" smtClean="0"/>
-              <a:t>gles »</a:t>
-            </a:r>
-          </a:p>
-          <a:p>
-            <a:r>
-              <a:rPr lang="fr-FR" dirty="0" smtClean="0"/>
-              <a:t>Autocorrection des irréductibles </a:t>
-            </a:r>
-            <a:r>
-              <a:rPr lang="fr-FR" dirty="0" err="1" smtClean="0"/>
-              <a:t>timbreures</a:t>
-            </a:r>
-            <a:endParaRPr lang="fr-FR" dirty="0" smtClean="0"/>
+          </a:p>
+          <a:p>
+            <a:endParaRPr lang="fr-FR" dirty="0">
+              <a:solidFill>
+                <a:srgbClr val="FF0000"/>
+              </a:solidFill>
+            </a:endParaRPr>
           </a:p>
         </p:txBody>
       </p:sp>
       <p:pic>
         <p:nvPicPr>
-          <p:cNvPr id="4" name="Image 3"/>
+          <p:cNvPr id="8" name="Image 7"/>
+          <p:cNvPicPr>
+            <a:picLocks noChangeAspect="1"/>
+          </p:cNvPicPr>
+          <p:nvPr/>
+        </p:nvPicPr>
+        <p:blipFill>
+          <a:blip r:embed="rId2">
+            <a:extLst>
+              <a:ext uri="{28A0092B-C50C-407E-A947-70E740481C1C}">
+                <a14:useLocalDpi xmlns:a14="http://schemas.microsoft.com/office/drawing/2010/main" val="0"/>
+              </a:ext>
+            </a:extLst>
+          </a:blip>
+          <a:stretch>
+            <a:fillRect/>
+          </a:stretch>
+        </p:blipFill>
+        <p:spPr>
+          <a:xfrm>
+            <a:off x="10207718" y="6126"/>
+            <a:ext cx="1981107" cy="1760984"/>
+          </a:xfrm>
+          <a:prstGeom prst="rect">
+            <a:avLst/>
+          </a:prstGeom>
+        </p:spPr>
+      </p:pic>
+      <p:sp>
+        <p:nvSpPr>
+          <p:cNvPr id="13" name="Espace réservé du contenu 2"/>
+          <p:cNvSpPr txBox="1">
+            <a:spLocks/>
+          </p:cNvSpPr>
+          <p:nvPr/>
+        </p:nvSpPr>
+        <p:spPr>
+          <a:xfrm>
+            <a:off x="955244" y="4594503"/>
+            <a:ext cx="10360501" cy="575075"/>
+          </a:xfrm>
+          <a:prstGeom prst="rect">
+            <a:avLst/>
+          </a:prstGeom>
+        </p:spPr>
+        <p:txBody>
+          <a:bodyPr vert="horz" lIns="121899" tIns="60949" rIns="121899" bIns="60949" rtlCol="0">
+            <a:normAutofit/>
+          </a:bodyPr>
+          <a:lstStyle>
+            <a:lvl1pPr marL="304747" indent="-304747" algn="l" defTabSz="1218987" rtl="0" eaLnBrk="1" latinLnBrk="0" hangingPunct="1">
+              <a:lnSpc>
+                <a:spcPct val="90000"/>
+              </a:lnSpc>
+              <a:spcBef>
+                <a:spcPts val="1600"/>
+              </a:spcBef>
+              <a:buClr>
+                <a:schemeClr val="accent1"/>
+              </a:buClr>
+              <a:buSzPct val="100000"/>
+              <a:buFont typeface="Arial" pitchFamily="34" charset="0"/>
+              <a:buChar char="•"/>
+              <a:defRPr sz="2800" kern="1200">
+                <a:solidFill>
+                  <a:schemeClr val="tx1"/>
+                </a:solidFill>
+                <a:latin typeface="+mn-lt"/>
+                <a:ea typeface="+mn-ea"/>
+                <a:cs typeface="+mn-cs"/>
+              </a:defRPr>
+            </a:lvl1pPr>
+            <a:lvl2pPr marL="609493" indent="-231607" algn="l" defTabSz="1218987" rtl="0" eaLnBrk="1" latinLnBrk="0" hangingPunct="1">
+              <a:lnSpc>
+                <a:spcPct val="90000"/>
+              </a:lnSpc>
+              <a:spcBef>
+                <a:spcPts val="800"/>
+              </a:spcBef>
+              <a:buClr>
+                <a:schemeClr val="accent1"/>
+              </a:buClr>
+              <a:buSzPct val="80000"/>
+              <a:buFont typeface="Arial" pitchFamily="34" charset="0"/>
+              <a:buChar char="•"/>
+              <a:defRPr sz="2400" kern="1200">
+                <a:solidFill>
+                  <a:schemeClr val="tx1"/>
+                </a:solidFill>
+                <a:latin typeface="+mn-lt"/>
+                <a:ea typeface="+mn-ea"/>
+                <a:cs typeface="+mn-cs"/>
+              </a:defRPr>
+            </a:lvl2pPr>
+            <a:lvl3pPr marL="914240" indent="-231607" algn="l" defTabSz="1218987" rtl="0" eaLnBrk="1" latinLnBrk="0" hangingPunct="1">
+              <a:lnSpc>
+                <a:spcPct val="90000"/>
+              </a:lnSpc>
+              <a:spcBef>
+                <a:spcPts val="800"/>
+              </a:spcBef>
+              <a:buClr>
+                <a:schemeClr val="accent1"/>
+              </a:buClr>
+              <a:buSzPct val="80000"/>
+              <a:buFont typeface="Arial" pitchFamily="34" charset="0"/>
+              <a:buChar char="•"/>
+              <a:defRPr sz="2000" kern="1200">
+                <a:solidFill>
+                  <a:schemeClr val="tx1"/>
+                </a:solidFill>
+                <a:latin typeface="+mn-lt"/>
+                <a:ea typeface="+mn-ea"/>
+                <a:cs typeface="+mn-cs"/>
+              </a:defRPr>
+            </a:lvl3pPr>
+            <a:lvl4pPr marL="1218987" indent="-231607" algn="l" defTabSz="1218987" rtl="0" eaLnBrk="1" latinLnBrk="0" hangingPunct="1">
+              <a:lnSpc>
+                <a:spcPct val="90000"/>
+              </a:lnSpc>
+              <a:spcBef>
+                <a:spcPts val="800"/>
+              </a:spcBef>
+              <a:buClr>
+                <a:schemeClr val="accent1"/>
+              </a:buClr>
+              <a:buSzPct val="80000"/>
+              <a:buFont typeface="Arial" pitchFamily="34" charset="0"/>
+              <a:buChar char="•"/>
+              <a:defRPr sz="2000" kern="1200">
+                <a:solidFill>
+                  <a:schemeClr val="tx1"/>
+                </a:solidFill>
+                <a:latin typeface="+mn-lt"/>
+                <a:ea typeface="+mn-ea"/>
+                <a:cs typeface="+mn-cs"/>
+              </a:defRPr>
+            </a:lvl4pPr>
+            <a:lvl5pPr marL="1523733" indent="-231607" algn="l" defTabSz="1218987" rtl="0" eaLnBrk="1" latinLnBrk="0" hangingPunct="1">
+              <a:lnSpc>
+                <a:spcPct val="90000"/>
+              </a:lnSpc>
+              <a:spcBef>
+                <a:spcPts val="800"/>
+              </a:spcBef>
+              <a:buClr>
+                <a:schemeClr val="accent1"/>
+              </a:buClr>
+              <a:buSzPct val="80000"/>
+              <a:buFont typeface="Arial" pitchFamily="34" charset="0"/>
+              <a:buChar char="•"/>
+              <a:defRPr sz="2000" kern="1200">
+                <a:solidFill>
+                  <a:schemeClr val="tx1"/>
+                </a:solidFill>
+                <a:latin typeface="+mn-lt"/>
+                <a:ea typeface="+mn-ea"/>
+                <a:cs typeface="+mn-cs"/>
+              </a:defRPr>
+            </a:lvl5pPr>
+            <a:lvl6pPr marL="1828480" indent="-231607" algn="l" defTabSz="1218987" rtl="0" eaLnBrk="1" latinLnBrk="0" hangingPunct="1">
+              <a:lnSpc>
+                <a:spcPct val="90000"/>
+              </a:lnSpc>
+              <a:spcBef>
+                <a:spcPts val="800"/>
+              </a:spcBef>
+              <a:buClr>
+                <a:schemeClr val="accent1"/>
+              </a:buClr>
+              <a:buSzPct val="80000"/>
+              <a:buFont typeface="Arial" pitchFamily="34" charset="0"/>
+              <a:buChar char="•"/>
+              <a:defRPr sz="2000" kern="1200">
+                <a:solidFill>
+                  <a:schemeClr val="tx1"/>
+                </a:solidFill>
+                <a:latin typeface="+mn-lt"/>
+                <a:ea typeface="+mn-ea"/>
+                <a:cs typeface="+mn-cs"/>
+              </a:defRPr>
+            </a:lvl6pPr>
+            <a:lvl7pPr marL="2133227" indent="-231607" algn="l" defTabSz="1218987" rtl="0" eaLnBrk="1" latinLnBrk="0" hangingPunct="1">
+              <a:lnSpc>
+                <a:spcPct val="90000"/>
+              </a:lnSpc>
+              <a:spcBef>
+                <a:spcPts val="800"/>
+              </a:spcBef>
+              <a:buClr>
+                <a:schemeClr val="accent1"/>
+              </a:buClr>
+              <a:buSzPct val="80000"/>
+              <a:buFont typeface="Arial" pitchFamily="34" charset="0"/>
+              <a:buChar char="•"/>
+              <a:defRPr sz="2000" kern="1200">
+                <a:solidFill>
+                  <a:schemeClr val="tx1"/>
+                </a:solidFill>
+                <a:latin typeface="+mn-lt"/>
+                <a:ea typeface="+mn-ea"/>
+                <a:cs typeface="+mn-cs"/>
+              </a:defRPr>
+            </a:lvl7pPr>
+            <a:lvl8pPr marL="2437973" indent="-231607" algn="l" defTabSz="1218987" rtl="0" eaLnBrk="1" latinLnBrk="0" hangingPunct="1">
+              <a:lnSpc>
+                <a:spcPct val="90000"/>
+              </a:lnSpc>
+              <a:spcBef>
+                <a:spcPts val="800"/>
+              </a:spcBef>
+              <a:buClr>
+                <a:schemeClr val="accent1"/>
+              </a:buClr>
+              <a:buSzPct val="80000"/>
+              <a:buFont typeface="Arial" pitchFamily="34" charset="0"/>
+              <a:buChar char="•"/>
+              <a:defRPr sz="2000" kern="1200" baseline="0">
+                <a:solidFill>
+                  <a:schemeClr val="tx1"/>
+                </a:solidFill>
+                <a:latin typeface="+mn-lt"/>
+                <a:ea typeface="+mn-ea"/>
+                <a:cs typeface="+mn-cs"/>
+              </a:defRPr>
+            </a:lvl8pPr>
+            <a:lvl9pPr marL="2742720" indent="-231607" algn="l" defTabSz="1218987" rtl="0" eaLnBrk="1" latinLnBrk="0" hangingPunct="1">
+              <a:lnSpc>
+                <a:spcPct val="90000"/>
+              </a:lnSpc>
+              <a:spcBef>
+                <a:spcPts val="800"/>
+              </a:spcBef>
+              <a:buClr>
+                <a:schemeClr val="accent1"/>
+              </a:buClr>
+              <a:buSzPct val="80000"/>
+              <a:buFont typeface="Arial" pitchFamily="34" charset="0"/>
+              <a:buChar char="•"/>
+              <a:defRPr sz="2000" kern="1200" baseline="0">
+                <a:solidFill>
+                  <a:schemeClr val="tx1"/>
+                </a:solidFill>
+                <a:latin typeface="+mn-lt"/>
+                <a:ea typeface="+mn-ea"/>
+                <a:cs typeface="+mn-cs"/>
+              </a:defRPr>
+            </a:lvl9pPr>
+          </a:lstStyle>
+          <a:p>
+            <a:r>
+              <a:rPr lang="fr-FR" dirty="0" smtClean="0"/>
+              <a:t>Autocorrection des irréductibles timbreurs </a:t>
+            </a:r>
+            <a:r>
+              <a:rPr lang="fr-FR" dirty="0" smtClean="0">
+                <a:solidFill>
+                  <a:srgbClr val="00B050"/>
+                </a:solidFill>
+              </a:rPr>
+              <a:t>✔</a:t>
+            </a:r>
+            <a:endParaRPr lang="fr-FR" dirty="0" smtClean="0">
+              <a:solidFill>
+                <a:srgbClr val="FF0000"/>
+              </a:solidFill>
+            </a:endParaRPr>
+          </a:p>
+        </p:txBody>
+      </p:sp>
+      <p:pic>
+        <p:nvPicPr>
+          <p:cNvPr id="14" name="Image 13"/>
           <p:cNvPicPr>
             <a:picLocks noChangeAspect="1"/>
           </p:cNvPicPr>
@@ -6053,8 +10886,8 @@
         </p:blipFill>
         <p:spPr>
           <a:xfrm>
-            <a:off x="8110636" y="188640"/>
-            <a:ext cx="3861420" cy="4762419"/>
+            <a:off x="8686700" y="2258966"/>
+            <a:ext cx="3357364" cy="4140750"/>
           </a:xfrm>
           <a:prstGeom prst="rect">
             <a:avLst/>
@@ -6064,7 +10897,7 @@
     </p:spTree>
     <p:extLst>
       <p:ext uri="{BB962C8B-B14F-4D97-AF65-F5344CB8AC3E}">
-        <p14:creationId xmlns:p14="http://schemas.microsoft.com/office/powerpoint/2010/main" val="3436479394"/>
+        <p14:creationId xmlns:p14="http://schemas.microsoft.com/office/powerpoint/2010/main" val="3455622454"/>
       </p:ext>
     </p:extLst>
   </p:cSld>
@@ -6083,6 +10916,2660 @@
       </p:transition>
     </mc:Fallback>
   </mc:AlternateContent>
+  <p:timing>
+    <p:tnLst>
+      <p:par>
+        <p:cTn id="1" dur="indefinite" restart="never" nodeType="tmRoot">
+          <p:childTnLst>
+            <p:seq concurrent="1" nextAc="seek">
+              <p:cTn id="2" dur="indefinite" nodeType="mainSeq">
+                <p:childTnLst>
+                  <p:par>
+                    <p:cTn id="3" fill="hold">
+                      <p:stCondLst>
+                        <p:cond delay="indefinite"/>
+                      </p:stCondLst>
+                      <p:childTnLst>
+                        <p:par>
+                          <p:cTn id="4" fill="hold">
+                            <p:stCondLst>
+                              <p:cond delay="0"/>
+                            </p:stCondLst>
+                            <p:childTnLst>
+                              <p:par>
+                                <p:cTn id="5" presetID="10" presetClass="entr" presetSubtype="0" fill="hold" nodeType="clickEffect">
+                                  <p:stCondLst>
+                                    <p:cond delay="0"/>
+                                  </p:stCondLst>
+                                  <p:childTnLst>
+                                    <p:set>
+                                      <p:cBhvr>
+                                        <p:cTn id="6" dur="1" fill="hold">
+                                          <p:stCondLst>
+                                            <p:cond delay="0"/>
+                                          </p:stCondLst>
+                                        </p:cTn>
+                                        <p:tgtEl>
+                                          <p:spTgt spid="3">
+                                            <p:txEl>
+                                              <p:pRg st="0" end="0"/>
+                                            </p:txEl>
+                                          </p:spTgt>
+                                        </p:tgtEl>
+                                        <p:attrNameLst>
+                                          <p:attrName>style.visibility</p:attrName>
+                                        </p:attrNameLst>
+                                      </p:cBhvr>
+                                      <p:to>
+                                        <p:strVal val="visible"/>
+                                      </p:to>
+                                    </p:set>
+                                    <p:animEffect transition="in" filter="fade">
+                                      <p:cBhvr>
+                                        <p:cTn id="7" dur="500"/>
+                                        <p:tgtEl>
+                                          <p:spTgt spid="3">
+                                            <p:txEl>
+                                              <p:pRg st="0" end="0"/>
+                                            </p:txEl>
+                                          </p:spTgt>
+                                        </p:tgtEl>
+                                      </p:cBhvr>
+                                    </p:animEffect>
+                                  </p:childTnLst>
+                                </p:cTn>
+                              </p:par>
+                            </p:childTnLst>
+                          </p:cTn>
+                        </p:par>
+                      </p:childTnLst>
+                    </p:cTn>
+                  </p:par>
+                  <p:par>
+                    <p:cTn id="8" fill="hold">
+                      <p:stCondLst>
+                        <p:cond delay="indefinite"/>
+                      </p:stCondLst>
+                      <p:childTnLst>
+                        <p:par>
+                          <p:cTn id="9" fill="hold">
+                            <p:stCondLst>
+                              <p:cond delay="0"/>
+                            </p:stCondLst>
+                            <p:childTnLst>
+                              <p:par>
+                                <p:cTn id="10" presetID="10" presetClass="entr" presetSubtype="0" fill="hold" nodeType="clickEffect">
+                                  <p:stCondLst>
+                                    <p:cond delay="0"/>
+                                  </p:stCondLst>
+                                  <p:childTnLst>
+                                    <p:set>
+                                      <p:cBhvr>
+                                        <p:cTn id="11" dur="1" fill="hold">
+                                          <p:stCondLst>
+                                            <p:cond delay="0"/>
+                                          </p:stCondLst>
+                                        </p:cTn>
+                                        <p:tgtEl>
+                                          <p:spTgt spid="4">
+                                            <p:txEl>
+                                              <p:pRg st="0" end="0"/>
+                                            </p:txEl>
+                                          </p:spTgt>
+                                        </p:tgtEl>
+                                        <p:attrNameLst>
+                                          <p:attrName>style.visibility</p:attrName>
+                                        </p:attrNameLst>
+                                      </p:cBhvr>
+                                      <p:to>
+                                        <p:strVal val="visible"/>
+                                      </p:to>
+                                    </p:set>
+                                    <p:animEffect transition="in" filter="fade">
+                                      <p:cBhvr>
+                                        <p:cTn id="12" dur="500"/>
+                                        <p:tgtEl>
+                                          <p:spTgt spid="4">
+                                            <p:txEl>
+                                              <p:pRg st="0" end="0"/>
+                                            </p:txEl>
+                                          </p:spTgt>
+                                        </p:tgtEl>
+                                      </p:cBhvr>
+                                    </p:animEffect>
+                                  </p:childTnLst>
+                                </p:cTn>
+                              </p:par>
+                            </p:childTnLst>
+                          </p:cTn>
+                        </p:par>
+                      </p:childTnLst>
+                    </p:cTn>
+                  </p:par>
+                  <p:par>
+                    <p:cTn id="13" fill="hold">
+                      <p:stCondLst>
+                        <p:cond delay="indefinite"/>
+                      </p:stCondLst>
+                      <p:childTnLst>
+                        <p:par>
+                          <p:cTn id="14" fill="hold">
+                            <p:stCondLst>
+                              <p:cond delay="0"/>
+                            </p:stCondLst>
+                            <p:childTnLst>
+                              <p:par>
+                                <p:cTn id="15" presetID="10" presetClass="entr" presetSubtype="0" fill="hold" nodeType="clickEffect">
+                                  <p:stCondLst>
+                                    <p:cond delay="0"/>
+                                  </p:stCondLst>
+                                  <p:childTnLst>
+                                    <p:set>
+                                      <p:cBhvr>
+                                        <p:cTn id="16" dur="1" fill="hold">
+                                          <p:stCondLst>
+                                            <p:cond delay="0"/>
+                                          </p:stCondLst>
+                                        </p:cTn>
+                                        <p:tgtEl>
+                                          <p:spTgt spid="5">
+                                            <p:txEl>
+                                              <p:pRg st="0" end="0"/>
+                                            </p:txEl>
+                                          </p:spTgt>
+                                        </p:tgtEl>
+                                        <p:attrNameLst>
+                                          <p:attrName>style.visibility</p:attrName>
+                                        </p:attrNameLst>
+                                      </p:cBhvr>
+                                      <p:to>
+                                        <p:strVal val="visible"/>
+                                      </p:to>
+                                    </p:set>
+                                    <p:animEffect transition="in" filter="fade">
+                                      <p:cBhvr>
+                                        <p:cTn id="17" dur="500"/>
+                                        <p:tgtEl>
+                                          <p:spTgt spid="5">
+                                            <p:txEl>
+                                              <p:pRg st="0" end="0"/>
+                                            </p:txEl>
+                                          </p:spTgt>
+                                        </p:tgtEl>
+                                      </p:cBhvr>
+                                    </p:animEffect>
+                                  </p:childTnLst>
+                                </p:cTn>
+                              </p:par>
+                            </p:childTnLst>
+                          </p:cTn>
+                        </p:par>
+                      </p:childTnLst>
+                    </p:cTn>
+                  </p:par>
+                  <p:par>
+                    <p:cTn id="18" fill="hold">
+                      <p:stCondLst>
+                        <p:cond delay="indefinite"/>
+                      </p:stCondLst>
+                      <p:childTnLst>
+                        <p:par>
+                          <p:cTn id="19" fill="hold">
+                            <p:stCondLst>
+                              <p:cond delay="0"/>
+                            </p:stCondLst>
+                            <p:childTnLst>
+                              <p:par>
+                                <p:cTn id="20" presetID="10" presetClass="entr" presetSubtype="0" fill="hold" nodeType="clickEffect">
+                                  <p:stCondLst>
+                                    <p:cond delay="0"/>
+                                  </p:stCondLst>
+                                  <p:childTnLst>
+                                    <p:set>
+                                      <p:cBhvr>
+                                        <p:cTn id="21" dur="1" fill="hold">
+                                          <p:stCondLst>
+                                            <p:cond delay="0"/>
+                                          </p:stCondLst>
+                                        </p:cTn>
+                                        <p:tgtEl>
+                                          <p:spTgt spid="6">
+                                            <p:txEl>
+                                              <p:pRg st="0" end="0"/>
+                                            </p:txEl>
+                                          </p:spTgt>
+                                        </p:tgtEl>
+                                        <p:attrNameLst>
+                                          <p:attrName>style.visibility</p:attrName>
+                                        </p:attrNameLst>
+                                      </p:cBhvr>
+                                      <p:to>
+                                        <p:strVal val="visible"/>
+                                      </p:to>
+                                    </p:set>
+                                    <p:animEffect transition="in" filter="fade">
+                                      <p:cBhvr>
+                                        <p:cTn id="22" dur="500"/>
+                                        <p:tgtEl>
+                                          <p:spTgt spid="6">
+                                            <p:txEl>
+                                              <p:pRg st="0" end="0"/>
+                                            </p:txEl>
+                                          </p:spTgt>
+                                        </p:tgtEl>
+                                      </p:cBhvr>
+                                    </p:animEffect>
+                                  </p:childTnLst>
+                                </p:cTn>
+                              </p:par>
+                            </p:childTnLst>
+                          </p:cTn>
+                        </p:par>
+                      </p:childTnLst>
+                    </p:cTn>
+                  </p:par>
+                  <p:par>
+                    <p:cTn id="23" fill="hold">
+                      <p:stCondLst>
+                        <p:cond delay="indefinite"/>
+                      </p:stCondLst>
+                      <p:childTnLst>
+                        <p:par>
+                          <p:cTn id="24" fill="hold">
+                            <p:stCondLst>
+                              <p:cond delay="0"/>
+                            </p:stCondLst>
+                            <p:childTnLst>
+                              <p:par>
+                                <p:cTn id="25" presetID="10" presetClass="entr" presetSubtype="0" fill="hold" nodeType="clickEffect">
+                                  <p:stCondLst>
+                                    <p:cond delay="0"/>
+                                  </p:stCondLst>
+                                  <p:childTnLst>
+                                    <p:set>
+                                      <p:cBhvr>
+                                        <p:cTn id="26" dur="1" fill="hold">
+                                          <p:stCondLst>
+                                            <p:cond delay="0"/>
+                                          </p:stCondLst>
+                                        </p:cTn>
+                                        <p:tgtEl>
+                                          <p:spTgt spid="7">
+                                            <p:txEl>
+                                              <p:pRg st="0" end="0"/>
+                                            </p:txEl>
+                                          </p:spTgt>
+                                        </p:tgtEl>
+                                        <p:attrNameLst>
+                                          <p:attrName>style.visibility</p:attrName>
+                                        </p:attrNameLst>
+                                      </p:cBhvr>
+                                      <p:to>
+                                        <p:strVal val="visible"/>
+                                      </p:to>
+                                    </p:set>
+                                    <p:animEffect transition="in" filter="fade">
+                                      <p:cBhvr>
+                                        <p:cTn id="27" dur="500"/>
+                                        <p:tgtEl>
+                                          <p:spTgt spid="7">
+                                            <p:txEl>
+                                              <p:pRg st="0" end="0"/>
+                                            </p:txEl>
+                                          </p:spTgt>
+                                        </p:tgtEl>
+                                      </p:cBhvr>
+                                    </p:animEffect>
+                                  </p:childTnLst>
+                                </p:cTn>
+                              </p:par>
+                            </p:childTnLst>
+                          </p:cTn>
+                        </p:par>
+                      </p:childTnLst>
+                    </p:cTn>
+                  </p:par>
+                  <p:par>
+                    <p:cTn id="28" fill="hold">
+                      <p:stCondLst>
+                        <p:cond delay="indefinite"/>
+                      </p:stCondLst>
+                      <p:childTnLst>
+                        <p:par>
+                          <p:cTn id="29" fill="hold">
+                            <p:stCondLst>
+                              <p:cond delay="0"/>
+                            </p:stCondLst>
+                            <p:childTnLst>
+                              <p:par>
+                                <p:cTn id="30" presetID="10" presetClass="entr" presetSubtype="0" fill="hold" nodeType="clickEffect">
+                                  <p:stCondLst>
+                                    <p:cond delay="0"/>
+                                  </p:stCondLst>
+                                  <p:childTnLst>
+                                    <p:set>
+                                      <p:cBhvr>
+                                        <p:cTn id="31" dur="1" fill="hold">
+                                          <p:stCondLst>
+                                            <p:cond delay="0"/>
+                                          </p:stCondLst>
+                                        </p:cTn>
+                                        <p:tgtEl>
+                                          <p:spTgt spid="13">
+                                            <p:txEl>
+                                              <p:pRg st="0" end="0"/>
+                                            </p:txEl>
+                                          </p:spTgt>
+                                        </p:tgtEl>
+                                        <p:attrNameLst>
+                                          <p:attrName>style.visibility</p:attrName>
+                                        </p:attrNameLst>
+                                      </p:cBhvr>
+                                      <p:to>
+                                        <p:strVal val="visible"/>
+                                      </p:to>
+                                    </p:set>
+                                    <p:animEffect transition="in" filter="fade">
+                                      <p:cBhvr>
+                                        <p:cTn id="32" dur="500"/>
+                                        <p:tgtEl>
+                                          <p:spTgt spid="13">
+                                            <p:txEl>
+                                              <p:pRg st="0" end="0"/>
+                                            </p:txEl>
+                                          </p:spTgt>
+                                        </p:tgtEl>
+                                      </p:cBhvr>
+                                    </p:animEffect>
+                                  </p:childTnLst>
+                                </p:cTn>
+                              </p:par>
+                              <p:par>
+                                <p:cTn id="33" presetID="10" presetClass="entr" presetSubtype="0" fill="hold" nodeType="withEffect">
+                                  <p:stCondLst>
+                                    <p:cond delay="0"/>
+                                  </p:stCondLst>
+                                  <p:childTnLst>
+                                    <p:set>
+                                      <p:cBhvr>
+                                        <p:cTn id="34" dur="1" fill="hold">
+                                          <p:stCondLst>
+                                            <p:cond delay="0"/>
+                                          </p:stCondLst>
+                                        </p:cTn>
+                                        <p:tgtEl>
+                                          <p:spTgt spid="14"/>
+                                        </p:tgtEl>
+                                        <p:attrNameLst>
+                                          <p:attrName>style.visibility</p:attrName>
+                                        </p:attrNameLst>
+                                      </p:cBhvr>
+                                      <p:to>
+                                        <p:strVal val="visible"/>
+                                      </p:to>
+                                    </p:set>
+                                    <p:animEffect transition="in" filter="fade">
+                                      <p:cBhvr>
+                                        <p:cTn id="35" dur="500"/>
+                                        <p:tgtEl>
+                                          <p:spTgt spid="14"/>
+                                        </p:tgtEl>
+                                      </p:cBhvr>
+                                    </p:animEffect>
+                                  </p:childTnLst>
+                                </p:cTn>
+                              </p:par>
+                            </p:childTnLst>
+                          </p:cTn>
+                        </p:par>
+                      </p:childTnLst>
+                    </p:cTn>
+                  </p:par>
+                </p:childTnLst>
+              </p:cTn>
+              <p:prevCondLst>
+                <p:cond evt="onPrev" delay="0">
+                  <p:tgtEl>
+                    <p:sldTgt/>
+                  </p:tgtEl>
+                </p:cond>
+              </p:prevCondLst>
+              <p:nextCondLst>
+                <p:cond evt="onNext" delay="0">
+                  <p:tgtEl>
+                    <p:sldTgt/>
+                  </p:tgtEl>
+                </p:cond>
+              </p:nextCondLst>
+            </p:seq>
+          </p:childTnLst>
+        </p:cTn>
+      </p:par>
+    </p:tnLst>
+  </p:timing>
+</p:sld>
+</file>
+
+<file path=ppt/slides/slide5.xml><?xml version="1.0" encoding="utf-8"?>
+<p:sld xmlns:a="http://schemas.openxmlformats.org/drawingml/2006/main" xmlns:r="http://schemas.openxmlformats.org/officeDocument/2006/relationships" xmlns:p="http://schemas.openxmlformats.org/presentationml/2006/main">
+  <p:cSld>
+    <p:spTree>
+      <p:nvGrpSpPr>
+        <p:cNvPr id="1" name=""/>
+        <p:cNvGrpSpPr/>
+        <p:nvPr/>
+      </p:nvGrpSpPr>
+      <p:grpSpPr>
+        <a:xfrm>
+          <a:off x="0" y="0"/>
+          <a:ext cx="0" cy="0"/>
+          <a:chOff x="0" y="0"/>
+          <a:chExt cx="0" cy="0"/>
+        </a:xfrm>
+      </p:grpSpPr>
+      <p:sp>
+        <p:nvSpPr>
+          <p:cNvPr id="2" name="Titre 1"/>
+          <p:cNvSpPr>
+            <a:spLocks noGrp="1"/>
+          </p:cNvSpPr>
+          <p:nvPr>
+            <p:ph type="title"/>
+          </p:nvPr>
+        </p:nvSpPr>
+        <p:spPr/>
+        <p:txBody>
+          <a:bodyPr/>
+          <a:lstStyle/>
+          <a:p>
+            <a:r>
+              <a:rPr lang="fr-FR" dirty="0" smtClean="0"/>
+              <a:t>Redondance des informations</a:t>
+            </a:r>
+            <a:endParaRPr lang="fr-FR" dirty="0"/>
+          </a:p>
+        </p:txBody>
+      </p:sp>
+      <p:sp>
+        <p:nvSpPr>
+          <p:cNvPr id="4" name="Ellipse 3"/>
+          <p:cNvSpPr/>
+          <p:nvPr/>
+        </p:nvSpPr>
+        <p:spPr>
+          <a:xfrm>
+            <a:off x="4870276" y="4365104"/>
+            <a:ext cx="2304256" cy="2376264"/>
+          </a:xfrm>
+          <a:prstGeom prst="ellipse">
+            <a:avLst/>
+          </a:prstGeom>
+        </p:spPr>
+        <p:style>
+          <a:lnRef idx="2">
+            <a:schemeClr val="accent4">
+              <a:shade val="50000"/>
+            </a:schemeClr>
+          </a:lnRef>
+          <a:fillRef idx="1">
+            <a:schemeClr val="accent4"/>
+          </a:fillRef>
+          <a:effectRef idx="0">
+            <a:schemeClr val="accent4"/>
+          </a:effectRef>
+          <a:fontRef idx="minor">
+            <a:schemeClr val="lt1"/>
+          </a:fontRef>
+        </p:style>
+        <p:txBody>
+          <a:bodyPr rtlCol="0" anchor="ctr"/>
+          <a:lstStyle/>
+          <a:p>
+            <a:pPr algn="ctr"/>
+            <a:r>
+              <a:rPr lang="fr-FR" sz="2800" dirty="0" smtClean="0"/>
+              <a:t>Serveur</a:t>
+            </a:r>
+            <a:endParaRPr lang="fr-FR" sz="2800" dirty="0"/>
+          </a:p>
+        </p:txBody>
+      </p:sp>
+      <p:sp>
+        <p:nvSpPr>
+          <p:cNvPr id="5" name="Ellipse 4"/>
+          <p:cNvSpPr/>
+          <p:nvPr/>
+        </p:nvSpPr>
+        <p:spPr>
+          <a:xfrm>
+            <a:off x="909836" y="1916832"/>
+            <a:ext cx="1440160" cy="1522918"/>
+          </a:xfrm>
+          <a:prstGeom prst="ellipse">
+            <a:avLst/>
+          </a:prstGeom>
+        </p:spPr>
+        <p:style>
+          <a:lnRef idx="2">
+            <a:schemeClr val="accent5">
+              <a:shade val="50000"/>
+            </a:schemeClr>
+          </a:lnRef>
+          <a:fillRef idx="1">
+            <a:schemeClr val="accent5"/>
+          </a:fillRef>
+          <a:effectRef idx="0">
+            <a:schemeClr val="accent5"/>
+          </a:effectRef>
+          <a:fontRef idx="minor">
+            <a:schemeClr val="lt1"/>
+          </a:fontRef>
+        </p:style>
+        <p:txBody>
+          <a:bodyPr rtlCol="0" anchor="ctr"/>
+          <a:lstStyle/>
+          <a:p>
+            <a:pPr algn="ctr"/>
+            <a:r>
+              <a:rPr lang="fr-FR" sz="1800" dirty="0" smtClean="0"/>
+              <a:t>Esclave</a:t>
+            </a:r>
+            <a:endParaRPr lang="fr-FR" sz="1800" dirty="0"/>
+          </a:p>
+        </p:txBody>
+      </p:sp>
+      <p:sp>
+        <p:nvSpPr>
+          <p:cNvPr id="6" name="Ellipse 5"/>
+          <p:cNvSpPr/>
+          <p:nvPr/>
+        </p:nvSpPr>
+        <p:spPr>
+          <a:xfrm>
+            <a:off x="3862164" y="1916832"/>
+            <a:ext cx="1440160" cy="1522918"/>
+          </a:xfrm>
+          <a:prstGeom prst="ellipse">
+            <a:avLst/>
+          </a:prstGeom>
+        </p:spPr>
+        <p:style>
+          <a:lnRef idx="2">
+            <a:schemeClr val="accent5">
+              <a:shade val="50000"/>
+            </a:schemeClr>
+          </a:lnRef>
+          <a:fillRef idx="1">
+            <a:schemeClr val="accent5"/>
+          </a:fillRef>
+          <a:effectRef idx="0">
+            <a:schemeClr val="accent5"/>
+          </a:effectRef>
+          <a:fontRef idx="minor">
+            <a:schemeClr val="lt1"/>
+          </a:fontRef>
+        </p:style>
+        <p:txBody>
+          <a:bodyPr rtlCol="0" anchor="ctr"/>
+          <a:lstStyle/>
+          <a:p>
+            <a:pPr algn="ctr"/>
+            <a:r>
+              <a:rPr lang="fr-FR" sz="1800" dirty="0" smtClean="0"/>
+              <a:t>Esclave</a:t>
+            </a:r>
+            <a:endParaRPr lang="fr-FR" sz="1800" dirty="0"/>
+          </a:p>
+        </p:txBody>
+      </p:sp>
+      <p:sp>
+        <p:nvSpPr>
+          <p:cNvPr id="7" name="Ellipse 6"/>
+          <p:cNvSpPr/>
+          <p:nvPr/>
+        </p:nvSpPr>
+        <p:spPr>
+          <a:xfrm>
+            <a:off x="6814492" y="1916832"/>
+            <a:ext cx="1440160" cy="1522918"/>
+          </a:xfrm>
+          <a:prstGeom prst="ellipse">
+            <a:avLst/>
+          </a:prstGeom>
+        </p:spPr>
+        <p:style>
+          <a:lnRef idx="2">
+            <a:schemeClr val="accent5">
+              <a:shade val="50000"/>
+            </a:schemeClr>
+          </a:lnRef>
+          <a:fillRef idx="1">
+            <a:schemeClr val="accent5"/>
+          </a:fillRef>
+          <a:effectRef idx="0">
+            <a:schemeClr val="accent5"/>
+          </a:effectRef>
+          <a:fontRef idx="minor">
+            <a:schemeClr val="lt1"/>
+          </a:fontRef>
+        </p:style>
+        <p:txBody>
+          <a:bodyPr rtlCol="0" anchor="ctr"/>
+          <a:lstStyle/>
+          <a:p>
+            <a:pPr algn="ctr"/>
+            <a:r>
+              <a:rPr lang="fr-FR" sz="1800" dirty="0" smtClean="0"/>
+              <a:t>Esclave</a:t>
+            </a:r>
+            <a:endParaRPr lang="fr-FR" sz="1800" dirty="0"/>
+          </a:p>
+        </p:txBody>
+      </p:sp>
+      <p:sp>
+        <p:nvSpPr>
+          <p:cNvPr id="8" name="Ellipse 7"/>
+          <p:cNvSpPr/>
+          <p:nvPr/>
+        </p:nvSpPr>
+        <p:spPr>
+          <a:xfrm>
+            <a:off x="9766820" y="1916832"/>
+            <a:ext cx="1440160" cy="1522918"/>
+          </a:xfrm>
+          <a:prstGeom prst="ellipse">
+            <a:avLst/>
+          </a:prstGeom>
+        </p:spPr>
+        <p:style>
+          <a:lnRef idx="2">
+            <a:schemeClr val="accent5">
+              <a:shade val="50000"/>
+            </a:schemeClr>
+          </a:lnRef>
+          <a:fillRef idx="1">
+            <a:schemeClr val="accent5"/>
+          </a:fillRef>
+          <a:effectRef idx="0">
+            <a:schemeClr val="accent5"/>
+          </a:effectRef>
+          <a:fontRef idx="minor">
+            <a:schemeClr val="lt1"/>
+          </a:fontRef>
+        </p:style>
+        <p:txBody>
+          <a:bodyPr rtlCol="0" anchor="ctr"/>
+          <a:lstStyle/>
+          <a:p>
+            <a:pPr algn="ctr"/>
+            <a:r>
+              <a:rPr lang="fr-FR" sz="1800" dirty="0" smtClean="0"/>
+              <a:t>Esclave</a:t>
+            </a:r>
+            <a:endParaRPr lang="fr-FR" sz="1800" dirty="0"/>
+          </a:p>
+        </p:txBody>
+      </p:sp>
+      <p:cxnSp>
+        <p:nvCxnSpPr>
+          <p:cNvPr id="18" name="Connecteur droit avec flèche 17"/>
+          <p:cNvCxnSpPr>
+            <a:stCxn id="5" idx="7"/>
+            <a:endCxn id="6" idx="1"/>
+          </p:cNvCxnSpPr>
+          <p:nvPr/>
+        </p:nvCxnSpPr>
+        <p:spPr>
+          <a:xfrm rot="5400000" flipH="1" flipV="1">
+            <a:off x="3106080" y="1172867"/>
+            <a:ext cx="12700" cy="1933982"/>
+          </a:xfrm>
+          <a:prstGeom prst="curvedConnector3">
+            <a:avLst>
+              <a:gd name="adj1" fmla="val 3556110"/>
+            </a:avLst>
+          </a:prstGeom>
+          <a:ln>
+            <a:tailEnd type="triangle"/>
+          </a:ln>
+        </p:spPr>
+        <p:style>
+          <a:lnRef idx="3">
+            <a:schemeClr val="accent3"/>
+          </a:lnRef>
+          <a:fillRef idx="0">
+            <a:schemeClr val="accent3"/>
+          </a:fillRef>
+          <a:effectRef idx="2">
+            <a:schemeClr val="accent3"/>
+          </a:effectRef>
+          <a:fontRef idx="minor">
+            <a:schemeClr val="tx1"/>
+          </a:fontRef>
+        </p:style>
+      </p:cxnSp>
+      <p:cxnSp>
+        <p:nvCxnSpPr>
+          <p:cNvPr id="19" name="Connecteur droit avec flèche 18"/>
+          <p:cNvCxnSpPr>
+            <a:stCxn id="5" idx="7"/>
+            <a:endCxn id="7" idx="1"/>
+          </p:cNvCxnSpPr>
+          <p:nvPr/>
+        </p:nvCxnSpPr>
+        <p:spPr>
+          <a:xfrm rot="5400000" flipH="1" flipV="1">
+            <a:off x="4582244" y="-303297"/>
+            <a:ext cx="12700" cy="4886310"/>
+          </a:xfrm>
+          <a:prstGeom prst="curvedConnector3">
+            <a:avLst>
+              <a:gd name="adj1" fmla="val 5391409"/>
+            </a:avLst>
+          </a:prstGeom>
+          <a:ln>
+            <a:tailEnd type="triangle"/>
+          </a:ln>
+        </p:spPr>
+        <p:style>
+          <a:lnRef idx="3">
+            <a:schemeClr val="accent3"/>
+          </a:lnRef>
+          <a:fillRef idx="0">
+            <a:schemeClr val="accent3"/>
+          </a:fillRef>
+          <a:effectRef idx="2">
+            <a:schemeClr val="accent3"/>
+          </a:effectRef>
+          <a:fontRef idx="minor">
+            <a:schemeClr val="tx1"/>
+          </a:fontRef>
+        </p:style>
+      </p:cxnSp>
+      <p:cxnSp>
+        <p:nvCxnSpPr>
+          <p:cNvPr id="22" name="Connecteur droit avec flèche 21"/>
+          <p:cNvCxnSpPr>
+            <a:stCxn id="5" idx="7"/>
+            <a:endCxn id="8" idx="1"/>
+          </p:cNvCxnSpPr>
+          <p:nvPr/>
+        </p:nvCxnSpPr>
+        <p:spPr>
+          <a:xfrm rot="5400000" flipH="1" flipV="1">
+            <a:off x="6058408" y="-1779461"/>
+            <a:ext cx="12700" cy="7838638"/>
+          </a:xfrm>
+          <a:prstGeom prst="curvedConnector3">
+            <a:avLst>
+              <a:gd name="adj1" fmla="val 6309047"/>
+            </a:avLst>
+          </a:prstGeom>
+          <a:ln>
+            <a:tailEnd type="triangle"/>
+          </a:ln>
+        </p:spPr>
+        <p:style>
+          <a:lnRef idx="3">
+            <a:schemeClr val="accent3"/>
+          </a:lnRef>
+          <a:fillRef idx="0">
+            <a:schemeClr val="accent3"/>
+          </a:fillRef>
+          <a:effectRef idx="2">
+            <a:schemeClr val="accent3"/>
+          </a:effectRef>
+          <a:fontRef idx="minor">
+            <a:schemeClr val="tx1"/>
+          </a:fontRef>
+        </p:style>
+      </p:cxnSp>
+      <p:sp>
+        <p:nvSpPr>
+          <p:cNvPr id="25" name="Organigramme : Processus 24"/>
+          <p:cNvSpPr/>
+          <p:nvPr/>
+        </p:nvSpPr>
+        <p:spPr>
+          <a:xfrm>
+            <a:off x="8968550" y="401011"/>
+            <a:ext cx="3036700" cy="877912"/>
+          </a:xfrm>
+          <a:prstGeom prst="flowChartProcess">
+            <a:avLst/>
+          </a:prstGeom>
+        </p:spPr>
+        <p:style>
+          <a:lnRef idx="2">
+            <a:schemeClr val="accent1">
+              <a:shade val="50000"/>
+            </a:schemeClr>
+          </a:lnRef>
+          <a:fillRef idx="1">
+            <a:schemeClr val="accent1"/>
+          </a:fillRef>
+          <a:effectRef idx="0">
+            <a:schemeClr val="accent1"/>
+          </a:effectRef>
+          <a:fontRef idx="minor">
+            <a:schemeClr val="lt1"/>
+          </a:fontRef>
+        </p:style>
+        <p:txBody>
+          <a:bodyPr rtlCol="0" anchor="ctr"/>
+          <a:lstStyle/>
+          <a:p>
+            <a:pPr algn="ctr"/>
+            <a:r>
+              <a:rPr lang="fr-FR" sz="2800" dirty="0" smtClean="0"/>
+              <a:t>Prof + USB + Tag ma</a:t>
+            </a:r>
+            <a:r>
+              <a:rPr lang="fr-FR" sz="2800" dirty="0" smtClean="0"/>
+              <a:t>î</a:t>
+            </a:r>
+            <a:r>
+              <a:rPr lang="fr-FR" sz="2800" dirty="0" smtClean="0"/>
+              <a:t>tre</a:t>
+            </a:r>
+            <a:endParaRPr lang="fr-FR" sz="2800" dirty="0"/>
+          </a:p>
+        </p:txBody>
+      </p:sp>
+      <p:cxnSp>
+        <p:nvCxnSpPr>
+          <p:cNvPr id="27" name="Connecteur droit avec flèche 26"/>
+          <p:cNvCxnSpPr>
+            <a:stCxn id="8" idx="7"/>
+            <a:endCxn id="25" idx="2"/>
+          </p:cNvCxnSpPr>
+          <p:nvPr/>
+        </p:nvCxnSpPr>
+        <p:spPr>
+          <a:xfrm flipH="1" flipV="1">
+            <a:off x="10486900" y="1278923"/>
+            <a:ext cx="509173" cy="860935"/>
+          </a:xfrm>
+          <a:prstGeom prst="straightConnector1">
+            <a:avLst/>
+          </a:prstGeom>
+          <a:ln>
+            <a:tailEnd type="triangle"/>
+          </a:ln>
+        </p:spPr>
+        <p:style>
+          <a:lnRef idx="3">
+            <a:schemeClr val="accent1"/>
+          </a:lnRef>
+          <a:fillRef idx="0">
+            <a:schemeClr val="accent1"/>
+          </a:fillRef>
+          <a:effectRef idx="2">
+            <a:schemeClr val="accent1"/>
+          </a:effectRef>
+          <a:fontRef idx="minor">
+            <a:schemeClr val="tx1"/>
+          </a:fontRef>
+        </p:style>
+      </p:cxnSp>
+      <p:cxnSp>
+        <p:nvCxnSpPr>
+          <p:cNvPr id="29" name="Connecteur droit avec flèche 28"/>
+          <p:cNvCxnSpPr>
+            <a:stCxn id="25" idx="2"/>
+            <a:endCxn id="8" idx="1"/>
+          </p:cNvCxnSpPr>
+          <p:nvPr/>
+        </p:nvCxnSpPr>
+        <p:spPr>
+          <a:xfrm flipH="1">
+            <a:off x="9977727" y="1278923"/>
+            <a:ext cx="509173" cy="860935"/>
+          </a:xfrm>
+          <a:prstGeom prst="straightConnector1">
+            <a:avLst/>
+          </a:prstGeom>
+          <a:ln>
+            <a:tailEnd type="triangle"/>
+          </a:ln>
+        </p:spPr>
+        <p:style>
+          <a:lnRef idx="3">
+            <a:schemeClr val="accent1"/>
+          </a:lnRef>
+          <a:fillRef idx="0">
+            <a:schemeClr val="accent1"/>
+          </a:fillRef>
+          <a:effectRef idx="2">
+            <a:schemeClr val="accent1"/>
+          </a:effectRef>
+          <a:fontRef idx="minor">
+            <a:schemeClr val="tx1"/>
+          </a:fontRef>
+        </p:style>
+      </p:cxnSp>
+      <p:sp>
+        <p:nvSpPr>
+          <p:cNvPr id="30" name="Ellipse 29"/>
+          <p:cNvSpPr/>
+          <p:nvPr/>
+        </p:nvSpPr>
+        <p:spPr>
+          <a:xfrm>
+            <a:off x="698929" y="4791777"/>
+            <a:ext cx="1440160" cy="1522918"/>
+          </a:xfrm>
+          <a:prstGeom prst="ellipse">
+            <a:avLst/>
+          </a:prstGeom>
+        </p:spPr>
+        <p:style>
+          <a:lnRef idx="2">
+            <a:schemeClr val="accent6">
+              <a:shade val="50000"/>
+            </a:schemeClr>
+          </a:lnRef>
+          <a:fillRef idx="1">
+            <a:schemeClr val="accent6"/>
+          </a:fillRef>
+          <a:effectRef idx="0">
+            <a:schemeClr val="accent6"/>
+          </a:effectRef>
+          <a:fontRef idx="minor">
+            <a:schemeClr val="lt1"/>
+          </a:fontRef>
+        </p:style>
+        <p:txBody>
+          <a:bodyPr rtlCol="0" anchor="ctr"/>
+          <a:lstStyle/>
+          <a:p>
+            <a:pPr algn="ctr"/>
+            <a:r>
+              <a:rPr lang="fr-FR" sz="1800" dirty="0" smtClean="0"/>
+              <a:t>Client</a:t>
+            </a:r>
+            <a:endParaRPr lang="fr-FR" sz="1800" dirty="0"/>
+          </a:p>
+        </p:txBody>
+      </p:sp>
+      <p:cxnSp>
+        <p:nvCxnSpPr>
+          <p:cNvPr id="32" name="Connecteur droit avec flèche 31"/>
+          <p:cNvCxnSpPr>
+            <a:stCxn id="30" idx="6"/>
+            <a:endCxn id="4" idx="2"/>
+          </p:cNvCxnSpPr>
+          <p:nvPr/>
+        </p:nvCxnSpPr>
+        <p:spPr>
+          <a:xfrm>
+            <a:off x="2139089" y="5553236"/>
+            <a:ext cx="2731187" cy="0"/>
+          </a:xfrm>
+          <a:prstGeom prst="straightConnector1">
+            <a:avLst/>
+          </a:prstGeom>
+          <a:ln>
+            <a:headEnd type="triangle"/>
+            <a:tailEnd type="triangle"/>
+          </a:ln>
+        </p:spPr>
+        <p:style>
+          <a:lnRef idx="3">
+            <a:schemeClr val="accent6"/>
+          </a:lnRef>
+          <a:fillRef idx="0">
+            <a:schemeClr val="accent6"/>
+          </a:fillRef>
+          <a:effectRef idx="2">
+            <a:schemeClr val="accent6"/>
+          </a:effectRef>
+          <a:fontRef idx="minor">
+            <a:schemeClr val="tx1"/>
+          </a:fontRef>
+        </p:style>
+      </p:cxnSp>
+      <p:cxnSp>
+        <p:nvCxnSpPr>
+          <p:cNvPr id="34" name="Connecteur droit avec flèche 33"/>
+          <p:cNvCxnSpPr>
+            <a:stCxn id="5" idx="5"/>
+            <a:endCxn id="4" idx="1"/>
+          </p:cNvCxnSpPr>
+          <p:nvPr/>
+        </p:nvCxnSpPr>
+        <p:spPr>
+          <a:xfrm>
+            <a:off x="2139089" y="3216724"/>
+            <a:ext cx="3068637" cy="1496376"/>
+          </a:xfrm>
+          <a:prstGeom prst="straightConnector1">
+            <a:avLst/>
+          </a:prstGeom>
+          <a:ln>
+            <a:headEnd type="triangle"/>
+            <a:tailEnd type="triangle"/>
+          </a:ln>
+        </p:spPr>
+        <p:style>
+          <a:lnRef idx="3">
+            <a:schemeClr val="accent5"/>
+          </a:lnRef>
+          <a:fillRef idx="0">
+            <a:schemeClr val="accent5"/>
+          </a:fillRef>
+          <a:effectRef idx="2">
+            <a:schemeClr val="accent5"/>
+          </a:effectRef>
+          <a:fontRef idx="minor">
+            <a:schemeClr val="tx1"/>
+          </a:fontRef>
+        </p:style>
+      </p:cxnSp>
+      <p:cxnSp>
+        <p:nvCxnSpPr>
+          <p:cNvPr id="35" name="Connecteur droit avec flèche 34"/>
+          <p:cNvCxnSpPr>
+            <a:stCxn id="6" idx="4"/>
+            <a:endCxn id="4" idx="1"/>
+          </p:cNvCxnSpPr>
+          <p:nvPr/>
+        </p:nvCxnSpPr>
+        <p:spPr>
+          <a:xfrm>
+            <a:off x="4582244" y="3439750"/>
+            <a:ext cx="625482" cy="1273350"/>
+          </a:xfrm>
+          <a:prstGeom prst="straightConnector1">
+            <a:avLst/>
+          </a:prstGeom>
+          <a:ln>
+            <a:headEnd type="triangle"/>
+            <a:tailEnd type="triangle"/>
+          </a:ln>
+        </p:spPr>
+        <p:style>
+          <a:lnRef idx="3">
+            <a:schemeClr val="accent5"/>
+          </a:lnRef>
+          <a:fillRef idx="0">
+            <a:schemeClr val="accent5"/>
+          </a:fillRef>
+          <a:effectRef idx="2">
+            <a:schemeClr val="accent5"/>
+          </a:effectRef>
+          <a:fontRef idx="minor">
+            <a:schemeClr val="tx1"/>
+          </a:fontRef>
+        </p:style>
+      </p:cxnSp>
+      <p:cxnSp>
+        <p:nvCxnSpPr>
+          <p:cNvPr id="38" name="Connecteur droit avec flèche 37"/>
+          <p:cNvCxnSpPr>
+            <a:stCxn id="7" idx="4"/>
+            <a:endCxn id="4" idx="7"/>
+          </p:cNvCxnSpPr>
+          <p:nvPr/>
+        </p:nvCxnSpPr>
+        <p:spPr>
+          <a:xfrm flipH="1">
+            <a:off x="6837082" y="3439750"/>
+            <a:ext cx="697490" cy="1273350"/>
+          </a:xfrm>
+          <a:prstGeom prst="straightConnector1">
+            <a:avLst/>
+          </a:prstGeom>
+          <a:ln>
+            <a:headEnd type="triangle"/>
+            <a:tailEnd type="triangle"/>
+          </a:ln>
+        </p:spPr>
+        <p:style>
+          <a:lnRef idx="3">
+            <a:schemeClr val="accent5"/>
+          </a:lnRef>
+          <a:fillRef idx="0">
+            <a:schemeClr val="accent5"/>
+          </a:fillRef>
+          <a:effectRef idx="2">
+            <a:schemeClr val="accent5"/>
+          </a:effectRef>
+          <a:fontRef idx="minor">
+            <a:schemeClr val="tx1"/>
+          </a:fontRef>
+        </p:style>
+      </p:cxnSp>
+      <p:cxnSp>
+        <p:nvCxnSpPr>
+          <p:cNvPr id="41" name="Connecteur droit avec flèche 40"/>
+          <p:cNvCxnSpPr>
+            <a:stCxn id="8" idx="4"/>
+            <a:endCxn id="4" idx="7"/>
+          </p:cNvCxnSpPr>
+          <p:nvPr/>
+        </p:nvCxnSpPr>
+        <p:spPr>
+          <a:xfrm flipH="1">
+            <a:off x="6837082" y="3439750"/>
+            <a:ext cx="3649818" cy="1273350"/>
+          </a:xfrm>
+          <a:prstGeom prst="straightConnector1">
+            <a:avLst/>
+          </a:prstGeom>
+          <a:ln>
+            <a:headEnd type="triangle"/>
+            <a:tailEnd type="triangle"/>
+          </a:ln>
+        </p:spPr>
+        <p:style>
+          <a:lnRef idx="3">
+            <a:schemeClr val="accent5"/>
+          </a:lnRef>
+          <a:fillRef idx="0">
+            <a:schemeClr val="accent5"/>
+          </a:fillRef>
+          <a:effectRef idx="2">
+            <a:schemeClr val="accent5"/>
+          </a:effectRef>
+          <a:fontRef idx="minor">
+            <a:schemeClr val="tx1"/>
+          </a:fontRef>
+        </p:style>
+      </p:cxnSp>
+      <p:sp>
+        <p:nvSpPr>
+          <p:cNvPr id="45" name="ZoneTexte 44"/>
+          <p:cNvSpPr txBox="1"/>
+          <p:nvPr/>
+        </p:nvSpPr>
+        <p:spPr>
+          <a:xfrm rot="1596820">
+            <a:off x="2964621" y="3338990"/>
+            <a:ext cx="1080120" cy="523220"/>
+          </a:xfrm>
+          <a:prstGeom prst="rect">
+            <a:avLst/>
+          </a:prstGeom>
+          <a:noFill/>
+        </p:spPr>
+        <p:txBody>
+          <a:bodyPr wrap="square" rtlCol="0">
+            <a:spAutoFit/>
+          </a:bodyPr>
+          <a:lstStyle/>
+          <a:p>
+            <a:r>
+              <a:rPr lang="fr-FR" sz="2800" dirty="0" smtClean="0"/>
+              <a:t>Tag</a:t>
+            </a:r>
+            <a:endParaRPr lang="fr-FR" sz="2800" dirty="0"/>
+          </a:p>
+        </p:txBody>
+      </p:sp>
+      <p:sp>
+        <p:nvSpPr>
+          <p:cNvPr id="46" name="ZoneTexte 45"/>
+          <p:cNvSpPr txBox="1"/>
+          <p:nvPr/>
+        </p:nvSpPr>
+        <p:spPr>
+          <a:xfrm>
+            <a:off x="2710036" y="1609636"/>
+            <a:ext cx="1080120" cy="523220"/>
+          </a:xfrm>
+          <a:prstGeom prst="rect">
+            <a:avLst/>
+          </a:prstGeom>
+          <a:noFill/>
+        </p:spPr>
+        <p:txBody>
+          <a:bodyPr wrap="square" rtlCol="0">
+            <a:spAutoFit/>
+          </a:bodyPr>
+          <a:lstStyle/>
+          <a:p>
+            <a:r>
+              <a:rPr lang="fr-FR" sz="2800" dirty="0" smtClean="0"/>
+              <a:t>Tag</a:t>
+            </a:r>
+            <a:endParaRPr lang="fr-FR" sz="2800" dirty="0"/>
+          </a:p>
+        </p:txBody>
+      </p:sp>
+      <p:sp>
+        <p:nvSpPr>
+          <p:cNvPr id="53" name="ZoneTexte 52"/>
+          <p:cNvSpPr txBox="1"/>
+          <p:nvPr/>
+        </p:nvSpPr>
+        <p:spPr>
+          <a:xfrm rot="18035442">
+            <a:off x="9566491" y="1175444"/>
+            <a:ext cx="1080120" cy="523220"/>
+          </a:xfrm>
+          <a:prstGeom prst="rect">
+            <a:avLst/>
+          </a:prstGeom>
+          <a:noFill/>
+        </p:spPr>
+        <p:txBody>
+          <a:bodyPr wrap="square" rtlCol="0">
+            <a:spAutoFit/>
+          </a:bodyPr>
+          <a:lstStyle/>
+          <a:p>
+            <a:r>
+              <a:rPr lang="fr-FR" sz="2800" dirty="0" smtClean="0"/>
+              <a:t>Tag</a:t>
+            </a:r>
+            <a:endParaRPr lang="fr-FR" sz="2800" dirty="0"/>
+          </a:p>
+        </p:txBody>
+      </p:sp>
+      <p:sp>
+        <p:nvSpPr>
+          <p:cNvPr id="54" name="ZoneTexte 53"/>
+          <p:cNvSpPr txBox="1"/>
+          <p:nvPr/>
+        </p:nvSpPr>
+        <p:spPr>
+          <a:xfrm rot="3513147">
+            <a:off x="10515149" y="1534029"/>
+            <a:ext cx="1080120" cy="523220"/>
+          </a:xfrm>
+          <a:prstGeom prst="rect">
+            <a:avLst/>
+          </a:prstGeom>
+          <a:noFill/>
+        </p:spPr>
+        <p:txBody>
+          <a:bodyPr wrap="square" rtlCol="0">
+            <a:spAutoFit/>
+          </a:bodyPr>
+          <a:lstStyle/>
+          <a:p>
+            <a:r>
+              <a:rPr lang="fr-FR" sz="2800" dirty="0" smtClean="0"/>
+              <a:t>CSV</a:t>
+            </a:r>
+            <a:endParaRPr lang="fr-FR" sz="2800" dirty="0"/>
+          </a:p>
+        </p:txBody>
+      </p:sp>
+      <p:sp>
+        <p:nvSpPr>
+          <p:cNvPr id="55" name="ZoneTexte 54"/>
+          <p:cNvSpPr txBox="1"/>
+          <p:nvPr/>
+        </p:nvSpPr>
+        <p:spPr>
+          <a:xfrm>
+            <a:off x="2460566" y="5141188"/>
+            <a:ext cx="2088232" cy="369332"/>
+          </a:xfrm>
+          <a:prstGeom prst="rect">
+            <a:avLst/>
+          </a:prstGeom>
+          <a:noFill/>
+        </p:spPr>
+        <p:txBody>
+          <a:bodyPr wrap="square" rtlCol="0">
+            <a:spAutoFit/>
+          </a:bodyPr>
+          <a:lstStyle/>
+          <a:p>
+            <a:r>
+              <a:rPr lang="fr-FR" sz="1800" dirty="0" smtClean="0"/>
+              <a:t>Infos &amp; Commandes</a:t>
+            </a:r>
+            <a:endParaRPr lang="fr-FR" sz="1800" dirty="0"/>
+          </a:p>
+        </p:txBody>
+      </p:sp>
+      <p:pic>
+        <p:nvPicPr>
+          <p:cNvPr id="56" name="Image 55"/>
+          <p:cNvPicPr>
+            <a:picLocks noChangeAspect="1"/>
+          </p:cNvPicPr>
+          <p:nvPr/>
+        </p:nvPicPr>
+        <p:blipFill>
+          <a:blip r:embed="rId2">
+            <a:extLst>
+              <a:ext uri="{28A0092B-C50C-407E-A947-70E740481C1C}">
+                <a14:useLocalDpi xmlns:a14="http://schemas.microsoft.com/office/drawing/2010/main" val="0"/>
+              </a:ext>
+            </a:extLst>
+          </a:blip>
+          <a:stretch>
+            <a:fillRect/>
+          </a:stretch>
+        </p:blipFill>
+        <p:spPr>
+          <a:xfrm>
+            <a:off x="10268116" y="5097016"/>
+            <a:ext cx="1981107" cy="1760984"/>
+          </a:xfrm>
+          <a:prstGeom prst="rect">
+            <a:avLst/>
+          </a:prstGeom>
+        </p:spPr>
+      </p:pic>
+    </p:spTree>
+    <p:extLst>
+      <p:ext uri="{BB962C8B-B14F-4D97-AF65-F5344CB8AC3E}">
+        <p14:creationId xmlns:p14="http://schemas.microsoft.com/office/powerpoint/2010/main" val="305076815"/>
+      </p:ext>
+    </p:extLst>
+  </p:cSld>
+  <p:clrMapOvr>
+    <a:masterClrMapping/>
+  </p:clrMapOvr>
+  <mc:AlternateContent xmlns:mc="http://schemas.openxmlformats.org/markup-compatibility/2006" xmlns:p14="http://schemas.microsoft.com/office/powerpoint/2010/main">
+    <mc:Choice Requires="p14">
+      <p:transition spd="med" p14:dur="700">
+        <p:fade/>
+      </p:transition>
+    </mc:Choice>
+    <mc:Fallback xmlns="">
+      <p:transition spd="med">
+        <p:fade/>
+      </p:transition>
+    </mc:Fallback>
+  </mc:AlternateContent>
+  <p:timing>
+    <p:tnLst>
+      <p:par>
+        <p:cTn id="1" dur="indefinite" restart="never" nodeType="tmRoot">
+          <p:childTnLst>
+            <p:seq concurrent="1" nextAc="seek">
+              <p:cTn id="2" dur="indefinite" nodeType="mainSeq">
+                <p:childTnLst>
+                  <p:par>
+                    <p:cTn id="3" fill="hold">
+                      <p:stCondLst>
+                        <p:cond delay="indefinite"/>
+                      </p:stCondLst>
+                      <p:childTnLst>
+                        <p:par>
+                          <p:cTn id="4" fill="hold">
+                            <p:stCondLst>
+                              <p:cond delay="0"/>
+                            </p:stCondLst>
+                            <p:childTnLst>
+                              <p:par>
+                                <p:cTn id="5" presetID="10" presetClass="entr" presetSubtype="0" fill="hold" grpId="0" nodeType="clickEffect">
+                                  <p:stCondLst>
+                                    <p:cond delay="0"/>
+                                  </p:stCondLst>
+                                  <p:childTnLst>
+                                    <p:set>
+                                      <p:cBhvr>
+                                        <p:cTn id="6" dur="1" fill="hold">
+                                          <p:stCondLst>
+                                            <p:cond delay="0"/>
+                                          </p:stCondLst>
+                                        </p:cTn>
+                                        <p:tgtEl>
+                                          <p:spTgt spid="30"/>
+                                        </p:tgtEl>
+                                        <p:attrNameLst>
+                                          <p:attrName>style.visibility</p:attrName>
+                                        </p:attrNameLst>
+                                      </p:cBhvr>
+                                      <p:to>
+                                        <p:strVal val="visible"/>
+                                      </p:to>
+                                    </p:set>
+                                    <p:animEffect transition="in" filter="fade">
+                                      <p:cBhvr>
+                                        <p:cTn id="7" dur="500"/>
+                                        <p:tgtEl>
+                                          <p:spTgt spid="30"/>
+                                        </p:tgtEl>
+                                      </p:cBhvr>
+                                    </p:animEffect>
+                                  </p:childTnLst>
+                                </p:cTn>
+                              </p:par>
+                            </p:childTnLst>
+                          </p:cTn>
+                        </p:par>
+                      </p:childTnLst>
+                    </p:cTn>
+                  </p:par>
+                  <p:par>
+                    <p:cTn id="8" fill="hold">
+                      <p:stCondLst>
+                        <p:cond delay="indefinite"/>
+                      </p:stCondLst>
+                      <p:childTnLst>
+                        <p:par>
+                          <p:cTn id="9" fill="hold">
+                            <p:stCondLst>
+                              <p:cond delay="0"/>
+                            </p:stCondLst>
+                            <p:childTnLst>
+                              <p:par>
+                                <p:cTn id="10" presetID="10" presetClass="entr" presetSubtype="0" fill="hold" nodeType="clickEffect">
+                                  <p:stCondLst>
+                                    <p:cond delay="0"/>
+                                  </p:stCondLst>
+                                  <p:childTnLst>
+                                    <p:set>
+                                      <p:cBhvr>
+                                        <p:cTn id="11" dur="1" fill="hold">
+                                          <p:stCondLst>
+                                            <p:cond delay="0"/>
+                                          </p:stCondLst>
+                                        </p:cTn>
+                                        <p:tgtEl>
+                                          <p:spTgt spid="32"/>
+                                        </p:tgtEl>
+                                        <p:attrNameLst>
+                                          <p:attrName>style.visibility</p:attrName>
+                                        </p:attrNameLst>
+                                      </p:cBhvr>
+                                      <p:to>
+                                        <p:strVal val="visible"/>
+                                      </p:to>
+                                    </p:set>
+                                    <p:animEffect transition="in" filter="fade">
+                                      <p:cBhvr>
+                                        <p:cTn id="12" dur="500"/>
+                                        <p:tgtEl>
+                                          <p:spTgt spid="32"/>
+                                        </p:tgtEl>
+                                      </p:cBhvr>
+                                    </p:animEffect>
+                                  </p:childTnLst>
+                                </p:cTn>
+                              </p:par>
+                              <p:par>
+                                <p:cTn id="13" presetID="10" presetClass="entr" presetSubtype="0" fill="hold" grpId="0" nodeType="withEffect">
+                                  <p:stCondLst>
+                                    <p:cond delay="0"/>
+                                  </p:stCondLst>
+                                  <p:childTnLst>
+                                    <p:set>
+                                      <p:cBhvr>
+                                        <p:cTn id="14" dur="1" fill="hold">
+                                          <p:stCondLst>
+                                            <p:cond delay="0"/>
+                                          </p:stCondLst>
+                                        </p:cTn>
+                                        <p:tgtEl>
+                                          <p:spTgt spid="55"/>
+                                        </p:tgtEl>
+                                        <p:attrNameLst>
+                                          <p:attrName>style.visibility</p:attrName>
+                                        </p:attrNameLst>
+                                      </p:cBhvr>
+                                      <p:to>
+                                        <p:strVal val="visible"/>
+                                      </p:to>
+                                    </p:set>
+                                    <p:animEffect transition="in" filter="fade">
+                                      <p:cBhvr>
+                                        <p:cTn id="15" dur="500"/>
+                                        <p:tgtEl>
+                                          <p:spTgt spid="55"/>
+                                        </p:tgtEl>
+                                      </p:cBhvr>
+                                    </p:animEffect>
+                                  </p:childTnLst>
+                                </p:cTn>
+                              </p:par>
+                            </p:childTnLst>
+                          </p:cTn>
+                        </p:par>
+                      </p:childTnLst>
+                    </p:cTn>
+                  </p:par>
+                  <p:par>
+                    <p:cTn id="16" fill="hold">
+                      <p:stCondLst>
+                        <p:cond delay="indefinite"/>
+                      </p:stCondLst>
+                      <p:childTnLst>
+                        <p:par>
+                          <p:cTn id="17" fill="hold">
+                            <p:stCondLst>
+                              <p:cond delay="0"/>
+                            </p:stCondLst>
+                            <p:childTnLst>
+                              <p:par>
+                                <p:cTn id="18" presetID="10" presetClass="entr" presetSubtype="0" fill="hold" grpId="0" nodeType="clickEffect">
+                                  <p:stCondLst>
+                                    <p:cond delay="0"/>
+                                  </p:stCondLst>
+                                  <p:childTnLst>
+                                    <p:set>
+                                      <p:cBhvr>
+                                        <p:cTn id="19" dur="1" fill="hold">
+                                          <p:stCondLst>
+                                            <p:cond delay="0"/>
+                                          </p:stCondLst>
+                                        </p:cTn>
+                                        <p:tgtEl>
+                                          <p:spTgt spid="5"/>
+                                        </p:tgtEl>
+                                        <p:attrNameLst>
+                                          <p:attrName>style.visibility</p:attrName>
+                                        </p:attrNameLst>
+                                      </p:cBhvr>
+                                      <p:to>
+                                        <p:strVal val="visible"/>
+                                      </p:to>
+                                    </p:set>
+                                    <p:animEffect transition="in" filter="fade">
+                                      <p:cBhvr>
+                                        <p:cTn id="20" dur="500"/>
+                                        <p:tgtEl>
+                                          <p:spTgt spid="5"/>
+                                        </p:tgtEl>
+                                      </p:cBhvr>
+                                    </p:animEffect>
+                                  </p:childTnLst>
+                                </p:cTn>
+                              </p:par>
+                              <p:par>
+                                <p:cTn id="21" presetID="10" presetClass="entr" presetSubtype="0" fill="hold" grpId="0" nodeType="withEffect">
+                                  <p:stCondLst>
+                                    <p:cond delay="0"/>
+                                  </p:stCondLst>
+                                  <p:childTnLst>
+                                    <p:set>
+                                      <p:cBhvr>
+                                        <p:cTn id="22" dur="1" fill="hold">
+                                          <p:stCondLst>
+                                            <p:cond delay="0"/>
+                                          </p:stCondLst>
+                                        </p:cTn>
+                                        <p:tgtEl>
+                                          <p:spTgt spid="6"/>
+                                        </p:tgtEl>
+                                        <p:attrNameLst>
+                                          <p:attrName>style.visibility</p:attrName>
+                                        </p:attrNameLst>
+                                      </p:cBhvr>
+                                      <p:to>
+                                        <p:strVal val="visible"/>
+                                      </p:to>
+                                    </p:set>
+                                    <p:animEffect transition="in" filter="fade">
+                                      <p:cBhvr>
+                                        <p:cTn id="23" dur="500"/>
+                                        <p:tgtEl>
+                                          <p:spTgt spid="6"/>
+                                        </p:tgtEl>
+                                      </p:cBhvr>
+                                    </p:animEffect>
+                                  </p:childTnLst>
+                                </p:cTn>
+                              </p:par>
+                              <p:par>
+                                <p:cTn id="24" presetID="10" presetClass="entr" presetSubtype="0" fill="hold" grpId="0" nodeType="withEffect">
+                                  <p:stCondLst>
+                                    <p:cond delay="0"/>
+                                  </p:stCondLst>
+                                  <p:childTnLst>
+                                    <p:set>
+                                      <p:cBhvr>
+                                        <p:cTn id="25" dur="1" fill="hold">
+                                          <p:stCondLst>
+                                            <p:cond delay="0"/>
+                                          </p:stCondLst>
+                                        </p:cTn>
+                                        <p:tgtEl>
+                                          <p:spTgt spid="7"/>
+                                        </p:tgtEl>
+                                        <p:attrNameLst>
+                                          <p:attrName>style.visibility</p:attrName>
+                                        </p:attrNameLst>
+                                      </p:cBhvr>
+                                      <p:to>
+                                        <p:strVal val="visible"/>
+                                      </p:to>
+                                    </p:set>
+                                    <p:animEffect transition="in" filter="fade">
+                                      <p:cBhvr>
+                                        <p:cTn id="26" dur="500"/>
+                                        <p:tgtEl>
+                                          <p:spTgt spid="7"/>
+                                        </p:tgtEl>
+                                      </p:cBhvr>
+                                    </p:animEffect>
+                                  </p:childTnLst>
+                                </p:cTn>
+                              </p:par>
+                              <p:par>
+                                <p:cTn id="27" presetID="10" presetClass="entr" presetSubtype="0" fill="hold" grpId="0" nodeType="withEffect">
+                                  <p:stCondLst>
+                                    <p:cond delay="0"/>
+                                  </p:stCondLst>
+                                  <p:childTnLst>
+                                    <p:set>
+                                      <p:cBhvr>
+                                        <p:cTn id="28" dur="1" fill="hold">
+                                          <p:stCondLst>
+                                            <p:cond delay="0"/>
+                                          </p:stCondLst>
+                                        </p:cTn>
+                                        <p:tgtEl>
+                                          <p:spTgt spid="8"/>
+                                        </p:tgtEl>
+                                        <p:attrNameLst>
+                                          <p:attrName>style.visibility</p:attrName>
+                                        </p:attrNameLst>
+                                      </p:cBhvr>
+                                      <p:to>
+                                        <p:strVal val="visible"/>
+                                      </p:to>
+                                    </p:set>
+                                    <p:animEffect transition="in" filter="fade">
+                                      <p:cBhvr>
+                                        <p:cTn id="29" dur="500"/>
+                                        <p:tgtEl>
+                                          <p:spTgt spid="8"/>
+                                        </p:tgtEl>
+                                      </p:cBhvr>
+                                    </p:animEffect>
+                                  </p:childTnLst>
+                                </p:cTn>
+                              </p:par>
+                            </p:childTnLst>
+                          </p:cTn>
+                        </p:par>
+                      </p:childTnLst>
+                    </p:cTn>
+                  </p:par>
+                  <p:par>
+                    <p:cTn id="30" fill="hold">
+                      <p:stCondLst>
+                        <p:cond delay="indefinite"/>
+                      </p:stCondLst>
+                      <p:childTnLst>
+                        <p:par>
+                          <p:cTn id="31" fill="hold">
+                            <p:stCondLst>
+                              <p:cond delay="0"/>
+                            </p:stCondLst>
+                            <p:childTnLst>
+                              <p:par>
+                                <p:cTn id="32" presetID="10" presetClass="entr" presetSubtype="0" fill="hold" grpId="0" nodeType="clickEffect">
+                                  <p:stCondLst>
+                                    <p:cond delay="0"/>
+                                  </p:stCondLst>
+                                  <p:childTnLst>
+                                    <p:set>
+                                      <p:cBhvr>
+                                        <p:cTn id="33" dur="1" fill="hold">
+                                          <p:stCondLst>
+                                            <p:cond delay="0"/>
+                                          </p:stCondLst>
+                                        </p:cTn>
+                                        <p:tgtEl>
+                                          <p:spTgt spid="45"/>
+                                        </p:tgtEl>
+                                        <p:attrNameLst>
+                                          <p:attrName>style.visibility</p:attrName>
+                                        </p:attrNameLst>
+                                      </p:cBhvr>
+                                      <p:to>
+                                        <p:strVal val="visible"/>
+                                      </p:to>
+                                    </p:set>
+                                    <p:animEffect transition="in" filter="fade">
+                                      <p:cBhvr>
+                                        <p:cTn id="34" dur="500"/>
+                                        <p:tgtEl>
+                                          <p:spTgt spid="45"/>
+                                        </p:tgtEl>
+                                      </p:cBhvr>
+                                    </p:animEffect>
+                                  </p:childTnLst>
+                                </p:cTn>
+                              </p:par>
+                              <p:par>
+                                <p:cTn id="35" presetID="10" presetClass="entr" presetSubtype="0" fill="hold" nodeType="withEffect">
+                                  <p:stCondLst>
+                                    <p:cond delay="0"/>
+                                  </p:stCondLst>
+                                  <p:childTnLst>
+                                    <p:set>
+                                      <p:cBhvr>
+                                        <p:cTn id="36" dur="1" fill="hold">
+                                          <p:stCondLst>
+                                            <p:cond delay="0"/>
+                                          </p:stCondLst>
+                                        </p:cTn>
+                                        <p:tgtEl>
+                                          <p:spTgt spid="34"/>
+                                        </p:tgtEl>
+                                        <p:attrNameLst>
+                                          <p:attrName>style.visibility</p:attrName>
+                                        </p:attrNameLst>
+                                      </p:cBhvr>
+                                      <p:to>
+                                        <p:strVal val="visible"/>
+                                      </p:to>
+                                    </p:set>
+                                    <p:animEffect transition="in" filter="fade">
+                                      <p:cBhvr>
+                                        <p:cTn id="37" dur="500"/>
+                                        <p:tgtEl>
+                                          <p:spTgt spid="34"/>
+                                        </p:tgtEl>
+                                      </p:cBhvr>
+                                    </p:animEffect>
+                                  </p:childTnLst>
+                                </p:cTn>
+                              </p:par>
+                              <p:par>
+                                <p:cTn id="38" presetID="10" presetClass="entr" presetSubtype="0" fill="hold" nodeType="withEffect">
+                                  <p:stCondLst>
+                                    <p:cond delay="0"/>
+                                  </p:stCondLst>
+                                  <p:childTnLst>
+                                    <p:set>
+                                      <p:cBhvr>
+                                        <p:cTn id="39" dur="1" fill="hold">
+                                          <p:stCondLst>
+                                            <p:cond delay="0"/>
+                                          </p:stCondLst>
+                                        </p:cTn>
+                                        <p:tgtEl>
+                                          <p:spTgt spid="35"/>
+                                        </p:tgtEl>
+                                        <p:attrNameLst>
+                                          <p:attrName>style.visibility</p:attrName>
+                                        </p:attrNameLst>
+                                      </p:cBhvr>
+                                      <p:to>
+                                        <p:strVal val="visible"/>
+                                      </p:to>
+                                    </p:set>
+                                    <p:animEffect transition="in" filter="fade">
+                                      <p:cBhvr>
+                                        <p:cTn id="40" dur="500"/>
+                                        <p:tgtEl>
+                                          <p:spTgt spid="35"/>
+                                        </p:tgtEl>
+                                      </p:cBhvr>
+                                    </p:animEffect>
+                                  </p:childTnLst>
+                                </p:cTn>
+                              </p:par>
+                              <p:par>
+                                <p:cTn id="41" presetID="10" presetClass="entr" presetSubtype="0" fill="hold" nodeType="withEffect">
+                                  <p:stCondLst>
+                                    <p:cond delay="0"/>
+                                  </p:stCondLst>
+                                  <p:childTnLst>
+                                    <p:set>
+                                      <p:cBhvr>
+                                        <p:cTn id="42" dur="1" fill="hold">
+                                          <p:stCondLst>
+                                            <p:cond delay="0"/>
+                                          </p:stCondLst>
+                                        </p:cTn>
+                                        <p:tgtEl>
+                                          <p:spTgt spid="38"/>
+                                        </p:tgtEl>
+                                        <p:attrNameLst>
+                                          <p:attrName>style.visibility</p:attrName>
+                                        </p:attrNameLst>
+                                      </p:cBhvr>
+                                      <p:to>
+                                        <p:strVal val="visible"/>
+                                      </p:to>
+                                    </p:set>
+                                    <p:animEffect transition="in" filter="fade">
+                                      <p:cBhvr>
+                                        <p:cTn id="43" dur="500"/>
+                                        <p:tgtEl>
+                                          <p:spTgt spid="38"/>
+                                        </p:tgtEl>
+                                      </p:cBhvr>
+                                    </p:animEffect>
+                                  </p:childTnLst>
+                                </p:cTn>
+                              </p:par>
+                              <p:par>
+                                <p:cTn id="44" presetID="10" presetClass="entr" presetSubtype="0" fill="hold" nodeType="withEffect">
+                                  <p:stCondLst>
+                                    <p:cond delay="0"/>
+                                  </p:stCondLst>
+                                  <p:childTnLst>
+                                    <p:set>
+                                      <p:cBhvr>
+                                        <p:cTn id="45" dur="1" fill="hold">
+                                          <p:stCondLst>
+                                            <p:cond delay="0"/>
+                                          </p:stCondLst>
+                                        </p:cTn>
+                                        <p:tgtEl>
+                                          <p:spTgt spid="41"/>
+                                        </p:tgtEl>
+                                        <p:attrNameLst>
+                                          <p:attrName>style.visibility</p:attrName>
+                                        </p:attrNameLst>
+                                      </p:cBhvr>
+                                      <p:to>
+                                        <p:strVal val="visible"/>
+                                      </p:to>
+                                    </p:set>
+                                    <p:animEffect transition="in" filter="fade">
+                                      <p:cBhvr>
+                                        <p:cTn id="46" dur="500"/>
+                                        <p:tgtEl>
+                                          <p:spTgt spid="41"/>
+                                        </p:tgtEl>
+                                      </p:cBhvr>
+                                    </p:animEffect>
+                                  </p:childTnLst>
+                                </p:cTn>
+                              </p:par>
+                            </p:childTnLst>
+                          </p:cTn>
+                        </p:par>
+                      </p:childTnLst>
+                    </p:cTn>
+                  </p:par>
+                  <p:par>
+                    <p:cTn id="47" fill="hold">
+                      <p:stCondLst>
+                        <p:cond delay="indefinite"/>
+                      </p:stCondLst>
+                      <p:childTnLst>
+                        <p:par>
+                          <p:cTn id="48" fill="hold">
+                            <p:stCondLst>
+                              <p:cond delay="0"/>
+                            </p:stCondLst>
+                            <p:childTnLst>
+                              <p:par>
+                                <p:cTn id="49" presetID="10" presetClass="entr" presetSubtype="0" fill="hold" nodeType="clickEffect">
+                                  <p:stCondLst>
+                                    <p:cond delay="0"/>
+                                  </p:stCondLst>
+                                  <p:childTnLst>
+                                    <p:set>
+                                      <p:cBhvr>
+                                        <p:cTn id="50" dur="1" fill="hold">
+                                          <p:stCondLst>
+                                            <p:cond delay="0"/>
+                                          </p:stCondLst>
+                                        </p:cTn>
+                                        <p:tgtEl>
+                                          <p:spTgt spid="18"/>
+                                        </p:tgtEl>
+                                        <p:attrNameLst>
+                                          <p:attrName>style.visibility</p:attrName>
+                                        </p:attrNameLst>
+                                      </p:cBhvr>
+                                      <p:to>
+                                        <p:strVal val="visible"/>
+                                      </p:to>
+                                    </p:set>
+                                    <p:animEffect transition="in" filter="fade">
+                                      <p:cBhvr>
+                                        <p:cTn id="51" dur="500"/>
+                                        <p:tgtEl>
+                                          <p:spTgt spid="18"/>
+                                        </p:tgtEl>
+                                      </p:cBhvr>
+                                    </p:animEffect>
+                                  </p:childTnLst>
+                                </p:cTn>
+                              </p:par>
+                              <p:par>
+                                <p:cTn id="52" presetID="10" presetClass="entr" presetSubtype="0" fill="hold" nodeType="withEffect">
+                                  <p:stCondLst>
+                                    <p:cond delay="0"/>
+                                  </p:stCondLst>
+                                  <p:childTnLst>
+                                    <p:set>
+                                      <p:cBhvr>
+                                        <p:cTn id="53" dur="1" fill="hold">
+                                          <p:stCondLst>
+                                            <p:cond delay="0"/>
+                                          </p:stCondLst>
+                                        </p:cTn>
+                                        <p:tgtEl>
+                                          <p:spTgt spid="19"/>
+                                        </p:tgtEl>
+                                        <p:attrNameLst>
+                                          <p:attrName>style.visibility</p:attrName>
+                                        </p:attrNameLst>
+                                      </p:cBhvr>
+                                      <p:to>
+                                        <p:strVal val="visible"/>
+                                      </p:to>
+                                    </p:set>
+                                    <p:animEffect transition="in" filter="fade">
+                                      <p:cBhvr>
+                                        <p:cTn id="54" dur="500"/>
+                                        <p:tgtEl>
+                                          <p:spTgt spid="19"/>
+                                        </p:tgtEl>
+                                      </p:cBhvr>
+                                    </p:animEffect>
+                                  </p:childTnLst>
+                                </p:cTn>
+                              </p:par>
+                              <p:par>
+                                <p:cTn id="55" presetID="10" presetClass="entr" presetSubtype="0" fill="hold" nodeType="withEffect">
+                                  <p:stCondLst>
+                                    <p:cond delay="0"/>
+                                  </p:stCondLst>
+                                  <p:childTnLst>
+                                    <p:set>
+                                      <p:cBhvr>
+                                        <p:cTn id="56" dur="1" fill="hold">
+                                          <p:stCondLst>
+                                            <p:cond delay="0"/>
+                                          </p:stCondLst>
+                                        </p:cTn>
+                                        <p:tgtEl>
+                                          <p:spTgt spid="22"/>
+                                        </p:tgtEl>
+                                        <p:attrNameLst>
+                                          <p:attrName>style.visibility</p:attrName>
+                                        </p:attrNameLst>
+                                      </p:cBhvr>
+                                      <p:to>
+                                        <p:strVal val="visible"/>
+                                      </p:to>
+                                    </p:set>
+                                    <p:animEffect transition="in" filter="fade">
+                                      <p:cBhvr>
+                                        <p:cTn id="57" dur="500"/>
+                                        <p:tgtEl>
+                                          <p:spTgt spid="22"/>
+                                        </p:tgtEl>
+                                      </p:cBhvr>
+                                    </p:animEffect>
+                                  </p:childTnLst>
+                                </p:cTn>
+                              </p:par>
+                              <p:par>
+                                <p:cTn id="58" presetID="10" presetClass="entr" presetSubtype="0" fill="hold" grpId="0" nodeType="withEffect">
+                                  <p:stCondLst>
+                                    <p:cond delay="0"/>
+                                  </p:stCondLst>
+                                  <p:childTnLst>
+                                    <p:set>
+                                      <p:cBhvr>
+                                        <p:cTn id="59" dur="1" fill="hold">
+                                          <p:stCondLst>
+                                            <p:cond delay="0"/>
+                                          </p:stCondLst>
+                                        </p:cTn>
+                                        <p:tgtEl>
+                                          <p:spTgt spid="46"/>
+                                        </p:tgtEl>
+                                        <p:attrNameLst>
+                                          <p:attrName>style.visibility</p:attrName>
+                                        </p:attrNameLst>
+                                      </p:cBhvr>
+                                      <p:to>
+                                        <p:strVal val="visible"/>
+                                      </p:to>
+                                    </p:set>
+                                    <p:animEffect transition="in" filter="fade">
+                                      <p:cBhvr>
+                                        <p:cTn id="60" dur="500"/>
+                                        <p:tgtEl>
+                                          <p:spTgt spid="46"/>
+                                        </p:tgtEl>
+                                      </p:cBhvr>
+                                    </p:animEffect>
+                                  </p:childTnLst>
+                                </p:cTn>
+                              </p:par>
+                            </p:childTnLst>
+                          </p:cTn>
+                        </p:par>
+                      </p:childTnLst>
+                    </p:cTn>
+                  </p:par>
+                  <p:par>
+                    <p:cTn id="61" fill="hold">
+                      <p:stCondLst>
+                        <p:cond delay="indefinite"/>
+                      </p:stCondLst>
+                      <p:childTnLst>
+                        <p:par>
+                          <p:cTn id="62" fill="hold">
+                            <p:stCondLst>
+                              <p:cond delay="0"/>
+                            </p:stCondLst>
+                            <p:childTnLst>
+                              <p:par>
+                                <p:cTn id="63" presetID="10" presetClass="entr" presetSubtype="0" fill="hold" grpId="0" nodeType="clickEffect">
+                                  <p:stCondLst>
+                                    <p:cond delay="0"/>
+                                  </p:stCondLst>
+                                  <p:childTnLst>
+                                    <p:set>
+                                      <p:cBhvr>
+                                        <p:cTn id="64" dur="1" fill="hold">
+                                          <p:stCondLst>
+                                            <p:cond delay="0"/>
+                                          </p:stCondLst>
+                                        </p:cTn>
+                                        <p:tgtEl>
+                                          <p:spTgt spid="25"/>
+                                        </p:tgtEl>
+                                        <p:attrNameLst>
+                                          <p:attrName>style.visibility</p:attrName>
+                                        </p:attrNameLst>
+                                      </p:cBhvr>
+                                      <p:to>
+                                        <p:strVal val="visible"/>
+                                      </p:to>
+                                    </p:set>
+                                    <p:animEffect transition="in" filter="fade">
+                                      <p:cBhvr>
+                                        <p:cTn id="65" dur="500"/>
+                                        <p:tgtEl>
+                                          <p:spTgt spid="25"/>
+                                        </p:tgtEl>
+                                      </p:cBhvr>
+                                    </p:animEffect>
+                                  </p:childTnLst>
+                                </p:cTn>
+                              </p:par>
+                            </p:childTnLst>
+                          </p:cTn>
+                        </p:par>
+                      </p:childTnLst>
+                    </p:cTn>
+                  </p:par>
+                  <p:par>
+                    <p:cTn id="66" fill="hold">
+                      <p:stCondLst>
+                        <p:cond delay="indefinite"/>
+                      </p:stCondLst>
+                      <p:childTnLst>
+                        <p:par>
+                          <p:cTn id="67" fill="hold">
+                            <p:stCondLst>
+                              <p:cond delay="0"/>
+                            </p:stCondLst>
+                            <p:childTnLst>
+                              <p:par>
+                                <p:cTn id="68" presetID="10" presetClass="entr" presetSubtype="0" fill="hold" grpId="0" nodeType="clickEffect">
+                                  <p:stCondLst>
+                                    <p:cond delay="0"/>
+                                  </p:stCondLst>
+                                  <p:childTnLst>
+                                    <p:set>
+                                      <p:cBhvr>
+                                        <p:cTn id="69" dur="1" fill="hold">
+                                          <p:stCondLst>
+                                            <p:cond delay="0"/>
+                                          </p:stCondLst>
+                                        </p:cTn>
+                                        <p:tgtEl>
+                                          <p:spTgt spid="53"/>
+                                        </p:tgtEl>
+                                        <p:attrNameLst>
+                                          <p:attrName>style.visibility</p:attrName>
+                                        </p:attrNameLst>
+                                      </p:cBhvr>
+                                      <p:to>
+                                        <p:strVal val="visible"/>
+                                      </p:to>
+                                    </p:set>
+                                    <p:animEffect transition="in" filter="fade">
+                                      <p:cBhvr>
+                                        <p:cTn id="70" dur="500"/>
+                                        <p:tgtEl>
+                                          <p:spTgt spid="53"/>
+                                        </p:tgtEl>
+                                      </p:cBhvr>
+                                    </p:animEffect>
+                                  </p:childTnLst>
+                                </p:cTn>
+                              </p:par>
+                              <p:par>
+                                <p:cTn id="71" presetID="10" presetClass="entr" presetSubtype="0" fill="hold" nodeType="withEffect">
+                                  <p:stCondLst>
+                                    <p:cond delay="0"/>
+                                  </p:stCondLst>
+                                  <p:childTnLst>
+                                    <p:set>
+                                      <p:cBhvr>
+                                        <p:cTn id="72" dur="1" fill="hold">
+                                          <p:stCondLst>
+                                            <p:cond delay="0"/>
+                                          </p:stCondLst>
+                                        </p:cTn>
+                                        <p:tgtEl>
+                                          <p:spTgt spid="29"/>
+                                        </p:tgtEl>
+                                        <p:attrNameLst>
+                                          <p:attrName>style.visibility</p:attrName>
+                                        </p:attrNameLst>
+                                      </p:cBhvr>
+                                      <p:to>
+                                        <p:strVal val="visible"/>
+                                      </p:to>
+                                    </p:set>
+                                    <p:animEffect transition="in" filter="fade">
+                                      <p:cBhvr>
+                                        <p:cTn id="73" dur="500"/>
+                                        <p:tgtEl>
+                                          <p:spTgt spid="29"/>
+                                        </p:tgtEl>
+                                      </p:cBhvr>
+                                    </p:animEffect>
+                                  </p:childTnLst>
+                                </p:cTn>
+                              </p:par>
+                            </p:childTnLst>
+                          </p:cTn>
+                        </p:par>
+                      </p:childTnLst>
+                    </p:cTn>
+                  </p:par>
+                  <p:par>
+                    <p:cTn id="74" fill="hold">
+                      <p:stCondLst>
+                        <p:cond delay="indefinite"/>
+                      </p:stCondLst>
+                      <p:childTnLst>
+                        <p:par>
+                          <p:cTn id="75" fill="hold">
+                            <p:stCondLst>
+                              <p:cond delay="0"/>
+                            </p:stCondLst>
+                            <p:childTnLst>
+                              <p:par>
+                                <p:cTn id="76" presetID="10" presetClass="entr" presetSubtype="0" fill="hold" nodeType="clickEffect">
+                                  <p:stCondLst>
+                                    <p:cond delay="0"/>
+                                  </p:stCondLst>
+                                  <p:childTnLst>
+                                    <p:set>
+                                      <p:cBhvr>
+                                        <p:cTn id="77" dur="1" fill="hold">
+                                          <p:stCondLst>
+                                            <p:cond delay="0"/>
+                                          </p:stCondLst>
+                                        </p:cTn>
+                                        <p:tgtEl>
+                                          <p:spTgt spid="27"/>
+                                        </p:tgtEl>
+                                        <p:attrNameLst>
+                                          <p:attrName>style.visibility</p:attrName>
+                                        </p:attrNameLst>
+                                      </p:cBhvr>
+                                      <p:to>
+                                        <p:strVal val="visible"/>
+                                      </p:to>
+                                    </p:set>
+                                    <p:animEffect transition="in" filter="fade">
+                                      <p:cBhvr>
+                                        <p:cTn id="78" dur="500"/>
+                                        <p:tgtEl>
+                                          <p:spTgt spid="27"/>
+                                        </p:tgtEl>
+                                      </p:cBhvr>
+                                    </p:animEffect>
+                                  </p:childTnLst>
+                                </p:cTn>
+                              </p:par>
+                              <p:par>
+                                <p:cTn id="79" presetID="10" presetClass="entr" presetSubtype="0" fill="hold" grpId="0" nodeType="withEffect">
+                                  <p:stCondLst>
+                                    <p:cond delay="0"/>
+                                  </p:stCondLst>
+                                  <p:childTnLst>
+                                    <p:set>
+                                      <p:cBhvr>
+                                        <p:cTn id="80" dur="1" fill="hold">
+                                          <p:stCondLst>
+                                            <p:cond delay="0"/>
+                                          </p:stCondLst>
+                                        </p:cTn>
+                                        <p:tgtEl>
+                                          <p:spTgt spid="54"/>
+                                        </p:tgtEl>
+                                        <p:attrNameLst>
+                                          <p:attrName>style.visibility</p:attrName>
+                                        </p:attrNameLst>
+                                      </p:cBhvr>
+                                      <p:to>
+                                        <p:strVal val="visible"/>
+                                      </p:to>
+                                    </p:set>
+                                    <p:animEffect transition="in" filter="fade">
+                                      <p:cBhvr>
+                                        <p:cTn id="81" dur="500"/>
+                                        <p:tgtEl>
+                                          <p:spTgt spid="54"/>
+                                        </p:tgtEl>
+                                      </p:cBhvr>
+                                    </p:animEffect>
+                                  </p:childTnLst>
+                                </p:cTn>
+                              </p:par>
+                            </p:childTnLst>
+                          </p:cTn>
+                        </p:par>
+                      </p:childTnLst>
+                    </p:cTn>
+                  </p:par>
+                </p:childTnLst>
+              </p:cTn>
+              <p:prevCondLst>
+                <p:cond evt="onPrev" delay="0">
+                  <p:tgtEl>
+                    <p:sldTgt/>
+                  </p:tgtEl>
+                </p:cond>
+              </p:prevCondLst>
+              <p:nextCondLst>
+                <p:cond evt="onNext" delay="0">
+                  <p:tgtEl>
+                    <p:sldTgt/>
+                  </p:tgtEl>
+                </p:cond>
+              </p:nextCondLst>
+            </p:seq>
+          </p:childTnLst>
+        </p:cTn>
+      </p:par>
+    </p:tnLst>
+    <p:bldLst>
+      <p:bldP spid="5" grpId="0" animBg="1"/>
+      <p:bldP spid="6" grpId="0" animBg="1"/>
+      <p:bldP spid="7" grpId="0" animBg="1"/>
+      <p:bldP spid="8" grpId="0" animBg="1"/>
+      <p:bldP spid="25" grpId="0" animBg="1"/>
+      <p:bldP spid="30" grpId="0" animBg="1"/>
+      <p:bldP spid="45" grpId="0"/>
+      <p:bldP spid="46" grpId="0"/>
+      <p:bldP spid="53" grpId="0"/>
+      <p:bldP spid="54" grpId="0"/>
+      <p:bldP spid="55" grpId="0"/>
+    </p:bldLst>
+  </p:timing>
+</p:sld>
+</file>
+
+<file path=ppt/slides/slide6.xml><?xml version="1.0" encoding="utf-8"?>
+<p:sld xmlns:a="http://schemas.openxmlformats.org/drawingml/2006/main" xmlns:r="http://schemas.openxmlformats.org/officeDocument/2006/relationships" xmlns:p="http://schemas.openxmlformats.org/presentationml/2006/main">
+  <p:cSld>
+    <p:spTree>
+      <p:nvGrpSpPr>
+        <p:cNvPr id="1" name=""/>
+        <p:cNvGrpSpPr/>
+        <p:nvPr/>
+      </p:nvGrpSpPr>
+      <p:grpSpPr>
+        <a:xfrm>
+          <a:off x="0" y="0"/>
+          <a:ext cx="0" cy="0"/>
+          <a:chOff x="0" y="0"/>
+          <a:chExt cx="0" cy="0"/>
+        </a:xfrm>
+      </p:grpSpPr>
+      <p:sp>
+        <p:nvSpPr>
+          <p:cNvPr id="2" name="Titre 1"/>
+          <p:cNvSpPr>
+            <a:spLocks noGrp="1"/>
+          </p:cNvSpPr>
+          <p:nvPr>
+            <p:ph type="title"/>
+          </p:nvPr>
+        </p:nvSpPr>
+        <p:spPr/>
+        <p:txBody>
+          <a:bodyPr/>
+          <a:lstStyle/>
+          <a:p>
+            <a:r>
+              <a:rPr lang="fr-FR" dirty="0" smtClean="0"/>
+              <a:t>Interfaces</a:t>
+            </a:r>
+            <a:endParaRPr lang="fr-FR" dirty="0"/>
+          </a:p>
+        </p:txBody>
+      </p:sp>
+      <p:pic>
+        <p:nvPicPr>
+          <p:cNvPr id="4" name="Image 3"/>
+          <p:cNvPicPr>
+            <a:picLocks noChangeAspect="1"/>
+          </p:cNvPicPr>
+          <p:nvPr/>
+        </p:nvPicPr>
+        <p:blipFill>
+          <a:blip r:embed="rId2">
+            <a:extLst>
+              <a:ext uri="{28A0092B-C50C-407E-A947-70E740481C1C}">
+                <a14:useLocalDpi xmlns:a14="http://schemas.microsoft.com/office/drawing/2010/main" val="0"/>
+              </a:ext>
+            </a:extLst>
+          </a:blip>
+          <a:stretch>
+            <a:fillRect/>
+          </a:stretch>
+        </p:blipFill>
+        <p:spPr>
+          <a:xfrm>
+            <a:off x="1980000" y="1620000"/>
+            <a:ext cx="7755849" cy="5129611"/>
+          </a:xfrm>
+          <a:prstGeom prst="rect">
+            <a:avLst/>
+          </a:prstGeom>
+        </p:spPr>
+      </p:pic>
+      <p:pic>
+        <p:nvPicPr>
+          <p:cNvPr id="6" name="Image 5"/>
+          <p:cNvPicPr>
+            <a:picLocks noChangeAspect="1"/>
+          </p:cNvPicPr>
+          <p:nvPr/>
+        </p:nvPicPr>
+        <p:blipFill>
+          <a:blip r:embed="rId3">
+            <a:extLst>
+              <a:ext uri="{28A0092B-C50C-407E-A947-70E740481C1C}">
+                <a14:useLocalDpi xmlns:a14="http://schemas.microsoft.com/office/drawing/2010/main" val="0"/>
+              </a:ext>
+            </a:extLst>
+          </a:blip>
+          <a:stretch>
+            <a:fillRect/>
+          </a:stretch>
+        </p:blipFill>
+        <p:spPr>
+          <a:xfrm>
+            <a:off x="10207718" y="6126"/>
+            <a:ext cx="1981107" cy="1760984"/>
+          </a:xfrm>
+          <a:prstGeom prst="rect">
+            <a:avLst/>
+          </a:prstGeom>
+        </p:spPr>
+      </p:pic>
+    </p:spTree>
+    <p:extLst>
+      <p:ext uri="{BB962C8B-B14F-4D97-AF65-F5344CB8AC3E}">
+        <p14:creationId xmlns:p14="http://schemas.microsoft.com/office/powerpoint/2010/main" val="570629814"/>
+      </p:ext>
+    </p:extLst>
+  </p:cSld>
+  <p:clrMapOvr>
+    <a:masterClrMapping/>
+  </p:clrMapOvr>
+  <mc:AlternateContent xmlns:mc="http://schemas.openxmlformats.org/markup-compatibility/2006" xmlns:p14="http://schemas.microsoft.com/office/powerpoint/2010/main">
+    <mc:Choice Requires="p14">
+      <p:transition spd="med" p14:dur="700">
+        <p:fade/>
+      </p:transition>
+    </mc:Choice>
+    <mc:Fallback xmlns="">
+      <p:transition spd="med">
+        <p:fade/>
+      </p:transition>
+    </mc:Fallback>
+  </mc:AlternateContent>
+  <p:timing>
+    <p:tnLst>
+      <p:par>
+        <p:cTn id="1" dur="indefinite" restart="never" nodeType="tmRoot"/>
+      </p:par>
+    </p:tnLst>
+  </p:timing>
+</p:sld>
+</file>
+
+<file path=ppt/slides/slide7.xml><?xml version="1.0" encoding="utf-8"?>
+<p:sld xmlns:a="http://schemas.openxmlformats.org/drawingml/2006/main" xmlns:r="http://schemas.openxmlformats.org/officeDocument/2006/relationships" xmlns:p="http://schemas.openxmlformats.org/presentationml/2006/main">
+  <p:cSld>
+    <p:spTree>
+      <p:nvGrpSpPr>
+        <p:cNvPr id="1" name=""/>
+        <p:cNvGrpSpPr/>
+        <p:nvPr/>
+      </p:nvGrpSpPr>
+      <p:grpSpPr>
+        <a:xfrm>
+          <a:off x="0" y="0"/>
+          <a:ext cx="0" cy="0"/>
+          <a:chOff x="0" y="0"/>
+          <a:chExt cx="0" cy="0"/>
+        </a:xfrm>
+      </p:grpSpPr>
+      <p:pic>
+        <p:nvPicPr>
+          <p:cNvPr id="4" name="Image 3"/>
+          <p:cNvPicPr>
+            <a:picLocks noChangeAspect="1"/>
+          </p:cNvPicPr>
+          <p:nvPr/>
+        </p:nvPicPr>
+        <p:blipFill>
+          <a:blip r:embed="rId2">
+            <a:extLst>
+              <a:ext uri="{28A0092B-C50C-407E-A947-70E740481C1C}">
+                <a14:useLocalDpi xmlns:a14="http://schemas.microsoft.com/office/drawing/2010/main" val="0"/>
+              </a:ext>
+            </a:extLst>
+          </a:blip>
+          <a:stretch>
+            <a:fillRect/>
+          </a:stretch>
+        </p:blipFill>
+        <p:spPr>
+          <a:xfrm>
+            <a:off x="17344" y="116632"/>
+            <a:ext cx="12132920" cy="6571997"/>
+          </a:xfrm>
+          <a:prstGeom prst="rect">
+            <a:avLst/>
+          </a:prstGeom>
+        </p:spPr>
+      </p:pic>
+    </p:spTree>
+    <p:extLst>
+      <p:ext uri="{BB962C8B-B14F-4D97-AF65-F5344CB8AC3E}">
+        <p14:creationId xmlns:p14="http://schemas.microsoft.com/office/powerpoint/2010/main" val="2903758476"/>
+      </p:ext>
+    </p:extLst>
+  </p:cSld>
+  <p:clrMapOvr>
+    <a:masterClrMapping/>
+  </p:clrMapOvr>
+  <mc:AlternateContent xmlns:mc="http://schemas.openxmlformats.org/markup-compatibility/2006" xmlns:p14="http://schemas.microsoft.com/office/powerpoint/2010/main">
+    <mc:Choice Requires="p14">
+      <p:transition spd="med" p14:dur="700">
+        <p:fade/>
+      </p:transition>
+    </mc:Choice>
+    <mc:Fallback xmlns="">
+      <p:transition spd="med">
+        <p:fade/>
+      </p:transition>
+    </mc:Fallback>
+  </mc:AlternateContent>
+  <p:timing>
+    <p:tnLst>
+      <p:par>
+        <p:cTn id="1" dur="indefinite" restart="never" nodeType="tmRoot"/>
+      </p:par>
+    </p:tnLst>
+  </p:timing>
+</p:sld>
+</file>
+
+<file path=ppt/slides/slide8.xml><?xml version="1.0" encoding="utf-8"?>
+<p:sld xmlns:a="http://schemas.openxmlformats.org/drawingml/2006/main" xmlns:r="http://schemas.openxmlformats.org/officeDocument/2006/relationships" xmlns:p="http://schemas.openxmlformats.org/presentationml/2006/main">
+  <p:cSld>
+    <p:spTree>
+      <p:nvGrpSpPr>
+        <p:cNvPr id="1" name=""/>
+        <p:cNvGrpSpPr/>
+        <p:nvPr/>
+      </p:nvGrpSpPr>
+      <p:grpSpPr>
+        <a:xfrm>
+          <a:off x="0" y="0"/>
+          <a:ext cx="0" cy="0"/>
+          <a:chOff x="0" y="0"/>
+          <a:chExt cx="0" cy="0"/>
+        </a:xfrm>
+      </p:grpSpPr>
+      <p:pic>
+        <p:nvPicPr>
+          <p:cNvPr id="4" name="Image 3"/>
+          <p:cNvPicPr>
+            <a:picLocks noChangeAspect="1"/>
+          </p:cNvPicPr>
+          <p:nvPr/>
+        </p:nvPicPr>
+        <p:blipFill>
+          <a:blip r:embed="rId2">
+            <a:extLst>
+              <a:ext uri="{28A0092B-C50C-407E-A947-70E740481C1C}">
+                <a14:useLocalDpi xmlns:a14="http://schemas.microsoft.com/office/drawing/2010/main" val="0"/>
+              </a:ext>
+            </a:extLst>
+          </a:blip>
+          <a:stretch>
+            <a:fillRect/>
+          </a:stretch>
+        </p:blipFill>
+        <p:spPr>
+          <a:xfrm>
+            <a:off x="32760" y="116632"/>
+            <a:ext cx="12132917" cy="6571997"/>
+          </a:xfrm>
+          <a:prstGeom prst="rect">
+            <a:avLst/>
+          </a:prstGeom>
+        </p:spPr>
+      </p:pic>
+    </p:spTree>
+    <p:extLst>
+      <p:ext uri="{BB962C8B-B14F-4D97-AF65-F5344CB8AC3E}">
+        <p14:creationId xmlns:p14="http://schemas.microsoft.com/office/powerpoint/2010/main" val="2930016636"/>
+      </p:ext>
+    </p:extLst>
+  </p:cSld>
+  <p:clrMapOvr>
+    <a:masterClrMapping/>
+  </p:clrMapOvr>
+  <mc:AlternateContent xmlns:mc="http://schemas.openxmlformats.org/markup-compatibility/2006" xmlns:p14="http://schemas.microsoft.com/office/powerpoint/2010/main">
+    <mc:Choice Requires="p14">
+      <p:transition spd="med" p14:dur="700">
+        <p:fade/>
+      </p:transition>
+    </mc:Choice>
+    <mc:Fallback xmlns="">
+      <p:transition spd="med">
+        <p:fade/>
+      </p:transition>
+    </mc:Fallback>
+  </mc:AlternateContent>
+  <p:timing>
+    <p:tnLst>
+      <p:par>
+        <p:cTn id="1" dur="indefinite" restart="never" nodeType="tmRoot"/>
+      </p:par>
+    </p:tnLst>
+  </p:timing>
+</p:sld>
+</file>
+
+<file path=ppt/slides/slide9.xml><?xml version="1.0" encoding="utf-8"?>
+<p:sld xmlns:a="http://schemas.openxmlformats.org/drawingml/2006/main" xmlns:r="http://schemas.openxmlformats.org/officeDocument/2006/relationships" xmlns:p="http://schemas.openxmlformats.org/presentationml/2006/main">
+  <p:cSld>
+    <p:spTree>
+      <p:nvGrpSpPr>
+        <p:cNvPr id="1" name=""/>
+        <p:cNvGrpSpPr/>
+        <p:nvPr/>
+      </p:nvGrpSpPr>
+      <p:grpSpPr>
+        <a:xfrm>
+          <a:off x="0" y="0"/>
+          <a:ext cx="0" cy="0"/>
+          <a:chOff x="0" y="0"/>
+          <a:chExt cx="0" cy="0"/>
+        </a:xfrm>
+      </p:grpSpPr>
+      <p:pic>
+        <p:nvPicPr>
+          <p:cNvPr id="4" name="Image 3"/>
+          <p:cNvPicPr>
+            <a:picLocks noChangeAspect="1"/>
+          </p:cNvPicPr>
+          <p:nvPr/>
+        </p:nvPicPr>
+        <p:blipFill>
+          <a:blip r:embed="rId2">
+            <a:extLst>
+              <a:ext uri="{28A0092B-C50C-407E-A947-70E740481C1C}">
+                <a14:useLocalDpi xmlns:a14="http://schemas.microsoft.com/office/drawing/2010/main" val="0"/>
+              </a:ext>
+            </a:extLst>
+          </a:blip>
+          <a:stretch>
+            <a:fillRect/>
+          </a:stretch>
+        </p:blipFill>
+        <p:spPr>
+          <a:xfrm>
+            <a:off x="32762" y="116632"/>
+            <a:ext cx="12132913" cy="6571995"/>
+          </a:xfrm>
+          <a:prstGeom prst="rect">
+            <a:avLst/>
+          </a:prstGeom>
+        </p:spPr>
+      </p:pic>
+    </p:spTree>
+    <p:extLst>
+      <p:ext uri="{BB962C8B-B14F-4D97-AF65-F5344CB8AC3E}">
+        <p14:creationId xmlns:p14="http://schemas.microsoft.com/office/powerpoint/2010/main" val="2894124972"/>
+      </p:ext>
+    </p:extLst>
+  </p:cSld>
+  <p:clrMapOvr>
+    <a:masterClrMapping/>
+  </p:clrMapOvr>
+  <mc:AlternateContent xmlns:mc="http://schemas.openxmlformats.org/markup-compatibility/2006" xmlns:p14="http://schemas.microsoft.com/office/powerpoint/2010/main">
+    <mc:Choice Requires="p14">
+      <p:transition spd="med" p14:dur="700">
+        <p:fade/>
+      </p:transition>
+    </mc:Choice>
+    <mc:Fallback xmlns="">
+      <p:transition spd="med">
+        <p:fade/>
+      </p:transition>
+    </mc:Fallback>
+  </mc:AlternateContent>
+  <p:timing>
+    <p:tnLst>
+      <p:par>
+        <p:cTn id="1" dur="indefinite" restart="never" nodeType="tmRoot"/>
+      </p:par>
+    </p:tnLst>
+  </p:timing>
 </p:sld>
 </file>
 
@@ -7037,6 +14524,151 @@
 </file>
 
 <file path=customXml/item1.xml><?xml version="1.0" encoding="utf-8"?>
+<p:properties xmlns:p="http://schemas.microsoft.com/office/2006/metadata/properties" xmlns:xsi="http://www.w3.org/2001/XMLSchema-instance" xmlns:pc="http://schemas.microsoft.com/office/infopath/2007/PartnerControls">
+  <documentManagement>
+    <LocPublishedLinkedAssetsLookup xmlns="4873beb7-5857-4685-be1f-d57550cc96cc" xsi:nil="true"/>
+    <ApprovalStatus xmlns="4873beb7-5857-4685-be1f-d57550cc96cc">InProgress</ApprovalStatus>
+    <MarketSpecific xmlns="4873beb7-5857-4685-be1f-d57550cc96cc">false</MarketSpecific>
+    <LocComments xmlns="4873beb7-5857-4685-be1f-d57550cc96cc" xsi:nil="true"/>
+    <LocLastLocAttemptVersionTypeLookup xmlns="4873beb7-5857-4685-be1f-d57550cc96cc" xsi:nil="true"/>
+    <DirectSourceMarket xmlns="4873beb7-5857-4685-be1f-d57550cc96cc" xsi:nil="true"/>
+    <ThumbnailAssetId xmlns="4873beb7-5857-4685-be1f-d57550cc96cc" xsi:nil="true"/>
+    <PrimaryImageGen xmlns="4873beb7-5857-4685-be1f-d57550cc96cc">false</PrimaryImageGen>
+    <LocNewPublishedVersionLookup xmlns="4873beb7-5857-4685-be1f-d57550cc96cc" xsi:nil="true"/>
+    <LegacyData xmlns="4873beb7-5857-4685-be1f-d57550cc96cc" xsi:nil="true"/>
+    <LocRecommendedHandoff xmlns="4873beb7-5857-4685-be1f-d57550cc96cc" xsi:nil="true"/>
+    <BusinessGroup xmlns="4873beb7-5857-4685-be1f-d57550cc96cc" xsi:nil="true"/>
+    <BlockPublish xmlns="4873beb7-5857-4685-be1f-d57550cc96cc">false</BlockPublish>
+    <TPFriendlyName xmlns="4873beb7-5857-4685-be1f-d57550cc96cc" xsi:nil="true"/>
+    <LocOverallPublishStatusLookup xmlns="4873beb7-5857-4685-be1f-d57550cc96cc" xsi:nil="true"/>
+    <NumericId xmlns="4873beb7-5857-4685-be1f-d57550cc96cc" xsi:nil="true"/>
+    <APEditor xmlns="4873beb7-5857-4685-be1f-d57550cc96cc">
+      <UserInfo>
+        <DisplayName/>
+        <AccountId xsi:nil="true"/>
+        <AccountType/>
+      </UserInfo>
+    </APEditor>
+    <SourceTitle xmlns="4873beb7-5857-4685-be1f-d57550cc96cc" xsi:nil="true"/>
+    <OpenTemplate xmlns="4873beb7-5857-4685-be1f-d57550cc96cc">true</OpenTemplate>
+    <LocOverallLocStatusLookup xmlns="4873beb7-5857-4685-be1f-d57550cc96cc" xsi:nil="true"/>
+    <UALocComments xmlns="4873beb7-5857-4685-be1f-d57550cc96cc" xsi:nil="true"/>
+    <ParentAssetId xmlns="4873beb7-5857-4685-be1f-d57550cc96cc" xsi:nil="true"/>
+    <IntlLangReviewDate xmlns="4873beb7-5857-4685-be1f-d57550cc96cc" xsi:nil="true"/>
+    <FeatureTagsTaxHTField0 xmlns="4873beb7-5857-4685-be1f-d57550cc96cc">
+      <Terms xmlns="http://schemas.microsoft.com/office/infopath/2007/PartnerControls"/>
+    </FeatureTagsTaxHTField0>
+    <PublishStatusLookup xmlns="4873beb7-5857-4685-be1f-d57550cc96cc">
+      <Value>1345093</Value>
+    </PublishStatusLookup>
+    <Providers xmlns="4873beb7-5857-4685-be1f-d57550cc96cc" xsi:nil="true"/>
+    <MachineTranslated xmlns="4873beb7-5857-4685-be1f-d57550cc96cc">false</MachineTranslated>
+    <OriginalSourceMarket xmlns="4873beb7-5857-4685-be1f-d57550cc96cc" xsi:nil="true"/>
+    <APDescription xmlns="4873beb7-5857-4685-be1f-d57550cc96cc">This simple template design works for technology and  businesses, but it's versatile enough to use in other contexts.  It features multiple slide layouts designed for widescreen (16x9 resolution) and includes a sample SmartArt list and chart that are easily editable.</APDescription>
+    <ClipArtFilename xmlns="4873beb7-5857-4685-be1f-d57550cc96cc" xsi:nil="true"/>
+    <ContentItem xmlns="4873beb7-5857-4685-be1f-d57550cc96cc" xsi:nil="true"/>
+    <TPInstallLocation xmlns="4873beb7-5857-4685-be1f-d57550cc96cc" xsi:nil="true"/>
+    <PublishTargets xmlns="4873beb7-5857-4685-be1f-d57550cc96cc">OfficeOnlineVNext</PublishTargets>
+    <TimesCloned xmlns="4873beb7-5857-4685-be1f-d57550cc96cc" xsi:nil="true"/>
+    <AssetStart xmlns="4873beb7-5857-4685-be1f-d57550cc96cc">2011-11-26T00:30:00+00:00</AssetStart>
+    <Provider xmlns="4873beb7-5857-4685-be1f-d57550cc96cc" xsi:nil="true"/>
+    <AcquiredFrom xmlns="4873beb7-5857-4685-be1f-d57550cc96cc">Internal MS</AcquiredFrom>
+    <FriendlyTitle xmlns="4873beb7-5857-4685-be1f-d57550cc96cc" xsi:nil="true"/>
+    <LastHandOff xmlns="4873beb7-5857-4685-be1f-d57550cc96cc" xsi:nil="true"/>
+    <TPClientViewer xmlns="4873beb7-5857-4685-be1f-d57550cc96cc" xsi:nil="true"/>
+    <TemplateStatus xmlns="4873beb7-5857-4685-be1f-d57550cc96cc">Complete</TemplateStatus>
+    <Downloads xmlns="4873beb7-5857-4685-be1f-d57550cc96cc">0</Downloads>
+    <OOCacheId xmlns="4873beb7-5857-4685-be1f-d57550cc96cc" xsi:nil="true"/>
+    <IsDeleted xmlns="4873beb7-5857-4685-be1f-d57550cc96cc">false</IsDeleted>
+    <LocPublishedDependentAssetsLookup xmlns="4873beb7-5857-4685-be1f-d57550cc96cc" xsi:nil="true"/>
+    <TPExecutable xmlns="4873beb7-5857-4685-be1f-d57550cc96cc" xsi:nil="true"/>
+    <EditorialTags xmlns="4873beb7-5857-4685-be1f-d57550cc96cc" xsi:nil="true"/>
+    <SubmitterId xmlns="4873beb7-5857-4685-be1f-d57550cc96cc" xsi:nil="true"/>
+    <ApprovalLog xmlns="4873beb7-5857-4685-be1f-d57550cc96cc" xsi:nil="true"/>
+    <AssetType xmlns="4873beb7-5857-4685-be1f-d57550cc96cc">TP</AssetType>
+    <BugNumber xmlns="4873beb7-5857-4685-be1f-d57550cc96cc" xsi:nil="true"/>
+    <CSXSubmissionDate xmlns="4873beb7-5857-4685-be1f-d57550cc96cc" xsi:nil="true"/>
+    <CSXUpdate xmlns="4873beb7-5857-4685-be1f-d57550cc96cc">false</CSXUpdate>
+    <Milestone xmlns="4873beb7-5857-4685-be1f-d57550cc96cc" xsi:nil="true"/>
+    <RecommendationsModifier xmlns="4873beb7-5857-4685-be1f-d57550cc96cc" xsi:nil="true"/>
+    <OriginAsset xmlns="4873beb7-5857-4685-be1f-d57550cc96cc" xsi:nil="true"/>
+    <TPComponent xmlns="4873beb7-5857-4685-be1f-d57550cc96cc" xsi:nil="true"/>
+    <AssetId xmlns="4873beb7-5857-4685-be1f-d57550cc96cc">TP102787989</AssetId>
+    <IntlLocPriority xmlns="4873beb7-5857-4685-be1f-d57550cc96cc" xsi:nil="true"/>
+    <PolicheckWords xmlns="4873beb7-5857-4685-be1f-d57550cc96cc" xsi:nil="true"/>
+    <TPLaunchHelpLink xmlns="4873beb7-5857-4685-be1f-d57550cc96cc" xsi:nil="true"/>
+    <TPApplication xmlns="4873beb7-5857-4685-be1f-d57550cc96cc" xsi:nil="true"/>
+    <CrawlForDependencies xmlns="4873beb7-5857-4685-be1f-d57550cc96cc">false</CrawlForDependencies>
+    <HandoffToMSDN xmlns="4873beb7-5857-4685-be1f-d57550cc96cc" xsi:nil="true"/>
+    <PlannedPubDate xmlns="4873beb7-5857-4685-be1f-d57550cc96cc" xsi:nil="true"/>
+    <IntlLangReviewer xmlns="4873beb7-5857-4685-be1f-d57550cc96cc" xsi:nil="true"/>
+    <TrustLevel xmlns="4873beb7-5857-4685-be1f-d57550cc96cc">1 Microsoft Managed Content</TrustLevel>
+    <LocLastLocAttemptVersionLookup xmlns="4873beb7-5857-4685-be1f-d57550cc96cc">694266</LocLastLocAttemptVersionLookup>
+    <LocProcessedForHandoffsLookup xmlns="4873beb7-5857-4685-be1f-d57550cc96cc" xsi:nil="true"/>
+    <IsSearchable xmlns="4873beb7-5857-4685-be1f-d57550cc96cc">true</IsSearchable>
+    <TemplateTemplateType xmlns="4873beb7-5857-4685-be1f-d57550cc96cc">PowerPoint Presentation Template</TemplateTemplateType>
+    <CampaignTagsTaxHTField0 xmlns="4873beb7-5857-4685-be1f-d57550cc96cc">
+      <Terms xmlns="http://schemas.microsoft.com/office/infopath/2007/PartnerControls"/>
+    </CampaignTagsTaxHTField0>
+    <TPNamespace xmlns="4873beb7-5857-4685-be1f-d57550cc96cc" xsi:nil="true"/>
+    <LocOverallPreviewStatusLookup xmlns="4873beb7-5857-4685-be1f-d57550cc96cc" xsi:nil="true"/>
+    <TaxCatchAll xmlns="4873beb7-5857-4685-be1f-d57550cc96cc"/>
+    <Markets xmlns="4873beb7-5857-4685-be1f-d57550cc96cc"/>
+    <UAProjectedTotalWords xmlns="4873beb7-5857-4685-be1f-d57550cc96cc" xsi:nil="true"/>
+    <IntlLangReview xmlns="4873beb7-5857-4685-be1f-d57550cc96cc" xsi:nil="true"/>
+    <OutputCachingOn xmlns="4873beb7-5857-4685-be1f-d57550cc96cc">false</OutputCachingOn>
+    <AverageRating xmlns="4873beb7-5857-4685-be1f-d57550cc96cc" xsi:nil="true"/>
+    <APAuthor xmlns="4873beb7-5857-4685-be1f-d57550cc96cc">
+      <UserInfo>
+        <DisplayName>REDMOND\kristaa</DisplayName>
+        <AccountId>136</AccountId>
+        <AccountType/>
+      </UserInfo>
+    </APAuthor>
+    <LocManualTestRequired xmlns="4873beb7-5857-4685-be1f-d57550cc96cc">false</LocManualTestRequired>
+    <TPCommandLine xmlns="4873beb7-5857-4685-be1f-d57550cc96cc" xsi:nil="true"/>
+    <TPAppVersion xmlns="4873beb7-5857-4685-be1f-d57550cc96cc" xsi:nil="true"/>
+    <EditorialStatus xmlns="4873beb7-5857-4685-be1f-d57550cc96cc">Complete</EditorialStatus>
+    <LastModifiedDateTime xmlns="4873beb7-5857-4685-be1f-d57550cc96cc" xsi:nil="true"/>
+    <ScenarioTagsTaxHTField0 xmlns="4873beb7-5857-4685-be1f-d57550cc96cc">
+      <Terms xmlns="http://schemas.microsoft.com/office/infopath/2007/PartnerControls"/>
+    </ScenarioTagsTaxHTField0>
+    <LocProcessedForMarketsLookup xmlns="4873beb7-5857-4685-be1f-d57550cc96cc" xsi:nil="true"/>
+    <TPLaunchHelpLinkType xmlns="4873beb7-5857-4685-be1f-d57550cc96cc">Template</TPLaunchHelpLinkType>
+    <OriginalRelease xmlns="4873beb7-5857-4685-be1f-d57550cc96cc">15</OriginalRelease>
+    <LocalizationTagsTaxHTField0 xmlns="4873beb7-5857-4685-be1f-d57550cc96cc">
+      <Terms xmlns="http://schemas.microsoft.com/office/infopath/2007/PartnerControls"/>
+    </LocalizationTagsTaxHTField0>
+    <UACurrentWords xmlns="4873beb7-5857-4685-be1f-d57550cc96cc" xsi:nil="true"/>
+    <ArtSampleDocs xmlns="4873beb7-5857-4685-be1f-d57550cc96cc" xsi:nil="true"/>
+    <UALocRecommendation xmlns="4873beb7-5857-4685-be1f-d57550cc96cc">Localize</UALocRecommendation>
+    <Manager xmlns="4873beb7-5857-4685-be1f-d57550cc96cc" xsi:nil="true"/>
+    <LocOverallHandbackStatusLookup xmlns="4873beb7-5857-4685-be1f-d57550cc96cc" xsi:nil="true"/>
+    <ShowIn xmlns="4873beb7-5857-4685-be1f-d57550cc96cc">Show everywhere</ShowIn>
+    <UANotes xmlns="4873beb7-5857-4685-be1f-d57550cc96cc" xsi:nil="true"/>
+    <InternalTagsTaxHTField0 xmlns="4873beb7-5857-4685-be1f-d57550cc96cc">
+      <Terms xmlns="http://schemas.microsoft.com/office/infopath/2007/PartnerControls"/>
+    </InternalTagsTaxHTField0>
+    <CSXHash xmlns="4873beb7-5857-4685-be1f-d57550cc96cc" xsi:nil="true"/>
+    <VoteCount xmlns="4873beb7-5857-4685-be1f-d57550cc96cc" xsi:nil="true"/>
+    <AssetExpire xmlns="4873beb7-5857-4685-be1f-d57550cc96cc">2029-05-12T07:00:00+00:00</AssetExpire>
+    <DSATActionTaken xmlns="4873beb7-5857-4685-be1f-d57550cc96cc" xsi:nil="true"/>
+    <CSXSubmissionMarket xmlns="4873beb7-5857-4685-be1f-d57550cc96cc" xsi:nil="true"/>
+    <LocMarketGroupTiers2 xmlns="4873beb7-5857-4685-be1f-d57550cc96cc" xsi:nil="true"/>
+  </documentManagement>
+</p:properties>
+</file>
+
+<file path=customXml/item2.xml><?xml version="1.0" encoding="utf-8"?>
+<?mso-contentType ?>
+<FormTemplates xmlns="http://schemas.microsoft.com/sharepoint/v3/contenttype/forms">
+  <Display>DocumentLibraryForm</Display>
+  <Edit>AssetEditForm</Edit>
+  <New>DocumentLibraryForm</New>
+</FormTemplates>
+</file>
+
+<file path=customXml/item3.xml><?xml version="1.0" encoding="utf-8"?>
 <ct:contentTypeSchema xmlns:ct="http://schemas.microsoft.com/office/2006/metadata/contentType" xmlns:ma="http://schemas.microsoft.com/office/2006/metadata/properties/metaAttributes" ct:_="" ma:_="" ma:contentTypeName="TemplateFile" ma:contentTypeID="0x0101006EDDDB5EE6D98C44930B742096920B300400F5B6D36B3EF94B4E9A635CDF2A18F5B8" ma:contentTypeVersion="72" ma:contentTypeDescription="Create a new document." ma:contentTypeScope="" ma:versionID="a23e56308344d904b51738559c3d67c9">
   <xsd:schema xmlns:xsd="http://www.w3.org/2001/XMLSchema" xmlns:xs="http://www.w3.org/2001/XMLSchema" xmlns:p="http://schemas.microsoft.com/office/2006/metadata/properties" xmlns:ns2="4873beb7-5857-4685-be1f-d57550cc96cc" targetNamespace="http://schemas.microsoft.com/office/2006/metadata/properties" ma:root="true" ma:fieldsID="cd0908cc4600e77bf5da051303e00c8d" ns2:_="">
     <xsd:import namespace="4873beb7-5857-4685-be1f-d57550cc96cc"/>
@@ -8076,152 +15708,31 @@
 </ct:contentTypeSchema>
 </file>
 
-<file path=customXml/item2.xml><?xml version="1.0" encoding="utf-8"?>
-<?mso-contentType ?>
-<FormTemplates xmlns="http://schemas.microsoft.com/sharepoint/v3/contenttype/forms">
-  <Display>DocumentLibraryForm</Display>
-  <Edit>AssetEditForm</Edit>
-  <New>DocumentLibraryForm</New>
-</FormTemplates>
+<file path=customXml/itemProps1.xml><?xml version="1.0" encoding="utf-8"?>
+<ds:datastoreItem xmlns:ds="http://schemas.openxmlformats.org/officeDocument/2006/customXml" ds:itemID="{60C67BEE-D13F-4BD2-98A5-34D8A0977F68}">
+  <ds:schemaRefs>
+    <ds:schemaRef ds:uri="http://schemas.microsoft.com/office/2006/documentManagement/types"/>
+    <ds:schemaRef ds:uri="4873beb7-5857-4685-be1f-d57550cc96cc"/>
+    <ds:schemaRef ds:uri="http://purl.org/dc/terms/"/>
+    <ds:schemaRef ds:uri="http://purl.org/dc/dcmitype/"/>
+    <ds:schemaRef ds:uri="http://purl.org/dc/elements/1.1/"/>
+    <ds:schemaRef ds:uri="http://schemas.microsoft.com/office/2006/metadata/properties"/>
+    <ds:schemaRef ds:uri="http://schemas.microsoft.com/office/infopath/2007/PartnerControls"/>
+    <ds:schemaRef ds:uri="http://schemas.openxmlformats.org/package/2006/metadata/core-properties"/>
+    <ds:schemaRef ds:uri="http://www.w3.org/XML/1998/namespace"/>
+  </ds:schemaRefs>
+</ds:datastoreItem>
 </file>
 
-<file path=customXml/item3.xml><?xml version="1.0" encoding="utf-8"?>
-<p:properties xmlns:p="http://schemas.microsoft.com/office/2006/metadata/properties" xmlns:xsi="http://www.w3.org/2001/XMLSchema-instance" xmlns:pc="http://schemas.microsoft.com/office/infopath/2007/PartnerControls">
-  <documentManagement>
-    <LocPublishedLinkedAssetsLookup xmlns="4873beb7-5857-4685-be1f-d57550cc96cc" xsi:nil="true"/>
-    <ApprovalStatus xmlns="4873beb7-5857-4685-be1f-d57550cc96cc">InProgress</ApprovalStatus>
-    <MarketSpecific xmlns="4873beb7-5857-4685-be1f-d57550cc96cc">false</MarketSpecific>
-    <LocComments xmlns="4873beb7-5857-4685-be1f-d57550cc96cc" xsi:nil="true"/>
-    <LocLastLocAttemptVersionTypeLookup xmlns="4873beb7-5857-4685-be1f-d57550cc96cc" xsi:nil="true"/>
-    <DirectSourceMarket xmlns="4873beb7-5857-4685-be1f-d57550cc96cc" xsi:nil="true"/>
-    <ThumbnailAssetId xmlns="4873beb7-5857-4685-be1f-d57550cc96cc" xsi:nil="true"/>
-    <PrimaryImageGen xmlns="4873beb7-5857-4685-be1f-d57550cc96cc">false</PrimaryImageGen>
-    <LocNewPublishedVersionLookup xmlns="4873beb7-5857-4685-be1f-d57550cc96cc" xsi:nil="true"/>
-    <LegacyData xmlns="4873beb7-5857-4685-be1f-d57550cc96cc" xsi:nil="true"/>
-    <LocRecommendedHandoff xmlns="4873beb7-5857-4685-be1f-d57550cc96cc" xsi:nil="true"/>
-    <BusinessGroup xmlns="4873beb7-5857-4685-be1f-d57550cc96cc" xsi:nil="true"/>
-    <BlockPublish xmlns="4873beb7-5857-4685-be1f-d57550cc96cc">false</BlockPublish>
-    <TPFriendlyName xmlns="4873beb7-5857-4685-be1f-d57550cc96cc" xsi:nil="true"/>
-    <LocOverallPublishStatusLookup xmlns="4873beb7-5857-4685-be1f-d57550cc96cc" xsi:nil="true"/>
-    <NumericId xmlns="4873beb7-5857-4685-be1f-d57550cc96cc" xsi:nil="true"/>
-    <APEditor xmlns="4873beb7-5857-4685-be1f-d57550cc96cc">
-      <UserInfo>
-        <DisplayName/>
-        <AccountId xsi:nil="true"/>
-        <AccountType/>
-      </UserInfo>
-    </APEditor>
-    <SourceTitle xmlns="4873beb7-5857-4685-be1f-d57550cc96cc" xsi:nil="true"/>
-    <OpenTemplate xmlns="4873beb7-5857-4685-be1f-d57550cc96cc">true</OpenTemplate>
-    <LocOverallLocStatusLookup xmlns="4873beb7-5857-4685-be1f-d57550cc96cc" xsi:nil="true"/>
-    <UALocComments xmlns="4873beb7-5857-4685-be1f-d57550cc96cc" xsi:nil="true"/>
-    <ParentAssetId xmlns="4873beb7-5857-4685-be1f-d57550cc96cc" xsi:nil="true"/>
-    <IntlLangReviewDate xmlns="4873beb7-5857-4685-be1f-d57550cc96cc" xsi:nil="true"/>
-    <FeatureTagsTaxHTField0 xmlns="4873beb7-5857-4685-be1f-d57550cc96cc">
-      <Terms xmlns="http://schemas.microsoft.com/office/infopath/2007/PartnerControls"/>
-    </FeatureTagsTaxHTField0>
-    <PublishStatusLookup xmlns="4873beb7-5857-4685-be1f-d57550cc96cc">
-      <Value>1345093</Value>
-    </PublishStatusLookup>
-    <Providers xmlns="4873beb7-5857-4685-be1f-d57550cc96cc" xsi:nil="true"/>
-    <MachineTranslated xmlns="4873beb7-5857-4685-be1f-d57550cc96cc">false</MachineTranslated>
-    <OriginalSourceMarket xmlns="4873beb7-5857-4685-be1f-d57550cc96cc" xsi:nil="true"/>
-    <APDescription xmlns="4873beb7-5857-4685-be1f-d57550cc96cc">This simple template design works for technology and  businesses, but it's versatile enough to use in other contexts.  It features multiple slide layouts designed for widescreen (16x9 resolution) and includes a sample SmartArt list and chart that are easily editable.</APDescription>
-    <ClipArtFilename xmlns="4873beb7-5857-4685-be1f-d57550cc96cc" xsi:nil="true"/>
-    <ContentItem xmlns="4873beb7-5857-4685-be1f-d57550cc96cc" xsi:nil="true"/>
-    <TPInstallLocation xmlns="4873beb7-5857-4685-be1f-d57550cc96cc" xsi:nil="true"/>
-    <PublishTargets xmlns="4873beb7-5857-4685-be1f-d57550cc96cc">OfficeOnlineVNext</PublishTargets>
-    <TimesCloned xmlns="4873beb7-5857-4685-be1f-d57550cc96cc" xsi:nil="true"/>
-    <AssetStart xmlns="4873beb7-5857-4685-be1f-d57550cc96cc">2011-11-26T00:30:00+00:00</AssetStart>
-    <Provider xmlns="4873beb7-5857-4685-be1f-d57550cc96cc" xsi:nil="true"/>
-    <AcquiredFrom xmlns="4873beb7-5857-4685-be1f-d57550cc96cc">Internal MS</AcquiredFrom>
-    <FriendlyTitle xmlns="4873beb7-5857-4685-be1f-d57550cc96cc" xsi:nil="true"/>
-    <LastHandOff xmlns="4873beb7-5857-4685-be1f-d57550cc96cc" xsi:nil="true"/>
-    <TPClientViewer xmlns="4873beb7-5857-4685-be1f-d57550cc96cc" xsi:nil="true"/>
-    <TemplateStatus xmlns="4873beb7-5857-4685-be1f-d57550cc96cc">Complete</TemplateStatus>
-    <Downloads xmlns="4873beb7-5857-4685-be1f-d57550cc96cc">0</Downloads>
-    <OOCacheId xmlns="4873beb7-5857-4685-be1f-d57550cc96cc" xsi:nil="true"/>
-    <IsDeleted xmlns="4873beb7-5857-4685-be1f-d57550cc96cc">false</IsDeleted>
-    <LocPublishedDependentAssetsLookup xmlns="4873beb7-5857-4685-be1f-d57550cc96cc" xsi:nil="true"/>
-    <TPExecutable xmlns="4873beb7-5857-4685-be1f-d57550cc96cc" xsi:nil="true"/>
-    <EditorialTags xmlns="4873beb7-5857-4685-be1f-d57550cc96cc" xsi:nil="true"/>
-    <SubmitterId xmlns="4873beb7-5857-4685-be1f-d57550cc96cc" xsi:nil="true"/>
-    <ApprovalLog xmlns="4873beb7-5857-4685-be1f-d57550cc96cc" xsi:nil="true"/>
-    <AssetType xmlns="4873beb7-5857-4685-be1f-d57550cc96cc">TP</AssetType>
-    <BugNumber xmlns="4873beb7-5857-4685-be1f-d57550cc96cc" xsi:nil="true"/>
-    <CSXSubmissionDate xmlns="4873beb7-5857-4685-be1f-d57550cc96cc" xsi:nil="true"/>
-    <CSXUpdate xmlns="4873beb7-5857-4685-be1f-d57550cc96cc">false</CSXUpdate>
-    <Milestone xmlns="4873beb7-5857-4685-be1f-d57550cc96cc" xsi:nil="true"/>
-    <RecommendationsModifier xmlns="4873beb7-5857-4685-be1f-d57550cc96cc" xsi:nil="true"/>
-    <OriginAsset xmlns="4873beb7-5857-4685-be1f-d57550cc96cc" xsi:nil="true"/>
-    <TPComponent xmlns="4873beb7-5857-4685-be1f-d57550cc96cc" xsi:nil="true"/>
-    <AssetId xmlns="4873beb7-5857-4685-be1f-d57550cc96cc">TP102787989</AssetId>
-    <IntlLocPriority xmlns="4873beb7-5857-4685-be1f-d57550cc96cc" xsi:nil="true"/>
-    <PolicheckWords xmlns="4873beb7-5857-4685-be1f-d57550cc96cc" xsi:nil="true"/>
-    <TPLaunchHelpLink xmlns="4873beb7-5857-4685-be1f-d57550cc96cc" xsi:nil="true"/>
-    <TPApplication xmlns="4873beb7-5857-4685-be1f-d57550cc96cc" xsi:nil="true"/>
-    <CrawlForDependencies xmlns="4873beb7-5857-4685-be1f-d57550cc96cc">false</CrawlForDependencies>
-    <HandoffToMSDN xmlns="4873beb7-5857-4685-be1f-d57550cc96cc" xsi:nil="true"/>
-    <PlannedPubDate xmlns="4873beb7-5857-4685-be1f-d57550cc96cc" xsi:nil="true"/>
-    <IntlLangReviewer xmlns="4873beb7-5857-4685-be1f-d57550cc96cc" xsi:nil="true"/>
-    <TrustLevel xmlns="4873beb7-5857-4685-be1f-d57550cc96cc">1 Microsoft Managed Content</TrustLevel>
-    <LocLastLocAttemptVersionLookup xmlns="4873beb7-5857-4685-be1f-d57550cc96cc">694266</LocLastLocAttemptVersionLookup>
-    <LocProcessedForHandoffsLookup xmlns="4873beb7-5857-4685-be1f-d57550cc96cc" xsi:nil="true"/>
-    <IsSearchable xmlns="4873beb7-5857-4685-be1f-d57550cc96cc">true</IsSearchable>
-    <TemplateTemplateType xmlns="4873beb7-5857-4685-be1f-d57550cc96cc">PowerPoint Presentation Template</TemplateTemplateType>
-    <CampaignTagsTaxHTField0 xmlns="4873beb7-5857-4685-be1f-d57550cc96cc">
-      <Terms xmlns="http://schemas.microsoft.com/office/infopath/2007/PartnerControls"/>
-    </CampaignTagsTaxHTField0>
-    <TPNamespace xmlns="4873beb7-5857-4685-be1f-d57550cc96cc" xsi:nil="true"/>
-    <LocOverallPreviewStatusLookup xmlns="4873beb7-5857-4685-be1f-d57550cc96cc" xsi:nil="true"/>
-    <TaxCatchAll xmlns="4873beb7-5857-4685-be1f-d57550cc96cc"/>
-    <Markets xmlns="4873beb7-5857-4685-be1f-d57550cc96cc"/>
-    <UAProjectedTotalWords xmlns="4873beb7-5857-4685-be1f-d57550cc96cc" xsi:nil="true"/>
-    <IntlLangReview xmlns="4873beb7-5857-4685-be1f-d57550cc96cc" xsi:nil="true"/>
-    <OutputCachingOn xmlns="4873beb7-5857-4685-be1f-d57550cc96cc">false</OutputCachingOn>
-    <AverageRating xmlns="4873beb7-5857-4685-be1f-d57550cc96cc" xsi:nil="true"/>
-    <APAuthor xmlns="4873beb7-5857-4685-be1f-d57550cc96cc">
-      <UserInfo>
-        <DisplayName>REDMOND\kristaa</DisplayName>
-        <AccountId>136</AccountId>
-        <AccountType/>
-      </UserInfo>
-    </APAuthor>
-    <LocManualTestRequired xmlns="4873beb7-5857-4685-be1f-d57550cc96cc">false</LocManualTestRequired>
-    <TPCommandLine xmlns="4873beb7-5857-4685-be1f-d57550cc96cc" xsi:nil="true"/>
-    <TPAppVersion xmlns="4873beb7-5857-4685-be1f-d57550cc96cc" xsi:nil="true"/>
-    <EditorialStatus xmlns="4873beb7-5857-4685-be1f-d57550cc96cc">Complete</EditorialStatus>
-    <LastModifiedDateTime xmlns="4873beb7-5857-4685-be1f-d57550cc96cc" xsi:nil="true"/>
-    <ScenarioTagsTaxHTField0 xmlns="4873beb7-5857-4685-be1f-d57550cc96cc">
-      <Terms xmlns="http://schemas.microsoft.com/office/infopath/2007/PartnerControls"/>
-    </ScenarioTagsTaxHTField0>
-    <LocProcessedForMarketsLookup xmlns="4873beb7-5857-4685-be1f-d57550cc96cc" xsi:nil="true"/>
-    <TPLaunchHelpLinkType xmlns="4873beb7-5857-4685-be1f-d57550cc96cc">Template</TPLaunchHelpLinkType>
-    <OriginalRelease xmlns="4873beb7-5857-4685-be1f-d57550cc96cc">15</OriginalRelease>
-    <LocalizationTagsTaxHTField0 xmlns="4873beb7-5857-4685-be1f-d57550cc96cc">
-      <Terms xmlns="http://schemas.microsoft.com/office/infopath/2007/PartnerControls"/>
-    </LocalizationTagsTaxHTField0>
-    <UACurrentWords xmlns="4873beb7-5857-4685-be1f-d57550cc96cc" xsi:nil="true"/>
-    <ArtSampleDocs xmlns="4873beb7-5857-4685-be1f-d57550cc96cc" xsi:nil="true"/>
-    <UALocRecommendation xmlns="4873beb7-5857-4685-be1f-d57550cc96cc">Localize</UALocRecommendation>
-    <Manager xmlns="4873beb7-5857-4685-be1f-d57550cc96cc" xsi:nil="true"/>
-    <LocOverallHandbackStatusLookup xmlns="4873beb7-5857-4685-be1f-d57550cc96cc" xsi:nil="true"/>
-    <ShowIn xmlns="4873beb7-5857-4685-be1f-d57550cc96cc">Show everywhere</ShowIn>
-    <UANotes xmlns="4873beb7-5857-4685-be1f-d57550cc96cc" xsi:nil="true"/>
-    <InternalTagsTaxHTField0 xmlns="4873beb7-5857-4685-be1f-d57550cc96cc">
-      <Terms xmlns="http://schemas.microsoft.com/office/infopath/2007/PartnerControls"/>
-    </InternalTagsTaxHTField0>
-    <CSXHash xmlns="4873beb7-5857-4685-be1f-d57550cc96cc" xsi:nil="true"/>
-    <VoteCount xmlns="4873beb7-5857-4685-be1f-d57550cc96cc" xsi:nil="true"/>
-    <AssetExpire xmlns="4873beb7-5857-4685-be1f-d57550cc96cc">2029-05-12T07:00:00+00:00</AssetExpire>
-    <DSATActionTaken xmlns="4873beb7-5857-4685-be1f-d57550cc96cc" xsi:nil="true"/>
-    <CSXSubmissionMarket xmlns="4873beb7-5857-4685-be1f-d57550cc96cc" xsi:nil="true"/>
-    <LocMarketGroupTiers2 xmlns="4873beb7-5857-4685-be1f-d57550cc96cc" xsi:nil="true"/>
-  </documentManagement>
-</p:properties>
+<file path=customXml/itemProps2.xml><?xml version="1.0" encoding="utf-8"?>
+<ds:datastoreItem xmlns:ds="http://schemas.openxmlformats.org/officeDocument/2006/customXml" ds:itemID="{3836F65B-1B07-41EE-A0E8-BC6EF3855225}">
+  <ds:schemaRefs>
+    <ds:schemaRef ds:uri="http://schemas.microsoft.com/sharepoint/v3/contenttype/forms"/>
+  </ds:schemaRefs>
+</ds:datastoreItem>
 </file>
 
-<file path=customXml/itemProps1.xml><?xml version="1.0" encoding="utf-8"?>
+<file path=customXml/itemProps3.xml><?xml version="1.0" encoding="utf-8"?>
 <ds:datastoreItem xmlns:ds="http://schemas.openxmlformats.org/officeDocument/2006/customXml" ds:itemID="{A09BF4D4-EF60-4196-BFC3-9462D607978C}">
   <ds:schemaRefs>
     <ds:schemaRef ds:uri="http://schemas.microsoft.com/office/2006/metadata/contentType"/>
@@ -8237,28 +15748,4 @@
     <ds:schemaRef ds:uri="http://schemas.microsoft.com/internal/obd"/>
   </ds:schemaRefs>
 </ds:datastoreItem>
-</file>
-
-<file path=customXml/itemProps2.xml><?xml version="1.0" encoding="utf-8"?>
-<ds:datastoreItem xmlns:ds="http://schemas.openxmlformats.org/officeDocument/2006/customXml" ds:itemID="{3836F65B-1B07-41EE-A0E8-BC6EF3855225}">
-  <ds:schemaRefs>
-    <ds:schemaRef ds:uri="http://schemas.microsoft.com/sharepoint/v3/contenttype/forms"/>
-  </ds:schemaRefs>
-</ds:datastoreItem>
-</file>
-
-<file path=customXml/itemProps3.xml><?xml version="1.0" encoding="utf-8"?>
-<ds:datastoreItem xmlns:ds="http://schemas.openxmlformats.org/officeDocument/2006/customXml" ds:itemID="{60C67BEE-D13F-4BD2-98A5-34D8A0977F68}">
-  <ds:schemaRefs>
-    <ds:schemaRef ds:uri="4873beb7-5857-4685-be1f-d57550cc96cc"/>
-    <ds:schemaRef ds:uri="http://schemas.openxmlformats.org/package/2006/metadata/core-properties"/>
-    <ds:schemaRef ds:uri="http://purl.org/dc/terms/"/>
-    <ds:schemaRef ds:uri="http://schemas.microsoft.com/office/2006/documentManagement/types"/>
-    <ds:schemaRef ds:uri="http://purl.org/dc/elements/1.1/"/>
-    <ds:schemaRef ds:uri="http://schemas.microsoft.com/office/2006/metadata/properties"/>
-    <ds:schemaRef ds:uri="http://schemas.microsoft.com/office/infopath/2007/PartnerControls"/>
-    <ds:schemaRef ds:uri="http://www.w3.org/XML/1998/namespace"/>
-    <ds:schemaRef ds:uri="http://purl.org/dc/dcmitype/"/>
-  </ds:schemaRefs>
-</ds:datastoreItem>
 </file>